--- a/modules/week05/slides-05-advanced.pptx
+++ b/modules/week05/slides-05-advanced.pptx
@@ -6,61 +6,57 @@
     <p:sldMasterId id="2147483673" r:id="rId2"/>
   </p:sldMasterIdLst>
   <p:notesMasterIdLst>
-    <p:notesMasterId r:id="rId17"/>
+    <p:notesMasterId r:id="rId20"/>
   </p:notesMasterIdLst>
   <p:sldIdLst>
-    <p:sldId id="256" r:id="rId3"/>
-    <p:sldId id="257" r:id="rId4"/>
-    <p:sldId id="270" r:id="rId5"/>
-    <p:sldId id="269" r:id="rId6"/>
-    <p:sldId id="260" r:id="rId7"/>
-    <p:sldId id="261" r:id="rId8"/>
-    <p:sldId id="263" r:id="rId9"/>
-    <p:sldId id="262" r:id="rId10"/>
-    <p:sldId id="264" r:id="rId11"/>
-    <p:sldId id="266" r:id="rId12"/>
-    <p:sldId id="267" r:id="rId13"/>
-    <p:sldId id="268" r:id="rId14"/>
-    <p:sldId id="259" r:id="rId15"/>
-    <p:sldId id="272" r:id="rId16"/>
+    <p:sldId id="276" r:id="rId3"/>
+    <p:sldId id="256" r:id="rId4"/>
+    <p:sldId id="257" r:id="rId5"/>
+    <p:sldId id="270" r:id="rId6"/>
+    <p:sldId id="269" r:id="rId7"/>
+    <p:sldId id="260" r:id="rId8"/>
+    <p:sldId id="261" r:id="rId9"/>
+    <p:sldId id="263" r:id="rId10"/>
+    <p:sldId id="273" r:id="rId11"/>
+    <p:sldId id="262" r:id="rId12"/>
+    <p:sldId id="274" r:id="rId13"/>
+    <p:sldId id="264" r:id="rId14"/>
+    <p:sldId id="266" r:id="rId15"/>
+    <p:sldId id="267" r:id="rId16"/>
+    <p:sldId id="268" r:id="rId17"/>
+    <p:sldId id="259" r:id="rId18"/>
+    <p:sldId id="272" r:id="rId19"/>
   </p:sldIdLst>
   <p:sldSz cx="9144000" cy="5143500" type="screen16x9"/>
   <p:notesSz cx="6858000" cy="9144000"/>
   <p:embeddedFontLst>
     <p:embeddedFont>
       <p:font typeface="Avenir" panose="02000503020000020003" pitchFamily="2" charset="0"/>
-      <p:regular r:id="rId18"/>
-      <p:italic r:id="rId19"/>
+      <p:regular r:id="rId21"/>
+      <p:italic r:id="rId22"/>
     </p:embeddedFont>
     <p:embeddedFont>
       <p:font typeface="Avenir Book" panose="02000503020000020003" pitchFamily="2" charset="0"/>
-      <p:regular r:id="rId20"/>
-      <p:italic r:id="rId21"/>
-    </p:embeddedFont>
-    <p:embeddedFont>
-      <p:font typeface="Calibri" panose="020F0502020204030204" pitchFamily="34" charset="0"/>
-      <p:regular r:id="rId22"/>
-      <p:bold r:id="rId23"/>
+      <p:regular r:id="rId23"/>
       <p:italic r:id="rId24"/>
-      <p:boldItalic r:id="rId25"/>
     </p:embeddedFont>
     <p:embeddedFont>
       <p:font typeface="Century Gothic" panose="020B0502020202020204" pitchFamily="34" charset="0"/>
-      <p:regular r:id="rId26"/>
-      <p:bold r:id="rId27"/>
-      <p:italic r:id="rId28"/>
-      <p:boldItalic r:id="rId29"/>
+      <p:regular r:id="rId25"/>
+      <p:bold r:id="rId26"/>
+      <p:italic r:id="rId27"/>
+      <p:boldItalic r:id="rId28"/>
     </p:embeddedFont>
     <p:embeddedFont>
       <p:font typeface="Lobster" pitchFamily="2" charset="77"/>
-      <p:regular r:id="rId30"/>
+      <p:regular r:id="rId29"/>
     </p:embeddedFont>
     <p:embeddedFont>
       <p:font typeface="Nunito Sans" pitchFamily="2" charset="77"/>
-      <p:regular r:id="rId31"/>
-      <p:bold r:id="rId32"/>
-      <p:italic r:id="rId33"/>
-      <p:boldItalic r:id="rId34"/>
+      <p:regular r:id="rId30"/>
+      <p:bold r:id="rId31"/>
+      <p:italic r:id="rId32"/>
+      <p:boldItalic r:id="rId33"/>
     </p:embeddedFont>
   </p:embeddedFontLst>
   <p:defaultTextStyle>
@@ -753,11 +749,11 @@
 </file>
 
 <file path=ppt/notesSlides/notesSlide1.xml><?xml version="1.0" encoding="utf-8"?>
-<p:notes xmlns:a="http://schemas.openxmlformats.org/drawingml/2006/main" xmlns:r="http://schemas.openxmlformats.org/officeDocument/2006/relationships" xmlns:p="http://schemas.openxmlformats.org/presentationml/2006/main" showMasterSp="0" showMasterPhAnim="0">
+<p:notes xmlns:a="http://schemas.openxmlformats.org/drawingml/2006/main" xmlns:r="http://schemas.openxmlformats.org/officeDocument/2006/relationships" xmlns:p="http://schemas.openxmlformats.org/presentationml/2006/main">
   <p:cSld>
     <p:spTree>
       <p:nvGrpSpPr>
-        <p:cNvPr id="1" name="Shape 134"/>
+        <p:cNvPr id="1" name=""/>
         <p:cNvGrpSpPr/>
         <p:nvPr/>
       </p:nvGrpSpPr>
@@ -771,83 +767,49 @@
       </p:grpSpPr>
       <p:sp>
         <p:nvSpPr>
-          <p:cNvPr id="135" name="Google Shape;135;g2231e351ad2_0_96:notes"/>
-          <p:cNvSpPr txBox="1">
+          <p:cNvPr id="2" name="Slide Image Placeholder 1"/>
+          <p:cNvSpPr>
+            <a:spLocks noGrp="1" noRot="1" noChangeAspect="1"/>
+          </p:cNvSpPr>
+          <p:nvPr>
+            <p:ph type="sldImg"/>
+          </p:nvPr>
+        </p:nvSpPr>
+        <p:spPr>
+          <a:xfrm>
+            <a:off x="381000" y="685800"/>
+            <a:ext cx="6096000" cy="3429000"/>
+          </a:xfrm>
+        </p:spPr>
+      </p:sp>
+      <p:sp>
+        <p:nvSpPr>
+          <p:cNvPr id="3" name="Notes Placeholder 2"/>
+          <p:cNvSpPr>
             <a:spLocks noGrp="1"/>
           </p:cNvSpPr>
           <p:nvPr>
             <p:ph type="body" idx="1"/>
           </p:nvPr>
         </p:nvSpPr>
-        <p:spPr>
-          <a:xfrm>
-            <a:off x="685800" y="4400550"/>
-            <a:ext cx="5486400" cy="3600600"/>
-          </a:xfrm>
-          <a:prstGeom prst="rect">
-            <a:avLst/>
-          </a:prstGeom>
-        </p:spPr>
+        <p:spPr/>
         <p:txBody>
-          <a:bodyPr spcFirstLastPara="1" wrap="square" lIns="91425" tIns="91425" rIns="91425" bIns="91425" anchor="t" anchorCtr="0">
-            <a:noAutofit/>
-          </a:bodyPr>
+          <a:bodyPr/>
           <a:lstStyle/>
           <a:p>
-            <a:pPr marL="171450" lvl="0" indent="-171450" algn="l" rtl="0">
-              <a:spcBef>
-                <a:spcPts val="0"/>
-              </a:spcBef>
-              <a:spcAft>
-                <a:spcPts val="0"/>
-              </a:spcAft>
+            <a:pPr marL="158750" indent="0">
+              <a:buNone/>
             </a:pPr>
-            <a:endParaRPr dirty="0"/>
+            <a:endParaRPr lang="en-US" dirty="0"/>
           </a:p>
         </p:txBody>
       </p:sp>
-      <p:sp>
-        <p:nvSpPr>
-          <p:cNvPr id="136" name="Google Shape;136;g2231e351ad2_0_96:notes"/>
-          <p:cNvSpPr>
-            <a:spLocks noGrp="1" noRot="1" noChangeAspect="1"/>
-          </p:cNvSpPr>
-          <p:nvPr>
-            <p:ph type="sldImg" idx="2"/>
-          </p:nvPr>
-        </p:nvSpPr>
-        <p:spPr>
-          <a:xfrm>
-            <a:off x="685800" y="1143000"/>
-            <a:ext cx="5486400" cy="3086100"/>
-          </a:xfrm>
-          <a:custGeom>
-            <a:avLst/>
-            <a:gdLst/>
-            <a:ahLst/>
-            <a:cxnLst/>
-            <a:rect l="l" t="t" r="r" b="b"/>
-            <a:pathLst>
-              <a:path w="120000" h="120000" extrusionOk="0">
-                <a:moveTo>
-                  <a:pt x="0" y="0"/>
-                </a:moveTo>
-                <a:lnTo>
-                  <a:pt x="120000" y="0"/>
-                </a:lnTo>
-                <a:lnTo>
-                  <a:pt x="120000" y="120000"/>
-                </a:lnTo>
-                <a:lnTo>
-                  <a:pt x="0" y="120000"/>
-                </a:lnTo>
-                <a:close/>
-              </a:path>
-            </a:pathLst>
-          </a:custGeom>
-        </p:spPr>
-      </p:sp>
     </p:spTree>
+    <p:extLst>
+      <p:ext uri="{BB962C8B-B14F-4D97-AF65-F5344CB8AC3E}">
+        <p14:creationId xmlns:p14="http://schemas.microsoft.com/office/powerpoint/2010/main" val="2127122284"/>
+      </p:ext>
+    </p:extLst>
   </p:cSld>
   <p:clrMapOvr>
     <a:masterClrMapping/>
@@ -856,6 +818,75 @@
 </file>
 
 <file path=ppt/notesSlides/notesSlide10.xml><?xml version="1.0" encoding="utf-8"?>
+<p:notes xmlns:a="http://schemas.openxmlformats.org/drawingml/2006/main" xmlns:r="http://schemas.openxmlformats.org/officeDocument/2006/relationships" xmlns:p="http://schemas.openxmlformats.org/presentationml/2006/main">
+  <p:cSld>
+    <p:spTree>
+      <p:nvGrpSpPr>
+        <p:cNvPr id="1" name=""/>
+        <p:cNvGrpSpPr/>
+        <p:nvPr/>
+      </p:nvGrpSpPr>
+      <p:grpSpPr>
+        <a:xfrm>
+          <a:off x="0" y="0"/>
+          <a:ext cx="0" cy="0"/>
+          <a:chOff x="0" y="0"/>
+          <a:chExt cx="0" cy="0"/>
+        </a:xfrm>
+      </p:grpSpPr>
+      <p:sp>
+        <p:nvSpPr>
+          <p:cNvPr id="2" name="Slide Image Placeholder 1"/>
+          <p:cNvSpPr>
+            <a:spLocks noGrp="1" noRot="1" noChangeAspect="1"/>
+          </p:cNvSpPr>
+          <p:nvPr>
+            <p:ph type="sldImg"/>
+          </p:nvPr>
+        </p:nvSpPr>
+        <p:spPr>
+          <a:xfrm>
+            <a:off x="381000" y="685800"/>
+            <a:ext cx="6096000" cy="3429000"/>
+          </a:xfrm>
+        </p:spPr>
+      </p:sp>
+      <p:sp>
+        <p:nvSpPr>
+          <p:cNvPr id="3" name="Notes Placeholder 2"/>
+          <p:cNvSpPr>
+            <a:spLocks noGrp="1"/>
+          </p:cNvSpPr>
+          <p:nvPr>
+            <p:ph type="body" idx="1"/>
+          </p:nvPr>
+        </p:nvSpPr>
+        <p:spPr/>
+        <p:txBody>
+          <a:bodyPr/>
+          <a:lstStyle/>
+          <a:p>
+            <a:r>
+              <a:rPr lang="en-US" dirty="0"/>
+              <a:t>Rolling shutter effect: as sensor scan line moves down, propeller is moving, too.  Database analogy: as backup software scans disk, data is being modified.  Can yield inconsistent view of database.</a:t>
+            </a:r>
+          </a:p>
+        </p:txBody>
+      </p:sp>
+    </p:spTree>
+    <p:extLst>
+      <p:ext uri="{BB962C8B-B14F-4D97-AF65-F5344CB8AC3E}">
+        <p14:creationId xmlns:p14="http://schemas.microsoft.com/office/powerpoint/2010/main" val="439726991"/>
+      </p:ext>
+    </p:extLst>
+  </p:cSld>
+  <p:clrMapOvr>
+    <a:masterClrMapping/>
+  </p:clrMapOvr>
+</p:notes>
+</file>
+
+<file path=ppt/notesSlides/notesSlide11.xml><?xml version="1.0" encoding="utf-8"?>
 <p:notes xmlns:a="http://schemas.openxmlformats.org/drawingml/2006/main" xmlns:r="http://schemas.openxmlformats.org/officeDocument/2006/relationships" xmlns:p="http://schemas.openxmlformats.org/presentationml/2006/main">
   <p:cSld>
     <p:spTree>
@@ -935,7 +966,7 @@
   <p:cSld>
     <p:spTree>
       <p:nvGrpSpPr>
-        <p:cNvPr id="1" name="Shape 142"/>
+        <p:cNvPr id="1" name="Shape 134"/>
         <p:cNvGrpSpPr/>
         <p:nvPr/>
       </p:nvGrpSpPr>
@@ -949,7 +980,44 @@
       </p:grpSpPr>
       <p:sp>
         <p:nvSpPr>
-          <p:cNvPr id="143" name="Google Shape;143;g2231e351ad2_0_244:notes"/>
+          <p:cNvPr id="135" name="Google Shape;135;g2231e351ad2_0_96:notes"/>
+          <p:cNvSpPr txBox="1">
+            <a:spLocks noGrp="1"/>
+          </p:cNvSpPr>
+          <p:nvPr>
+            <p:ph type="body" idx="1"/>
+          </p:nvPr>
+        </p:nvSpPr>
+        <p:spPr>
+          <a:xfrm>
+            <a:off x="685800" y="4400550"/>
+            <a:ext cx="5486400" cy="3600600"/>
+          </a:xfrm>
+          <a:prstGeom prst="rect">
+            <a:avLst/>
+          </a:prstGeom>
+        </p:spPr>
+        <p:txBody>
+          <a:bodyPr spcFirstLastPara="1" wrap="square" lIns="91425" tIns="91425" rIns="91425" bIns="91425" anchor="t" anchorCtr="0">
+            <a:noAutofit/>
+          </a:bodyPr>
+          <a:lstStyle/>
+          <a:p>
+            <a:pPr marL="171450" lvl="0" indent="-171450" algn="l" rtl="0">
+              <a:spcBef>
+                <a:spcPts val="0"/>
+              </a:spcBef>
+              <a:spcAft>
+                <a:spcPts val="0"/>
+              </a:spcAft>
+            </a:pPr>
+            <a:endParaRPr dirty="0"/>
+          </a:p>
+        </p:txBody>
+      </p:sp>
+      <p:sp>
+        <p:nvSpPr>
+          <p:cNvPr id="136" name="Google Shape;136;g2231e351ad2_0_96:notes"/>
           <p:cNvSpPr>
             <a:spLocks noGrp="1" noRot="1" noChangeAspect="1"/>
           </p:cNvSpPr>
@@ -959,8 +1027,8 @@
         </p:nvSpPr>
         <p:spPr>
           <a:xfrm>
-            <a:off x="381000" y="685800"/>
-            <a:ext cx="6096000" cy="3429000"/>
+            <a:off x="685800" y="1143000"/>
+            <a:ext cx="5486400" cy="3086100"/>
           </a:xfrm>
           <a:custGeom>
             <a:avLst/>
@@ -987,43 +1055,6 @@
             </a:pathLst>
           </a:custGeom>
         </p:spPr>
-      </p:sp>
-      <p:sp>
-        <p:nvSpPr>
-          <p:cNvPr id="144" name="Google Shape;144;g2231e351ad2_0_244:notes"/>
-          <p:cNvSpPr txBox="1">
-            <a:spLocks noGrp="1"/>
-          </p:cNvSpPr>
-          <p:nvPr>
-            <p:ph type="body" idx="1"/>
-          </p:nvPr>
-        </p:nvSpPr>
-        <p:spPr>
-          <a:xfrm>
-            <a:off x="685800" y="4343400"/>
-            <a:ext cx="5486400" cy="4114800"/>
-          </a:xfrm>
-          <a:prstGeom prst="rect">
-            <a:avLst/>
-          </a:prstGeom>
-        </p:spPr>
-        <p:txBody>
-          <a:bodyPr spcFirstLastPara="1" wrap="square" lIns="91425" tIns="91425" rIns="91425" bIns="91425" anchor="t" anchorCtr="0">
-            <a:noAutofit/>
-          </a:bodyPr>
-          <a:lstStyle/>
-          <a:p>
-            <a:pPr marL="171450" lvl="0" indent="-171450" algn="l" rtl="0">
-              <a:spcBef>
-                <a:spcPts val="0"/>
-              </a:spcBef>
-              <a:spcAft>
-                <a:spcPts val="0"/>
-              </a:spcAft>
-            </a:pPr>
-            <a:endParaRPr lang="en-US" dirty="0"/>
-          </a:p>
-        </p:txBody>
       </p:sp>
     </p:spTree>
   </p:cSld>
@@ -1129,11 +1160,6 @@
         </p:txBody>
       </p:sp>
     </p:spTree>
-    <p:extLst>
-      <p:ext uri="{BB962C8B-B14F-4D97-AF65-F5344CB8AC3E}">
-        <p14:creationId xmlns:p14="http://schemas.microsoft.com/office/powerpoint/2010/main" val="2337049013"/>
-      </p:ext>
-    </p:extLst>
   </p:cSld>
   <p:clrMapOvr>
     <a:masterClrMapping/>
@@ -1232,6 +1258,114 @@
                 <a:spcPts val="0"/>
               </a:spcAft>
             </a:pPr>
+            <a:endParaRPr lang="en-US" dirty="0"/>
+          </a:p>
+        </p:txBody>
+      </p:sp>
+    </p:spTree>
+    <p:extLst>
+      <p:ext uri="{BB962C8B-B14F-4D97-AF65-F5344CB8AC3E}">
+        <p14:creationId xmlns:p14="http://schemas.microsoft.com/office/powerpoint/2010/main" val="2337049013"/>
+      </p:ext>
+    </p:extLst>
+  </p:cSld>
+  <p:clrMapOvr>
+    <a:masterClrMapping/>
+  </p:clrMapOvr>
+</p:notes>
+</file>
+
+<file path=ppt/notesSlides/notesSlide5.xml><?xml version="1.0" encoding="utf-8"?>
+<p:notes xmlns:a="http://schemas.openxmlformats.org/drawingml/2006/main" xmlns:r="http://schemas.openxmlformats.org/officeDocument/2006/relationships" xmlns:p="http://schemas.openxmlformats.org/presentationml/2006/main" showMasterSp="0" showMasterPhAnim="0">
+  <p:cSld>
+    <p:spTree>
+      <p:nvGrpSpPr>
+        <p:cNvPr id="1" name="Shape 142"/>
+        <p:cNvGrpSpPr/>
+        <p:nvPr/>
+      </p:nvGrpSpPr>
+      <p:grpSpPr>
+        <a:xfrm>
+          <a:off x="0" y="0"/>
+          <a:ext cx="0" cy="0"/>
+          <a:chOff x="0" y="0"/>
+          <a:chExt cx="0" cy="0"/>
+        </a:xfrm>
+      </p:grpSpPr>
+      <p:sp>
+        <p:nvSpPr>
+          <p:cNvPr id="143" name="Google Shape;143;g2231e351ad2_0_244:notes"/>
+          <p:cNvSpPr>
+            <a:spLocks noGrp="1" noRot="1" noChangeAspect="1"/>
+          </p:cNvSpPr>
+          <p:nvPr>
+            <p:ph type="sldImg" idx="2"/>
+          </p:nvPr>
+        </p:nvSpPr>
+        <p:spPr>
+          <a:xfrm>
+            <a:off x="381000" y="685800"/>
+            <a:ext cx="6096000" cy="3429000"/>
+          </a:xfrm>
+          <a:custGeom>
+            <a:avLst/>
+            <a:gdLst/>
+            <a:ahLst/>
+            <a:cxnLst/>
+            <a:rect l="l" t="t" r="r" b="b"/>
+            <a:pathLst>
+              <a:path w="120000" h="120000" extrusionOk="0">
+                <a:moveTo>
+                  <a:pt x="0" y="0"/>
+                </a:moveTo>
+                <a:lnTo>
+                  <a:pt x="120000" y="0"/>
+                </a:lnTo>
+                <a:lnTo>
+                  <a:pt x="120000" y="120000"/>
+                </a:lnTo>
+                <a:lnTo>
+                  <a:pt x="0" y="120000"/>
+                </a:lnTo>
+                <a:close/>
+              </a:path>
+            </a:pathLst>
+          </a:custGeom>
+        </p:spPr>
+      </p:sp>
+      <p:sp>
+        <p:nvSpPr>
+          <p:cNvPr id="144" name="Google Shape;144;g2231e351ad2_0_244:notes"/>
+          <p:cNvSpPr txBox="1">
+            <a:spLocks noGrp="1"/>
+          </p:cNvSpPr>
+          <p:nvPr>
+            <p:ph type="body" idx="1"/>
+          </p:nvPr>
+        </p:nvSpPr>
+        <p:spPr>
+          <a:xfrm>
+            <a:off x="685800" y="4343400"/>
+            <a:ext cx="5486400" cy="4114800"/>
+          </a:xfrm>
+          <a:prstGeom prst="rect">
+            <a:avLst/>
+          </a:prstGeom>
+        </p:spPr>
+        <p:txBody>
+          <a:bodyPr spcFirstLastPara="1" wrap="square" lIns="91425" tIns="91425" rIns="91425" bIns="91425" anchor="t" anchorCtr="0">
+            <a:noAutofit/>
+          </a:bodyPr>
+          <a:lstStyle/>
+          <a:p>
+            <a:pPr marL="171450" lvl="0" indent="-171450" algn="l" rtl="0">
+              <a:spcBef>
+                <a:spcPts val="0"/>
+              </a:spcBef>
+              <a:spcAft>
+                <a:spcPts val="0"/>
+              </a:spcAft>
+            </a:pPr>
             <a:r>
               <a:rPr lang="en-US" dirty="0"/>
               <a:t>These may not apply to you.</a:t>
@@ -1308,7 +1442,7 @@
 </p:notes>
 </file>
 
-<file path=ppt/notesSlides/notesSlide5.xml><?xml version="1.0" encoding="utf-8"?>
+<file path=ppt/notesSlides/notesSlide6.xml><?xml version="1.0" encoding="utf-8"?>
 <p:notes xmlns:a="http://schemas.openxmlformats.org/drawingml/2006/main" xmlns:r="http://schemas.openxmlformats.org/officeDocument/2006/relationships" xmlns:p="http://schemas.openxmlformats.org/presentationml/2006/main">
   <p:cSld>
     <p:spTree>
@@ -1374,7 +1508,7 @@
 </p:notes>
 </file>
 
-<file path=ppt/notesSlides/notesSlide6.xml><?xml version="1.0" encoding="utf-8"?>
+<file path=ppt/notesSlides/notesSlide7.xml><?xml version="1.0" encoding="utf-8"?>
 <p:notes xmlns:a="http://schemas.openxmlformats.org/drawingml/2006/main" xmlns:r="http://schemas.openxmlformats.org/officeDocument/2006/relationships" xmlns:p="http://schemas.openxmlformats.org/presentationml/2006/main">
   <p:cSld>
     <p:spTree>
@@ -1443,7 +1577,7 @@
 </p:notes>
 </file>
 
-<file path=ppt/notesSlides/notesSlide7.xml><?xml version="1.0" encoding="utf-8"?>
+<file path=ppt/notesSlides/notesSlide8.xml><?xml version="1.0" encoding="utf-8"?>
 <p:notes xmlns:a="http://schemas.openxmlformats.org/drawingml/2006/main" xmlns:r="http://schemas.openxmlformats.org/officeDocument/2006/relationships" xmlns:p="http://schemas.openxmlformats.org/presentationml/2006/main">
   <p:cSld>
     <p:spTree>
@@ -1512,7 +1646,7 @@
 </p:notes>
 </file>
 
-<file path=ppt/notesSlides/notesSlide8.xml><?xml version="1.0" encoding="utf-8"?>
+<file path=ppt/notesSlides/notesSlide9.xml><?xml version="1.0" encoding="utf-8"?>
 <p:notes xmlns:a="http://schemas.openxmlformats.org/drawingml/2006/main" xmlns:r="http://schemas.openxmlformats.org/officeDocument/2006/relationships" xmlns:p="http://schemas.openxmlformats.org/presentationml/2006/main">
   <p:cSld>
     <p:spTree>
@@ -1584,75 +1718,6 @@
     <p:extLst>
       <p:ext uri="{BB962C8B-B14F-4D97-AF65-F5344CB8AC3E}">
         <p14:creationId xmlns:p14="http://schemas.microsoft.com/office/powerpoint/2010/main" val="575706014"/>
-      </p:ext>
-    </p:extLst>
-  </p:cSld>
-  <p:clrMapOvr>
-    <a:masterClrMapping/>
-  </p:clrMapOvr>
-</p:notes>
-</file>
-
-<file path=ppt/notesSlides/notesSlide9.xml><?xml version="1.0" encoding="utf-8"?>
-<p:notes xmlns:a="http://schemas.openxmlformats.org/drawingml/2006/main" xmlns:r="http://schemas.openxmlformats.org/officeDocument/2006/relationships" xmlns:p="http://schemas.openxmlformats.org/presentationml/2006/main">
-  <p:cSld>
-    <p:spTree>
-      <p:nvGrpSpPr>
-        <p:cNvPr id="1" name=""/>
-        <p:cNvGrpSpPr/>
-        <p:nvPr/>
-      </p:nvGrpSpPr>
-      <p:grpSpPr>
-        <a:xfrm>
-          <a:off x="0" y="0"/>
-          <a:ext cx="0" cy="0"/>
-          <a:chOff x="0" y="0"/>
-          <a:chExt cx="0" cy="0"/>
-        </a:xfrm>
-      </p:grpSpPr>
-      <p:sp>
-        <p:nvSpPr>
-          <p:cNvPr id="2" name="Slide Image Placeholder 1"/>
-          <p:cNvSpPr>
-            <a:spLocks noGrp="1" noRot="1" noChangeAspect="1"/>
-          </p:cNvSpPr>
-          <p:nvPr>
-            <p:ph type="sldImg"/>
-          </p:nvPr>
-        </p:nvSpPr>
-        <p:spPr>
-          <a:xfrm>
-            <a:off x="381000" y="685800"/>
-            <a:ext cx="6096000" cy="3429000"/>
-          </a:xfrm>
-        </p:spPr>
-      </p:sp>
-      <p:sp>
-        <p:nvSpPr>
-          <p:cNvPr id="3" name="Notes Placeholder 2"/>
-          <p:cNvSpPr>
-            <a:spLocks noGrp="1"/>
-          </p:cNvSpPr>
-          <p:nvPr>
-            <p:ph type="body" idx="1"/>
-          </p:nvPr>
-        </p:nvSpPr>
-        <p:spPr/>
-        <p:txBody>
-          <a:bodyPr/>
-          <a:lstStyle/>
-          <a:p>
-            <a:r>
-              <a:rPr lang="en-US" dirty="0"/>
-              <a:t>Rolling shutter effect: as sensor scan line moves down, propeller is moving, too.  Database analogy: as backup software scans disk, data is being modified.  Can yield inconsistent view of database.</a:t>
-            </a:r>
-          </a:p>
-        </p:txBody>
-      </p:sp>
-    </p:spTree>
-    <p:extLst>
-      <p:ext uri="{BB962C8B-B14F-4D97-AF65-F5344CB8AC3E}">
-        <p14:creationId xmlns:p14="http://schemas.microsoft.com/office/powerpoint/2010/main" val="439726991"/>
       </p:ext>
     </p:extLst>
   </p:cSld>
@@ -15281,7 +15346,7 @@
   <p:cSld>
     <p:spTree>
       <p:nvGrpSpPr>
-        <p:cNvPr id="1" name="Shape 137"/>
+        <p:cNvPr id="1" name=""/>
         <p:cNvGrpSpPr/>
         <p:nvPr/>
       </p:nvGrpSpPr>
@@ -15295,380 +15360,115 @@
       </p:grpSpPr>
       <p:sp>
         <p:nvSpPr>
-          <p:cNvPr id="138" name="Google Shape;138;p27"/>
-          <p:cNvSpPr txBox="1">
+          <p:cNvPr id="4" name="Slide Number Placeholder 3">
+            <a:extLst>
+              <a:ext uri="{FF2B5EF4-FFF2-40B4-BE49-F238E27FC236}">
+                <a16:creationId xmlns:a16="http://schemas.microsoft.com/office/drawing/2014/main" id="{AAD379C9-D27F-E4A6-FFE9-03ECC7F4C64F}"/>
+              </a:ext>
+            </a:extLst>
+          </p:cNvPr>
+          <p:cNvSpPr>
             <a:spLocks noGrp="1"/>
           </p:cNvSpPr>
           <p:nvPr>
-            <p:ph type="ctrTitle"/>
+            <p:ph type="sldNum" idx="12"/>
           </p:nvPr>
         </p:nvSpPr>
+        <p:spPr/>
+        <p:txBody>
+          <a:bodyPr/>
+          <a:lstStyle/>
+          <a:p>
+            <a:pPr marL="0" lvl="0" indent="0" algn="r" rtl="0">
+              <a:spcBef>
+                <a:spcPts val="0"/>
+              </a:spcBef>
+              <a:spcAft>
+                <a:spcPts val="0"/>
+              </a:spcAft>
+              <a:buNone/>
+            </a:pPr>
+            <a:fld id="{00000000-1234-1234-1234-123412341234}" type="slidenum">
+              <a:rPr lang="en" smtClean="0"/>
+              <a:t>1</a:t>
+            </a:fld>
+            <a:endParaRPr lang="en" dirty="0"/>
+          </a:p>
+        </p:txBody>
+      </p:sp>
+      <p:pic>
+        <p:nvPicPr>
+          <p:cNvPr id="20" name="Picture 19">
+            <a:extLst>
+              <a:ext uri="{FF2B5EF4-FFF2-40B4-BE49-F238E27FC236}">
+                <a16:creationId xmlns:a16="http://schemas.microsoft.com/office/drawing/2014/main" id="{5483DAF7-E3B3-C26D-03FD-0F28A3EE5900}"/>
+              </a:ext>
+            </a:extLst>
+          </p:cNvPr>
+          <p:cNvPicPr>
+            <a:picLocks noChangeAspect="1"/>
+          </p:cNvPicPr>
+          <p:nvPr/>
+        </p:nvPicPr>
+        <p:blipFill>
+          <a:blip r:embed="rId3"/>
+          <a:stretch>
+            <a:fillRect/>
+          </a:stretch>
+        </p:blipFill>
         <p:spPr>
           <a:xfrm>
-            <a:off x="1801300" y="1205502"/>
-            <a:ext cx="5822400" cy="1269548"/>
+            <a:off x="3713920" y="0"/>
+            <a:ext cx="3839421" cy="5143500"/>
           </a:xfrm>
           <a:prstGeom prst="rect">
             <a:avLst/>
           </a:prstGeom>
         </p:spPr>
-        <p:txBody>
-          <a:bodyPr spcFirstLastPara="1" wrap="square" lIns="68575" tIns="34275" rIns="68575" bIns="34275" anchor="b" anchorCtr="0">
-            <a:spAutoFit/>
-          </a:bodyPr>
-          <a:lstStyle/>
-          <a:p>
-            <a:pPr marL="0" lvl="0" indent="0" algn="l" rtl="0">
-              <a:lnSpc>
-                <a:spcPct val="100000"/>
-              </a:lnSpc>
-              <a:spcBef>
-                <a:spcPts val="0"/>
-              </a:spcBef>
-              <a:spcAft>
-                <a:spcPts val="0"/>
-              </a:spcAft>
-              <a:buNone/>
-            </a:pPr>
-            <a:r>
-              <a:rPr lang="en" sz="3900" dirty="0">
-                <a:solidFill>
-                  <a:srgbClr val="FCFCFC"/>
-                </a:solidFill>
-              </a:rPr>
-              <a:t>Advanced database topics</a:t>
-            </a:r>
-            <a:endParaRPr sz="3900" dirty="0">
-              <a:solidFill>
-                <a:srgbClr val="FCFCFC"/>
-              </a:solidFill>
-            </a:endParaRPr>
-          </a:p>
-        </p:txBody>
-      </p:sp>
+      </p:pic>
       <p:sp>
         <p:nvSpPr>
-          <p:cNvPr id="139" name="Google Shape;139;p27"/>
+          <p:cNvPr id="21" name="TextBox 20">
+            <a:extLst>
+              <a:ext uri="{FF2B5EF4-FFF2-40B4-BE49-F238E27FC236}">
+                <a16:creationId xmlns:a16="http://schemas.microsoft.com/office/drawing/2014/main" id="{C797BDF1-E42C-4B05-FF91-1B35A7AFCE1C}"/>
+              </a:ext>
+            </a:extLst>
+          </p:cNvPr>
           <p:cNvSpPr txBox="1"/>
           <p:nvPr/>
         </p:nvSpPr>
         <p:spPr>
           <a:xfrm>
-            <a:off x="1819925" y="499050"/>
-            <a:ext cx="7116900" cy="384900"/>
+            <a:off x="663723" y="1547990"/>
+            <a:ext cx="2517036" cy="369332"/>
           </a:xfrm>
           <a:prstGeom prst="rect">
             <a:avLst/>
           </a:prstGeom>
           <a:noFill/>
-          <a:ln>
-            <a:noFill/>
-          </a:ln>
         </p:spPr>
         <p:txBody>
-          <a:bodyPr spcFirstLastPara="1" wrap="square" lIns="91425" tIns="91425" rIns="91425" bIns="91425" anchor="t" anchorCtr="0">
+          <a:bodyPr wrap="none" rtlCol="0">
             <a:spAutoFit/>
           </a:bodyPr>
           <a:lstStyle/>
           <a:p>
-            <a:pPr marL="0" lvl="0" indent="0" algn="l" rtl="0">
-              <a:spcBef>
-                <a:spcPts val="0"/>
-              </a:spcBef>
-              <a:spcAft>
-                <a:spcPts val="0"/>
-              </a:spcAft>
-              <a:buNone/>
-            </a:pPr>
-            <a:endParaRPr sz="1300" i="1">
-              <a:solidFill>
-                <a:srgbClr val="F1C232"/>
-              </a:solidFill>
-              <a:latin typeface="Lobster"/>
-              <a:ea typeface="Lobster"/>
-              <a:cs typeface="Lobster"/>
-              <a:sym typeface="Lobster"/>
-            </a:endParaRPr>
-          </a:p>
-        </p:txBody>
-      </p:sp>
-      <p:sp>
-        <p:nvSpPr>
-          <p:cNvPr id="140" name="Google Shape;140;p27"/>
-          <p:cNvSpPr txBox="1"/>
-          <p:nvPr/>
-        </p:nvSpPr>
-        <p:spPr>
-          <a:xfrm>
-            <a:off x="4289450" y="3754650"/>
-            <a:ext cx="4469100" cy="936000"/>
-          </a:xfrm>
-          <a:prstGeom prst="rect">
-            <a:avLst/>
-          </a:prstGeom>
-          <a:noFill/>
-          <a:ln>
-            <a:noFill/>
-          </a:ln>
-        </p:spPr>
-        <p:txBody>
-          <a:bodyPr spcFirstLastPara="1" wrap="square" lIns="64000" tIns="36575" rIns="64000" bIns="36575" anchor="t" anchorCtr="0">
-            <a:spAutoFit/>
-          </a:bodyPr>
-          <a:lstStyle/>
-          <a:p>
-            <a:pPr marL="0" lvl="0" indent="0" algn="l" rtl="0">
-              <a:spcBef>
-                <a:spcPts val="0"/>
-              </a:spcBef>
-              <a:spcAft>
-                <a:spcPts val="0"/>
-              </a:spcAft>
-              <a:buNone/>
-            </a:pPr>
             <a:r>
-              <a:rPr lang="en-US" sz="1700" dirty="0">
-                <a:solidFill>
-                  <a:srgbClr val="FFFFFF"/>
-                </a:solidFill>
-                <a:latin typeface="Nunito Sans"/>
-                <a:ea typeface="Nunito Sans"/>
-                <a:cs typeface="Nunito Sans"/>
-                <a:sym typeface="Nunito Sans"/>
+              <a:rPr lang="en-US" sz="1800" dirty="0">
+                <a:latin typeface="Avenir Book" panose="02000503020000020003" pitchFamily="2" charset="0"/>
               </a:rPr>
-              <a:t>Greg </a:t>
+              <a:t>What’s going on here?</a:t>
             </a:r>
-            <a:r>
-              <a:rPr lang="en-US" sz="1700" dirty="0" err="1">
-                <a:solidFill>
-                  <a:srgbClr val="FFFFFF"/>
-                </a:solidFill>
-                <a:latin typeface="Nunito Sans"/>
-                <a:ea typeface="Nunito Sans"/>
-                <a:cs typeface="Nunito Sans"/>
-                <a:sym typeface="Nunito Sans"/>
-              </a:rPr>
-              <a:t>Janée</a:t>
-            </a:r>
-            <a:endParaRPr sz="1700" dirty="0">
-              <a:solidFill>
-                <a:srgbClr val="FFFFFF"/>
-              </a:solidFill>
-              <a:latin typeface="Nunito Sans"/>
-              <a:ea typeface="Nunito Sans"/>
-              <a:cs typeface="Nunito Sans"/>
-              <a:sym typeface="Nunito Sans"/>
-            </a:endParaRPr>
-          </a:p>
-          <a:p>
-            <a:pPr marL="0" lvl="0" indent="0" algn="l" rtl="0">
-              <a:spcBef>
-                <a:spcPts val="0"/>
-              </a:spcBef>
-              <a:spcAft>
-                <a:spcPts val="0"/>
-              </a:spcAft>
-              <a:buNone/>
-            </a:pPr>
-            <a:r>
-              <a:rPr lang="en" sz="1300" dirty="0">
-                <a:solidFill>
-                  <a:srgbClr val="FEBC11"/>
-                </a:solidFill>
-                <a:latin typeface="Nunito Sans"/>
-                <a:ea typeface="Nunito Sans"/>
-                <a:cs typeface="Nunito Sans"/>
-                <a:sym typeface="Nunito Sans"/>
-              </a:rPr>
-              <a:t>Research Data Services, UCSB Library</a:t>
-            </a:r>
-            <a:endParaRPr sz="1300" dirty="0">
-              <a:solidFill>
-                <a:srgbClr val="FEBC11"/>
-              </a:solidFill>
-              <a:latin typeface="Nunito Sans"/>
-              <a:ea typeface="Nunito Sans"/>
-              <a:cs typeface="Nunito Sans"/>
-              <a:sym typeface="Nunito Sans"/>
-            </a:endParaRPr>
-          </a:p>
-          <a:p>
-            <a:pPr marL="0" lvl="0" indent="0" algn="l" rtl="0">
-              <a:spcBef>
-                <a:spcPts val="0"/>
-              </a:spcBef>
-              <a:spcAft>
-                <a:spcPts val="0"/>
-              </a:spcAft>
-              <a:buNone/>
-            </a:pPr>
-            <a:r>
-              <a:rPr lang="en" sz="1300" dirty="0" err="1">
-                <a:solidFill>
-                  <a:srgbClr val="FEBC11"/>
-                </a:solidFill>
-                <a:latin typeface="Nunito Sans"/>
-                <a:ea typeface="Nunito Sans"/>
-                <a:cs typeface="Nunito Sans"/>
-                <a:sym typeface="Nunito Sans"/>
-              </a:rPr>
-              <a:t>rds@library.ucsb.edu</a:t>
-            </a:r>
-            <a:endParaRPr sz="1300" dirty="0">
-              <a:solidFill>
-                <a:srgbClr val="FEBC11"/>
-              </a:solidFill>
-              <a:latin typeface="Nunito Sans"/>
-              <a:ea typeface="Nunito Sans"/>
-              <a:cs typeface="Nunito Sans"/>
-              <a:sym typeface="Nunito Sans"/>
-            </a:endParaRPr>
-          </a:p>
-          <a:p>
-            <a:pPr marL="0" lvl="0" indent="0" algn="l" rtl="0">
-              <a:spcBef>
-                <a:spcPts val="0"/>
-              </a:spcBef>
-              <a:spcAft>
-                <a:spcPts val="0"/>
-              </a:spcAft>
-              <a:buNone/>
-            </a:pPr>
-            <a:endParaRPr sz="1300" dirty="0">
-              <a:solidFill>
-                <a:srgbClr val="FEBC11"/>
-              </a:solidFill>
-              <a:latin typeface="Century Gothic"/>
-              <a:ea typeface="Century Gothic"/>
-              <a:cs typeface="Century Gothic"/>
-              <a:sym typeface="Century Gothic"/>
-            </a:endParaRPr>
-          </a:p>
-        </p:txBody>
-      </p:sp>
-      <p:sp>
-        <p:nvSpPr>
-          <p:cNvPr id="141" name="Google Shape;141;p27"/>
-          <p:cNvSpPr txBox="1"/>
-          <p:nvPr/>
-        </p:nvSpPr>
-        <p:spPr>
-          <a:xfrm>
-            <a:off x="200025" y="247650"/>
-            <a:ext cx="7116900" cy="846600"/>
-          </a:xfrm>
-          <a:prstGeom prst="rect">
-            <a:avLst/>
-          </a:prstGeom>
-          <a:noFill/>
-          <a:ln>
-            <a:noFill/>
-          </a:ln>
-        </p:spPr>
-        <p:txBody>
-          <a:bodyPr spcFirstLastPara="1" wrap="square" lIns="91425" tIns="91425" rIns="91425" bIns="91425" anchor="t" anchorCtr="0">
-            <a:spAutoFit/>
-          </a:bodyPr>
-          <a:lstStyle/>
-          <a:p>
-            <a:pPr marL="0" lvl="0" indent="0" algn="l" rtl="0">
-              <a:spcBef>
-                <a:spcPts val="0"/>
-              </a:spcBef>
-              <a:spcAft>
-                <a:spcPts val="0"/>
-              </a:spcAft>
-              <a:buNone/>
-            </a:pPr>
-            <a:r>
-              <a:rPr lang="en" sz="1500" b="1" dirty="0">
-                <a:solidFill>
-                  <a:schemeClr val="lt2"/>
-                </a:solidFill>
-                <a:latin typeface="Nunito Sans"/>
-                <a:ea typeface="Nunito Sans"/>
-                <a:cs typeface="Nunito Sans"/>
-                <a:sym typeface="Nunito Sans"/>
-              </a:rPr>
-              <a:t>EDS213 - Databases &amp; Data Management</a:t>
-            </a:r>
-            <a:endParaRPr sz="1500" b="1" dirty="0">
-              <a:solidFill>
-                <a:schemeClr val="lt2"/>
-              </a:solidFill>
-              <a:latin typeface="Nunito Sans"/>
-              <a:ea typeface="Nunito Sans"/>
-              <a:cs typeface="Nunito Sans"/>
-              <a:sym typeface="Nunito Sans"/>
-            </a:endParaRPr>
-          </a:p>
-          <a:p>
-            <a:pPr marL="0" lvl="0" indent="0" algn="l" rtl="0">
-              <a:spcBef>
-                <a:spcPts val="0"/>
-              </a:spcBef>
-              <a:spcAft>
-                <a:spcPts val="0"/>
-              </a:spcAft>
-              <a:buNone/>
-            </a:pPr>
-            <a:r>
-              <a:rPr lang="en" sz="1500" b="1" dirty="0">
-                <a:solidFill>
-                  <a:schemeClr val="lt2"/>
-                </a:solidFill>
-                <a:latin typeface="Nunito Sans"/>
-                <a:ea typeface="Nunito Sans"/>
-                <a:cs typeface="Nunito Sans"/>
-                <a:sym typeface="Nunito Sans"/>
-              </a:rPr>
-              <a:t>Week </a:t>
-            </a:r>
-            <a:r>
-              <a:rPr lang="en-US" sz="1500" b="1" dirty="0">
-                <a:solidFill>
-                  <a:schemeClr val="lt2"/>
-                </a:solidFill>
-                <a:latin typeface="Nunito Sans"/>
-                <a:ea typeface="Nunito Sans"/>
-                <a:cs typeface="Nunito Sans"/>
-                <a:sym typeface="Nunito Sans"/>
-              </a:rPr>
-              <a:t>9</a:t>
-            </a:r>
-            <a:endParaRPr sz="1500" b="1" dirty="0">
-              <a:solidFill>
-                <a:schemeClr val="lt2"/>
-              </a:solidFill>
-              <a:latin typeface="Nunito Sans"/>
-              <a:ea typeface="Nunito Sans"/>
-              <a:cs typeface="Nunito Sans"/>
-              <a:sym typeface="Nunito Sans"/>
-            </a:endParaRPr>
-          </a:p>
-          <a:p>
-            <a:pPr marL="0" lvl="0" indent="0" algn="l" rtl="0">
-              <a:spcBef>
-                <a:spcPts val="0"/>
-              </a:spcBef>
-              <a:spcAft>
-                <a:spcPts val="0"/>
-              </a:spcAft>
-              <a:buNone/>
-            </a:pPr>
-            <a:endParaRPr sz="1300" i="1" dirty="0">
-              <a:solidFill>
-                <a:srgbClr val="F1C232"/>
-              </a:solidFill>
-              <a:latin typeface="Lobster"/>
-              <a:ea typeface="Lobster"/>
-              <a:cs typeface="Lobster"/>
-              <a:sym typeface="Lobster"/>
-            </a:endParaRPr>
           </a:p>
         </p:txBody>
       </p:sp>
     </p:spTree>
+    <p:extLst>
+      <p:ext uri="{BB962C8B-B14F-4D97-AF65-F5344CB8AC3E}">
+        <p14:creationId xmlns:p14="http://schemas.microsoft.com/office/powerpoint/2010/main" val="449404087"/>
+      </p:ext>
+    </p:extLst>
   </p:cSld>
   <p:clrMapOvr>
     <a:masterClrMapping/>
@@ -15677,6 +15477,2212 @@
 </file>
 
 <file path=ppt/slides/slide10.xml><?xml version="1.0" encoding="utf-8"?>
+<p:sld xmlns:a="http://schemas.openxmlformats.org/drawingml/2006/main" xmlns:r="http://schemas.openxmlformats.org/officeDocument/2006/relationships" xmlns:p="http://schemas.openxmlformats.org/presentationml/2006/main">
+  <p:cSld>
+    <p:spTree>
+      <p:nvGrpSpPr>
+        <p:cNvPr id="1" name=""/>
+        <p:cNvGrpSpPr/>
+        <p:nvPr/>
+      </p:nvGrpSpPr>
+      <p:grpSpPr>
+        <a:xfrm>
+          <a:off x="0" y="0"/>
+          <a:ext cx="0" cy="0"/>
+          <a:chOff x="0" y="0"/>
+          <a:chExt cx="0" cy="0"/>
+        </a:xfrm>
+      </p:grpSpPr>
+      <p:sp>
+        <p:nvSpPr>
+          <p:cNvPr id="2" name="Title 1">
+            <a:extLst>
+              <a:ext uri="{FF2B5EF4-FFF2-40B4-BE49-F238E27FC236}">
+                <a16:creationId xmlns:a16="http://schemas.microsoft.com/office/drawing/2014/main" id="{11013E7F-80BA-96EA-3186-21FE598EE39A}"/>
+              </a:ext>
+            </a:extLst>
+          </p:cNvPr>
+          <p:cNvSpPr>
+            <a:spLocks noGrp="1"/>
+          </p:cNvSpPr>
+          <p:nvPr>
+            <p:ph type="title"/>
+          </p:nvPr>
+        </p:nvSpPr>
+        <p:spPr/>
+        <p:txBody>
+          <a:bodyPr/>
+          <a:lstStyle/>
+          <a:p>
+            <a:r>
+              <a:rPr lang="en-US" dirty="0"/>
+              <a:t>What goes wrong? One way:</a:t>
+            </a:r>
+          </a:p>
+        </p:txBody>
+      </p:sp>
+      <p:sp>
+        <p:nvSpPr>
+          <p:cNvPr id="4" name="Slide Number Placeholder 3">
+            <a:extLst>
+              <a:ext uri="{FF2B5EF4-FFF2-40B4-BE49-F238E27FC236}">
+                <a16:creationId xmlns:a16="http://schemas.microsoft.com/office/drawing/2014/main" id="{AAD379C9-D27F-E4A6-FFE9-03ECC7F4C64F}"/>
+              </a:ext>
+            </a:extLst>
+          </p:cNvPr>
+          <p:cNvSpPr>
+            <a:spLocks noGrp="1"/>
+          </p:cNvSpPr>
+          <p:nvPr>
+            <p:ph type="sldNum" idx="12"/>
+          </p:nvPr>
+        </p:nvSpPr>
+        <p:spPr/>
+        <p:txBody>
+          <a:bodyPr/>
+          <a:lstStyle/>
+          <a:p>
+            <a:pPr marL="0" lvl="0" indent="0" algn="r" rtl="0">
+              <a:spcBef>
+                <a:spcPts val="0"/>
+              </a:spcBef>
+              <a:spcAft>
+                <a:spcPts val="0"/>
+              </a:spcAft>
+              <a:buNone/>
+            </a:pPr>
+            <a:fld id="{00000000-1234-1234-1234-123412341234}" type="slidenum">
+              <a:rPr lang="en" smtClean="0"/>
+              <a:t>10</a:t>
+            </a:fld>
+            <a:endParaRPr lang="en" dirty="0"/>
+          </a:p>
+        </p:txBody>
+      </p:sp>
+      <p:graphicFrame>
+        <p:nvGraphicFramePr>
+          <p:cNvPr id="7" name="Table 7">
+            <a:extLst>
+              <a:ext uri="{FF2B5EF4-FFF2-40B4-BE49-F238E27FC236}">
+                <a16:creationId xmlns:a16="http://schemas.microsoft.com/office/drawing/2014/main" id="{1137D26C-0CAA-FBD8-6796-43F748F903AA}"/>
+              </a:ext>
+            </a:extLst>
+          </p:cNvPr>
+          <p:cNvGraphicFramePr>
+            <a:graphicFrameLocks noGrp="1"/>
+          </p:cNvGraphicFramePr>
+          <p:nvPr>
+            <p:extLst>
+              <p:ext uri="{D42A27DB-BD31-4B8C-83A1-F6EECF244321}">
+                <p14:modId xmlns:p14="http://schemas.microsoft.com/office/powerpoint/2010/main" val="3859730632"/>
+              </p:ext>
+            </p:extLst>
+          </p:nvPr>
+        </p:nvGraphicFramePr>
+        <p:xfrm>
+          <a:off x="1384515" y="1608817"/>
+          <a:ext cx="6096000" cy="2225040"/>
+        </p:xfrm>
+        <a:graphic>
+          <a:graphicData uri="http://schemas.openxmlformats.org/drawingml/2006/table">
+            <a:tbl>
+              <a:tblPr firstRow="1" bandRow="1">
+                <a:tableStyleId>{5C22544A-7EE6-4342-B048-85BDC9FD1C3A}</a:tableStyleId>
+              </a:tblPr>
+              <a:tblGrid>
+                <a:gridCol w="2032000">
+                  <a:extLst>
+                    <a:ext uri="{9D8B030D-6E8A-4147-A177-3AD203B41FA5}">
+                      <a16:colId xmlns:a16="http://schemas.microsoft.com/office/drawing/2014/main" val="2370690924"/>
+                    </a:ext>
+                  </a:extLst>
+                </a:gridCol>
+                <a:gridCol w="2032000">
+                  <a:extLst>
+                    <a:ext uri="{9D8B030D-6E8A-4147-A177-3AD203B41FA5}">
+                      <a16:colId xmlns:a16="http://schemas.microsoft.com/office/drawing/2014/main" val="666113382"/>
+                    </a:ext>
+                  </a:extLst>
+                </a:gridCol>
+                <a:gridCol w="2032000">
+                  <a:extLst>
+                    <a:ext uri="{9D8B030D-6E8A-4147-A177-3AD203B41FA5}">
+                      <a16:colId xmlns:a16="http://schemas.microsoft.com/office/drawing/2014/main" val="1416630"/>
+                    </a:ext>
+                  </a:extLst>
+                </a:gridCol>
+              </a:tblGrid>
+              <a:tr h="370840">
+                <a:tc>
+                  <a:txBody>
+                    <a:bodyPr/>
+                    <a:lstStyle/>
+                    <a:p>
+                      <a:pPr algn="ctr"/>
+                      <a:r>
+                        <a:rPr lang="en-US" dirty="0"/>
+                        <a:t>+1 worker</a:t>
+                      </a:r>
+                    </a:p>
+                  </a:txBody>
+                  <a:tcPr/>
+                </a:tc>
+                <a:tc>
+                  <a:txBody>
+                    <a:bodyPr/>
+                    <a:lstStyle/>
+                    <a:p>
+                      <a:pPr algn="ctr"/>
+                      <a:r>
+                        <a:rPr lang="en-US" dirty="0"/>
+                        <a:t>database value</a:t>
+                      </a:r>
+                    </a:p>
+                  </a:txBody>
+                  <a:tcPr/>
+                </a:tc>
+                <a:tc>
+                  <a:txBody>
+                    <a:bodyPr/>
+                    <a:lstStyle/>
+                    <a:p>
+                      <a:pPr algn="ctr"/>
+                      <a:r>
+                        <a:rPr lang="en-US" dirty="0"/>
+                        <a:t>-1 worker</a:t>
+                      </a:r>
+                    </a:p>
+                  </a:txBody>
+                  <a:tcPr/>
+                </a:tc>
+                <a:extLst>
+                  <a:ext uri="{0D108BD9-81ED-4DB2-BD59-A6C34878D82A}">
+                    <a16:rowId xmlns:a16="http://schemas.microsoft.com/office/drawing/2014/main" val="2839194435"/>
+                  </a:ext>
+                </a:extLst>
+              </a:tr>
+              <a:tr h="370840">
+                <a:tc>
+                  <a:txBody>
+                    <a:bodyPr/>
+                    <a:lstStyle/>
+                    <a:p>
+                      <a:pPr algn="ctr"/>
+                      <a:endParaRPr lang="en-US" dirty="0"/>
+                    </a:p>
+                  </a:txBody>
+                  <a:tcPr/>
+                </a:tc>
+                <a:tc>
+                  <a:txBody>
+                    <a:bodyPr/>
+                    <a:lstStyle/>
+                    <a:p>
+                      <a:pPr algn="ctr"/>
+                      <a:r>
+                        <a:rPr lang="en-US" dirty="0"/>
+                        <a:t>5</a:t>
+                      </a:r>
+                    </a:p>
+                  </a:txBody>
+                  <a:tcPr/>
+                </a:tc>
+                <a:tc>
+                  <a:txBody>
+                    <a:bodyPr/>
+                    <a:lstStyle/>
+                    <a:p>
+                      <a:pPr algn="ctr"/>
+                      <a:endParaRPr lang="en-US" dirty="0"/>
+                    </a:p>
+                  </a:txBody>
+                  <a:tcPr/>
+                </a:tc>
+                <a:extLst>
+                  <a:ext uri="{0D108BD9-81ED-4DB2-BD59-A6C34878D82A}">
+                    <a16:rowId xmlns:a16="http://schemas.microsoft.com/office/drawing/2014/main" val="901576480"/>
+                  </a:ext>
+                </a:extLst>
+              </a:tr>
+              <a:tr h="370840">
+                <a:tc>
+                  <a:txBody>
+                    <a:bodyPr/>
+                    <a:lstStyle/>
+                    <a:p>
+                      <a:pPr algn="ctr"/>
+                      <a:r>
+                        <a:rPr lang="en-US" dirty="0"/>
+                        <a:t>5</a:t>
+                      </a:r>
+                    </a:p>
+                  </a:txBody>
+                  <a:tcPr/>
+                </a:tc>
+                <a:tc>
+                  <a:txBody>
+                    <a:bodyPr/>
+                    <a:lstStyle/>
+                    <a:p>
+                      <a:pPr algn="ctr"/>
+                      <a:r>
+                        <a:rPr lang="en-US" dirty="0"/>
+                        <a:t>5</a:t>
+                      </a:r>
+                    </a:p>
+                  </a:txBody>
+                  <a:tcPr/>
+                </a:tc>
+                <a:tc>
+                  <a:txBody>
+                    <a:bodyPr/>
+                    <a:lstStyle/>
+                    <a:p>
+                      <a:pPr algn="ctr"/>
+                      <a:endParaRPr lang="en-US"/>
+                    </a:p>
+                  </a:txBody>
+                  <a:tcPr/>
+                </a:tc>
+                <a:extLst>
+                  <a:ext uri="{0D108BD9-81ED-4DB2-BD59-A6C34878D82A}">
+                    <a16:rowId xmlns:a16="http://schemas.microsoft.com/office/drawing/2014/main" val="3588503952"/>
+                  </a:ext>
+                </a:extLst>
+              </a:tr>
+              <a:tr h="370840">
+                <a:tc>
+                  <a:txBody>
+                    <a:bodyPr/>
+                    <a:lstStyle/>
+                    <a:p>
+                      <a:pPr algn="ctr"/>
+                      <a:r>
+                        <a:rPr lang="en-US" dirty="0"/>
+                        <a:t>5</a:t>
+                      </a:r>
+                    </a:p>
+                  </a:txBody>
+                  <a:tcPr/>
+                </a:tc>
+                <a:tc>
+                  <a:txBody>
+                    <a:bodyPr/>
+                    <a:lstStyle/>
+                    <a:p>
+                      <a:pPr algn="ctr"/>
+                      <a:r>
+                        <a:rPr lang="en-US" dirty="0"/>
+                        <a:t>5</a:t>
+                      </a:r>
+                    </a:p>
+                  </a:txBody>
+                  <a:tcPr/>
+                </a:tc>
+                <a:tc>
+                  <a:txBody>
+                    <a:bodyPr/>
+                    <a:lstStyle/>
+                    <a:p>
+                      <a:pPr algn="ctr"/>
+                      <a:r>
+                        <a:rPr lang="en-US" dirty="0"/>
+                        <a:t>5</a:t>
+                      </a:r>
+                    </a:p>
+                  </a:txBody>
+                  <a:tcPr/>
+                </a:tc>
+                <a:extLst>
+                  <a:ext uri="{0D108BD9-81ED-4DB2-BD59-A6C34878D82A}">
+                    <a16:rowId xmlns:a16="http://schemas.microsoft.com/office/drawing/2014/main" val="81308422"/>
+                  </a:ext>
+                </a:extLst>
+              </a:tr>
+              <a:tr h="370840">
+                <a:tc>
+                  <a:txBody>
+                    <a:bodyPr/>
+                    <a:lstStyle/>
+                    <a:p>
+                      <a:pPr algn="ctr"/>
+                      <a:r>
+                        <a:rPr lang="en-US" dirty="0"/>
+                        <a:t>5+1 = 6</a:t>
+                      </a:r>
+                    </a:p>
+                  </a:txBody>
+                  <a:tcPr/>
+                </a:tc>
+                <a:tc>
+                  <a:txBody>
+                    <a:bodyPr/>
+                    <a:lstStyle/>
+                    <a:p>
+                      <a:pPr algn="ctr"/>
+                      <a:r>
+                        <a:rPr lang="en-US" dirty="0"/>
+                        <a:t>6</a:t>
+                      </a:r>
+                    </a:p>
+                  </a:txBody>
+                  <a:tcPr/>
+                </a:tc>
+                <a:tc>
+                  <a:txBody>
+                    <a:bodyPr/>
+                    <a:lstStyle/>
+                    <a:p>
+                      <a:pPr algn="ctr"/>
+                      <a:r>
+                        <a:rPr lang="en-US" dirty="0"/>
+                        <a:t>5</a:t>
+                      </a:r>
+                    </a:p>
+                  </a:txBody>
+                  <a:tcPr/>
+                </a:tc>
+                <a:extLst>
+                  <a:ext uri="{0D108BD9-81ED-4DB2-BD59-A6C34878D82A}">
+                    <a16:rowId xmlns:a16="http://schemas.microsoft.com/office/drawing/2014/main" val="3926644191"/>
+                  </a:ext>
+                </a:extLst>
+              </a:tr>
+              <a:tr h="370840">
+                <a:tc>
+                  <a:txBody>
+                    <a:bodyPr/>
+                    <a:lstStyle/>
+                    <a:p>
+                      <a:pPr algn="ctr"/>
+                      <a:endParaRPr lang="en-US"/>
+                    </a:p>
+                  </a:txBody>
+                  <a:tcPr/>
+                </a:tc>
+                <a:tc>
+                  <a:txBody>
+                    <a:bodyPr/>
+                    <a:lstStyle/>
+                    <a:p>
+                      <a:pPr algn="ctr"/>
+                      <a:r>
+                        <a:rPr lang="en-US" dirty="0"/>
+                        <a:t>4</a:t>
+                      </a:r>
+                    </a:p>
+                  </a:txBody>
+                  <a:tcPr/>
+                </a:tc>
+                <a:tc>
+                  <a:txBody>
+                    <a:bodyPr/>
+                    <a:lstStyle/>
+                    <a:p>
+                      <a:pPr algn="ctr"/>
+                      <a:r>
+                        <a:rPr lang="en-US" dirty="0"/>
+                        <a:t>5-1 = 4</a:t>
+                      </a:r>
+                    </a:p>
+                  </a:txBody>
+                  <a:tcPr/>
+                </a:tc>
+                <a:extLst>
+                  <a:ext uri="{0D108BD9-81ED-4DB2-BD59-A6C34878D82A}">
+                    <a16:rowId xmlns:a16="http://schemas.microsoft.com/office/drawing/2014/main" val="1927619872"/>
+                  </a:ext>
+                </a:extLst>
+              </a:tr>
+            </a:tbl>
+          </a:graphicData>
+        </a:graphic>
+      </p:graphicFrame>
+      <p:sp>
+        <p:nvSpPr>
+          <p:cNvPr id="8" name="TextBox 7">
+            <a:extLst>
+              <a:ext uri="{FF2B5EF4-FFF2-40B4-BE49-F238E27FC236}">
+                <a16:creationId xmlns:a16="http://schemas.microsoft.com/office/drawing/2014/main" id="{BBA77680-E2C2-E332-965C-1355A374DEEF}"/>
+              </a:ext>
+            </a:extLst>
+          </p:cNvPr>
+          <p:cNvSpPr txBox="1"/>
+          <p:nvPr/>
+        </p:nvSpPr>
+        <p:spPr>
+          <a:xfrm>
+            <a:off x="2845895" y="2383419"/>
+            <a:ext cx="1037463" cy="307777"/>
+          </a:xfrm>
+          <a:prstGeom prst="rect">
+            <a:avLst/>
+          </a:prstGeom>
+          <a:noFill/>
+        </p:spPr>
+        <p:txBody>
+          <a:bodyPr wrap="none" rtlCol="0">
+            <a:spAutoFit/>
+          </a:bodyPr>
+          <a:lstStyle/>
+          <a:p>
+            <a:r>
+              <a:rPr lang="en-US" b="1" dirty="0">
+                <a:solidFill>
+                  <a:srgbClr val="C00000"/>
+                </a:solidFill>
+              </a:rPr>
+              <a:t>&lt; SELECT</a:t>
+            </a:r>
+          </a:p>
+        </p:txBody>
+      </p:sp>
+      <p:sp>
+        <p:nvSpPr>
+          <p:cNvPr id="9" name="TextBox 8">
+            <a:extLst>
+              <a:ext uri="{FF2B5EF4-FFF2-40B4-BE49-F238E27FC236}">
+                <a16:creationId xmlns:a16="http://schemas.microsoft.com/office/drawing/2014/main" id="{0AE17E95-E49B-C1AA-3086-C923174893C5}"/>
+              </a:ext>
+            </a:extLst>
+          </p:cNvPr>
+          <p:cNvSpPr txBox="1"/>
+          <p:nvPr/>
+        </p:nvSpPr>
+        <p:spPr>
+          <a:xfrm>
+            <a:off x="4987872" y="2740475"/>
+            <a:ext cx="1047082" cy="307777"/>
+          </a:xfrm>
+          <a:prstGeom prst="rect">
+            <a:avLst/>
+          </a:prstGeom>
+          <a:noFill/>
+        </p:spPr>
+        <p:txBody>
+          <a:bodyPr wrap="none" rtlCol="0">
+            <a:spAutoFit/>
+          </a:bodyPr>
+          <a:lstStyle/>
+          <a:p>
+            <a:r>
+              <a:rPr lang="en-US" b="1" dirty="0">
+                <a:solidFill>
+                  <a:srgbClr val="C00000"/>
+                </a:solidFill>
+              </a:rPr>
+              <a:t>SELECT &gt;</a:t>
+            </a:r>
+          </a:p>
+        </p:txBody>
+      </p:sp>
+      <p:sp>
+        <p:nvSpPr>
+          <p:cNvPr id="10" name="TextBox 9">
+            <a:extLst>
+              <a:ext uri="{FF2B5EF4-FFF2-40B4-BE49-F238E27FC236}">
+                <a16:creationId xmlns:a16="http://schemas.microsoft.com/office/drawing/2014/main" id="{2A898547-D7FA-DFE7-F092-3E061E468FB2}"/>
+              </a:ext>
+            </a:extLst>
+          </p:cNvPr>
+          <p:cNvSpPr txBox="1"/>
+          <p:nvPr/>
+        </p:nvSpPr>
+        <p:spPr>
+          <a:xfrm>
+            <a:off x="2845895" y="3108638"/>
+            <a:ext cx="1077539" cy="307777"/>
+          </a:xfrm>
+          <a:prstGeom prst="rect">
+            <a:avLst/>
+          </a:prstGeom>
+          <a:noFill/>
+        </p:spPr>
+        <p:txBody>
+          <a:bodyPr wrap="none" rtlCol="0">
+            <a:spAutoFit/>
+          </a:bodyPr>
+          <a:lstStyle/>
+          <a:p>
+            <a:r>
+              <a:rPr lang="en-US" b="1" dirty="0">
+                <a:solidFill>
+                  <a:srgbClr val="C00000"/>
+                </a:solidFill>
+              </a:rPr>
+              <a:t>UPDATE &gt;</a:t>
+            </a:r>
+          </a:p>
+        </p:txBody>
+      </p:sp>
+      <p:sp>
+        <p:nvSpPr>
+          <p:cNvPr id="11" name="TextBox 10">
+            <a:extLst>
+              <a:ext uri="{FF2B5EF4-FFF2-40B4-BE49-F238E27FC236}">
+                <a16:creationId xmlns:a16="http://schemas.microsoft.com/office/drawing/2014/main" id="{DC80E67E-7131-ECC1-5FAF-8F2BBC5E2465}"/>
+              </a:ext>
+            </a:extLst>
+          </p:cNvPr>
+          <p:cNvSpPr txBox="1"/>
+          <p:nvPr/>
+        </p:nvSpPr>
+        <p:spPr>
+          <a:xfrm>
+            <a:off x="4957415" y="3485455"/>
+            <a:ext cx="1077539" cy="307777"/>
+          </a:xfrm>
+          <a:prstGeom prst="rect">
+            <a:avLst/>
+          </a:prstGeom>
+          <a:noFill/>
+        </p:spPr>
+        <p:txBody>
+          <a:bodyPr wrap="none" rtlCol="0">
+            <a:spAutoFit/>
+          </a:bodyPr>
+          <a:lstStyle/>
+          <a:p>
+            <a:r>
+              <a:rPr lang="en-US" b="1" dirty="0">
+                <a:solidFill>
+                  <a:srgbClr val="C00000"/>
+                </a:solidFill>
+              </a:rPr>
+              <a:t>&lt; UPDATE</a:t>
+            </a:r>
+          </a:p>
+        </p:txBody>
+      </p:sp>
+      <p:sp>
+        <p:nvSpPr>
+          <p:cNvPr id="12" name="TextBox 11">
+            <a:extLst>
+              <a:ext uri="{FF2B5EF4-FFF2-40B4-BE49-F238E27FC236}">
+                <a16:creationId xmlns:a16="http://schemas.microsoft.com/office/drawing/2014/main" id="{E4D31BEE-15D3-2760-05F6-5A31D5B3BB61}"/>
+              </a:ext>
+            </a:extLst>
+          </p:cNvPr>
+          <p:cNvSpPr txBox="1"/>
+          <p:nvPr/>
+        </p:nvSpPr>
+        <p:spPr>
+          <a:xfrm rot="16200000">
+            <a:off x="736869" y="2244282"/>
+            <a:ext cx="675185" cy="338554"/>
+          </a:xfrm>
+          <a:prstGeom prst="rect">
+            <a:avLst/>
+          </a:prstGeom>
+          <a:noFill/>
+        </p:spPr>
+        <p:txBody>
+          <a:bodyPr wrap="none" rtlCol="0">
+            <a:spAutoFit/>
+          </a:bodyPr>
+          <a:lstStyle/>
+          <a:p>
+            <a:r>
+              <a:rPr lang="en-US" sz="1600" b="1" dirty="0"/>
+              <a:t>TIME</a:t>
+            </a:r>
+          </a:p>
+        </p:txBody>
+      </p:sp>
+      <p:cxnSp>
+        <p:nvCxnSpPr>
+          <p:cNvPr id="14" name="Straight Arrow Connector 13">
+            <a:extLst>
+              <a:ext uri="{FF2B5EF4-FFF2-40B4-BE49-F238E27FC236}">
+                <a16:creationId xmlns:a16="http://schemas.microsoft.com/office/drawing/2014/main" id="{6DC0E1A9-4B42-2195-ECBA-E403DD44820C}"/>
+              </a:ext>
+            </a:extLst>
+          </p:cNvPr>
+          <p:cNvCxnSpPr/>
+          <p:nvPr/>
+        </p:nvCxnSpPr>
+        <p:spPr>
+          <a:xfrm>
+            <a:off x="1074462" y="2704746"/>
+            <a:ext cx="0" cy="764119"/>
+          </a:xfrm>
+          <a:prstGeom prst="straightConnector1">
+            <a:avLst/>
+          </a:prstGeom>
+          <a:ln w="38100">
+            <a:solidFill>
+              <a:schemeClr val="tx1"/>
+            </a:solidFill>
+            <a:tailEnd type="triangle"/>
+          </a:ln>
+        </p:spPr>
+        <p:style>
+          <a:lnRef idx="1">
+            <a:schemeClr val="accent1"/>
+          </a:lnRef>
+          <a:fillRef idx="0">
+            <a:schemeClr val="accent1"/>
+          </a:fillRef>
+          <a:effectRef idx="0">
+            <a:schemeClr val="accent1"/>
+          </a:effectRef>
+          <a:fontRef idx="minor">
+            <a:schemeClr val="tx1"/>
+          </a:fontRef>
+        </p:style>
+      </p:cxnSp>
+    </p:spTree>
+    <p:extLst>
+      <p:ext uri="{BB962C8B-B14F-4D97-AF65-F5344CB8AC3E}">
+        <p14:creationId xmlns:p14="http://schemas.microsoft.com/office/powerpoint/2010/main" val="3552739754"/>
+      </p:ext>
+    </p:extLst>
+  </p:cSld>
+  <p:clrMapOvr>
+    <a:masterClrMapping/>
+  </p:clrMapOvr>
+</p:sld>
+</file>
+
+<file path=ppt/slides/slide11.xml><?xml version="1.0" encoding="utf-8"?>
+<p:sld xmlns:a="http://schemas.openxmlformats.org/drawingml/2006/main" xmlns:r="http://schemas.openxmlformats.org/officeDocument/2006/relationships" xmlns:p="http://schemas.openxmlformats.org/presentationml/2006/main">
+  <p:cSld>
+    <p:spTree>
+      <p:nvGrpSpPr>
+        <p:cNvPr id="1" name=""/>
+        <p:cNvGrpSpPr/>
+        <p:nvPr/>
+      </p:nvGrpSpPr>
+      <p:grpSpPr>
+        <a:xfrm>
+          <a:off x="0" y="0"/>
+          <a:ext cx="0" cy="0"/>
+          <a:chOff x="0" y="0"/>
+          <a:chExt cx="0" cy="0"/>
+        </a:xfrm>
+      </p:grpSpPr>
+      <p:sp>
+        <p:nvSpPr>
+          <p:cNvPr id="2" name="Title 1">
+            <a:extLst>
+              <a:ext uri="{FF2B5EF4-FFF2-40B4-BE49-F238E27FC236}">
+                <a16:creationId xmlns:a16="http://schemas.microsoft.com/office/drawing/2014/main" id="{0EE0BC89-0AFF-5C34-AC3D-4C960041D09D}"/>
+              </a:ext>
+            </a:extLst>
+          </p:cNvPr>
+          <p:cNvSpPr>
+            <a:spLocks noGrp="1"/>
+          </p:cNvSpPr>
+          <p:nvPr>
+            <p:ph type="title"/>
+          </p:nvPr>
+        </p:nvSpPr>
+        <p:spPr/>
+        <p:txBody>
+          <a:bodyPr/>
+          <a:lstStyle/>
+          <a:p>
+            <a:r>
+              <a:rPr lang="en-US" dirty="0"/>
+              <a:t>Demonstration fixed</a:t>
+            </a:r>
+          </a:p>
+        </p:txBody>
+      </p:sp>
+      <p:sp>
+        <p:nvSpPr>
+          <p:cNvPr id="4" name="Slide Number Placeholder 3">
+            <a:extLst>
+              <a:ext uri="{FF2B5EF4-FFF2-40B4-BE49-F238E27FC236}">
+                <a16:creationId xmlns:a16="http://schemas.microsoft.com/office/drawing/2014/main" id="{0D9B6B93-6814-3824-0CE7-D2E2363128D4}"/>
+              </a:ext>
+            </a:extLst>
+          </p:cNvPr>
+          <p:cNvSpPr>
+            <a:spLocks noGrp="1"/>
+          </p:cNvSpPr>
+          <p:nvPr>
+            <p:ph type="sldNum" idx="12"/>
+          </p:nvPr>
+        </p:nvSpPr>
+        <p:spPr/>
+        <p:txBody>
+          <a:bodyPr/>
+          <a:lstStyle/>
+          <a:p>
+            <a:pPr marL="0" lvl="0" indent="0" algn="r" rtl="0">
+              <a:spcBef>
+                <a:spcPts val="0"/>
+              </a:spcBef>
+              <a:spcAft>
+                <a:spcPts val="0"/>
+              </a:spcAft>
+              <a:buNone/>
+            </a:pPr>
+            <a:fld id="{00000000-1234-1234-1234-123412341234}" type="slidenum">
+              <a:rPr lang="en" smtClean="0"/>
+              <a:t>11</a:t>
+            </a:fld>
+            <a:endParaRPr lang="en" dirty="0"/>
+          </a:p>
+        </p:txBody>
+      </p:sp>
+      <p:sp>
+        <p:nvSpPr>
+          <p:cNvPr id="5" name="TextBox 4">
+            <a:extLst>
+              <a:ext uri="{FF2B5EF4-FFF2-40B4-BE49-F238E27FC236}">
+                <a16:creationId xmlns:a16="http://schemas.microsoft.com/office/drawing/2014/main" id="{705DD196-4B1A-66FA-A972-6AD721750A68}"/>
+              </a:ext>
+            </a:extLst>
+          </p:cNvPr>
+          <p:cNvSpPr txBox="1"/>
+          <p:nvPr/>
+        </p:nvSpPr>
+        <p:spPr>
+          <a:xfrm>
+            <a:off x="3020854" y="1254165"/>
+            <a:ext cx="3339193" cy="307777"/>
+          </a:xfrm>
+          <a:prstGeom prst="rect">
+            <a:avLst/>
+          </a:prstGeom>
+          <a:noFill/>
+          <a:ln>
+            <a:solidFill>
+              <a:schemeClr val="tx1"/>
+            </a:solidFill>
+          </a:ln>
+        </p:spPr>
+        <p:txBody>
+          <a:bodyPr wrap="square" rtlCol="0">
+            <a:spAutoFit/>
+          </a:bodyPr>
+          <a:lstStyle/>
+          <a:p>
+            <a:pPr algn="ctr"/>
+            <a:r>
+              <a:rPr lang="en-US" b="1" dirty="0">
+                <a:latin typeface="Courier New" panose="02070309020205020404" pitchFamily="49" charset="0"/>
+                <a:cs typeface="Courier New" panose="02070309020205020404" pitchFamily="49" charset="0"/>
+              </a:rPr>
+              <a:t>UPDATE </a:t>
+            </a:r>
+            <a:r>
+              <a:rPr lang="en-US" b="1" dirty="0" err="1">
+                <a:latin typeface="Courier New" panose="02070309020205020404" pitchFamily="49" charset="0"/>
+                <a:cs typeface="Courier New" panose="02070309020205020404" pitchFamily="49" charset="0"/>
+              </a:rPr>
+              <a:t>my_table</a:t>
+            </a:r>
+            <a:r>
+              <a:rPr lang="en-US" b="1" dirty="0">
+                <a:latin typeface="Courier New" panose="02070309020205020404" pitchFamily="49" charset="0"/>
+                <a:cs typeface="Courier New" panose="02070309020205020404" pitchFamily="49" charset="0"/>
+              </a:rPr>
+              <a:t> SET value = 0</a:t>
+            </a:r>
+          </a:p>
+        </p:txBody>
+      </p:sp>
+      <p:sp>
+        <p:nvSpPr>
+          <p:cNvPr id="7" name="TextBox 6">
+            <a:extLst>
+              <a:ext uri="{FF2B5EF4-FFF2-40B4-BE49-F238E27FC236}">
+                <a16:creationId xmlns:a16="http://schemas.microsoft.com/office/drawing/2014/main" id="{79C3A225-4B0F-FE37-19D2-3745870112C5}"/>
+              </a:ext>
+            </a:extLst>
+          </p:cNvPr>
+          <p:cNvSpPr txBox="1"/>
+          <p:nvPr/>
+        </p:nvSpPr>
+        <p:spPr>
+          <a:xfrm>
+            <a:off x="3171893" y="3789461"/>
+            <a:ext cx="3037114" cy="307777"/>
+          </a:xfrm>
+          <a:prstGeom prst="rect">
+            <a:avLst/>
+          </a:prstGeom>
+          <a:noFill/>
+          <a:ln>
+            <a:solidFill>
+              <a:schemeClr val="tx1"/>
+            </a:solidFill>
+          </a:ln>
+        </p:spPr>
+        <p:txBody>
+          <a:bodyPr wrap="square" rtlCol="0">
+            <a:spAutoFit/>
+          </a:bodyPr>
+          <a:lstStyle/>
+          <a:p>
+            <a:pPr algn="ctr"/>
+            <a:r>
+              <a:rPr lang="en-US" b="1" dirty="0">
+                <a:latin typeface="Courier" pitchFamily="2" charset="0"/>
+              </a:rPr>
+              <a:t>SELECT value FROM </a:t>
+            </a:r>
+            <a:r>
+              <a:rPr lang="en-US" b="1" dirty="0" err="1">
+                <a:latin typeface="Courier" pitchFamily="2" charset="0"/>
+              </a:rPr>
+              <a:t>my_table</a:t>
+            </a:r>
+            <a:endParaRPr lang="en-US" b="1" dirty="0">
+              <a:latin typeface="Courier" pitchFamily="2" charset="0"/>
+            </a:endParaRPr>
+          </a:p>
+        </p:txBody>
+      </p:sp>
+      <p:grpSp>
+        <p:nvGrpSpPr>
+          <p:cNvPr id="17" name="Group 16">
+            <a:extLst>
+              <a:ext uri="{FF2B5EF4-FFF2-40B4-BE49-F238E27FC236}">
+                <a16:creationId xmlns:a16="http://schemas.microsoft.com/office/drawing/2014/main" id="{8E87CE1E-C77E-8DCE-3E97-B2492248007A}"/>
+              </a:ext>
+            </a:extLst>
+          </p:cNvPr>
+          <p:cNvGrpSpPr/>
+          <p:nvPr/>
+        </p:nvGrpSpPr>
+        <p:grpSpPr>
+          <a:xfrm>
+            <a:off x="634092" y="1983204"/>
+            <a:ext cx="8112716" cy="1384995"/>
+            <a:chOff x="634092" y="1774165"/>
+            <a:chExt cx="8112716" cy="1384995"/>
+          </a:xfrm>
+        </p:grpSpPr>
+        <p:sp>
+          <p:nvSpPr>
+            <p:cNvPr id="6" name="TextBox 5">
+              <a:extLst>
+                <a:ext uri="{FF2B5EF4-FFF2-40B4-BE49-F238E27FC236}">
+                  <a16:creationId xmlns:a16="http://schemas.microsoft.com/office/drawing/2014/main" id="{2B483C77-41BE-4800-799F-38C5008D491F}"/>
+                </a:ext>
+              </a:extLst>
+            </p:cNvPr>
+            <p:cNvSpPr txBox="1"/>
+            <p:nvPr/>
+          </p:nvSpPr>
+          <p:spPr>
+            <a:xfrm>
+              <a:off x="634092" y="1774165"/>
+              <a:ext cx="3929744" cy="1384995"/>
+            </a:xfrm>
+            <a:prstGeom prst="rect">
+              <a:avLst/>
+            </a:prstGeom>
+            <a:noFill/>
+            <a:ln>
+              <a:solidFill>
+                <a:schemeClr val="tx1"/>
+              </a:solidFill>
+            </a:ln>
+          </p:spPr>
+          <p:txBody>
+            <a:bodyPr wrap="square" rtlCol="0">
+              <a:spAutoFit/>
+            </a:bodyPr>
+            <a:lstStyle/>
+            <a:p>
+              <a:r>
+                <a:rPr lang="en-US" b="1" dirty="0">
+                  <a:latin typeface="Courier New" panose="02070309020205020404" pitchFamily="49" charset="0"/>
+                  <a:cs typeface="Courier New" panose="02070309020205020404" pitchFamily="49" charset="0"/>
+                </a:rPr>
+                <a:t>do 500 times:</a:t>
+              </a:r>
+            </a:p>
+            <a:p>
+              <a:r>
+                <a:rPr lang="en-US" b="1" dirty="0">
+                  <a:latin typeface="Courier New" panose="02070309020205020404" pitchFamily="49" charset="0"/>
+                  <a:cs typeface="Courier New" panose="02070309020205020404" pitchFamily="49" charset="0"/>
+                </a:rPr>
+                <a:t>   </a:t>
+              </a:r>
+              <a:r>
+                <a:rPr lang="en-US" b="1" dirty="0">
+                  <a:solidFill>
+                    <a:srgbClr val="C00000"/>
+                  </a:solidFill>
+                  <a:latin typeface="Courier New" panose="02070309020205020404" pitchFamily="49" charset="0"/>
+                  <a:cs typeface="Courier New" panose="02070309020205020404" pitchFamily="49" charset="0"/>
+                </a:rPr>
+                <a:t>BEGIN</a:t>
+              </a:r>
+            </a:p>
+            <a:p>
+              <a:r>
+                <a:rPr lang="en-US" b="1" dirty="0">
+                  <a:latin typeface="Courier New" panose="02070309020205020404" pitchFamily="49" charset="0"/>
+                  <a:cs typeface="Courier New" panose="02070309020205020404" pitchFamily="49" charset="0"/>
+                </a:rPr>
+                <a:t>   v = SELECT value FROM </a:t>
+              </a:r>
+              <a:r>
+                <a:rPr lang="en-US" b="1" dirty="0" err="1">
+                  <a:latin typeface="Courier New" panose="02070309020205020404" pitchFamily="49" charset="0"/>
+                  <a:cs typeface="Courier New" panose="02070309020205020404" pitchFamily="49" charset="0"/>
+                </a:rPr>
+                <a:t>my_table</a:t>
+              </a:r>
+              <a:endParaRPr lang="en-US" b="1" dirty="0">
+                <a:latin typeface="Courier New" panose="02070309020205020404" pitchFamily="49" charset="0"/>
+                <a:cs typeface="Courier New" panose="02070309020205020404" pitchFamily="49" charset="0"/>
+              </a:endParaRPr>
+            </a:p>
+            <a:p>
+              <a:r>
+                <a:rPr lang="en-US" b="1" dirty="0">
+                  <a:latin typeface="Courier New" panose="02070309020205020404" pitchFamily="49" charset="0"/>
+                  <a:cs typeface="Courier New" panose="02070309020205020404" pitchFamily="49" charset="0"/>
+                </a:rPr>
+                <a:t>   v += 1</a:t>
+              </a:r>
+            </a:p>
+            <a:p>
+              <a:r>
+                <a:rPr lang="en-US" b="1" dirty="0">
+                  <a:latin typeface="Courier New" panose="02070309020205020404" pitchFamily="49" charset="0"/>
+                  <a:cs typeface="Courier New" panose="02070309020205020404" pitchFamily="49" charset="0"/>
+                </a:rPr>
+                <a:t>   UPDATE </a:t>
+              </a:r>
+              <a:r>
+                <a:rPr lang="en-US" b="1" dirty="0" err="1">
+                  <a:latin typeface="Courier New" panose="02070309020205020404" pitchFamily="49" charset="0"/>
+                  <a:cs typeface="Courier New" panose="02070309020205020404" pitchFamily="49" charset="0"/>
+                </a:rPr>
+                <a:t>my_table</a:t>
+              </a:r>
+              <a:r>
+                <a:rPr lang="en-US" b="1" dirty="0">
+                  <a:latin typeface="Courier New" panose="02070309020205020404" pitchFamily="49" charset="0"/>
+                  <a:cs typeface="Courier New" panose="02070309020205020404" pitchFamily="49" charset="0"/>
+                </a:rPr>
+                <a:t> SET value = v</a:t>
+              </a:r>
+            </a:p>
+            <a:p>
+              <a:r>
+                <a:rPr lang="en-US" b="1" dirty="0">
+                  <a:latin typeface="Courier New" panose="02070309020205020404" pitchFamily="49" charset="0"/>
+                  <a:cs typeface="Courier New" panose="02070309020205020404" pitchFamily="49" charset="0"/>
+                </a:rPr>
+                <a:t>   </a:t>
+              </a:r>
+              <a:r>
+                <a:rPr lang="en-US" b="1" dirty="0">
+                  <a:solidFill>
+                    <a:srgbClr val="C00000"/>
+                  </a:solidFill>
+                  <a:latin typeface="Courier New" panose="02070309020205020404" pitchFamily="49" charset="0"/>
+                  <a:cs typeface="Courier New" panose="02070309020205020404" pitchFamily="49" charset="0"/>
+                </a:rPr>
+                <a:t>COMMIT</a:t>
+              </a:r>
+            </a:p>
+          </p:txBody>
+        </p:sp>
+        <p:sp>
+          <p:nvSpPr>
+            <p:cNvPr id="8" name="TextBox 7">
+              <a:extLst>
+                <a:ext uri="{FF2B5EF4-FFF2-40B4-BE49-F238E27FC236}">
+                  <a16:creationId xmlns:a16="http://schemas.microsoft.com/office/drawing/2014/main" id="{998CEF98-7724-1B0F-07C9-BB7AEC4E1AAC}"/>
+                </a:ext>
+              </a:extLst>
+            </p:cNvPr>
+            <p:cNvSpPr txBox="1"/>
+            <p:nvPr/>
+          </p:nvSpPr>
+          <p:spPr>
+            <a:xfrm>
+              <a:off x="4817064" y="1774165"/>
+              <a:ext cx="3929744" cy="1384995"/>
+            </a:xfrm>
+            <a:prstGeom prst="rect">
+              <a:avLst/>
+            </a:prstGeom>
+            <a:noFill/>
+            <a:ln>
+              <a:solidFill>
+                <a:schemeClr val="tx1"/>
+              </a:solidFill>
+            </a:ln>
+          </p:spPr>
+          <p:txBody>
+            <a:bodyPr wrap="square" rtlCol="0">
+              <a:spAutoFit/>
+            </a:bodyPr>
+            <a:lstStyle/>
+            <a:p>
+              <a:r>
+                <a:rPr lang="en-US" b="1" dirty="0">
+                  <a:latin typeface="Courier New" panose="02070309020205020404" pitchFamily="49" charset="0"/>
+                  <a:cs typeface="Courier New" panose="02070309020205020404" pitchFamily="49" charset="0"/>
+                </a:rPr>
+                <a:t>do 500 times:</a:t>
+              </a:r>
+            </a:p>
+            <a:p>
+              <a:r>
+                <a:rPr lang="en-US" b="1" dirty="0">
+                  <a:latin typeface="Courier New" panose="02070309020205020404" pitchFamily="49" charset="0"/>
+                  <a:cs typeface="Courier New" panose="02070309020205020404" pitchFamily="49" charset="0"/>
+                </a:rPr>
+                <a:t>   </a:t>
+              </a:r>
+              <a:r>
+                <a:rPr lang="en-US" b="1" dirty="0">
+                  <a:solidFill>
+                    <a:srgbClr val="C00000"/>
+                  </a:solidFill>
+                  <a:latin typeface="Courier New" panose="02070309020205020404" pitchFamily="49" charset="0"/>
+                  <a:cs typeface="Courier New" panose="02070309020205020404" pitchFamily="49" charset="0"/>
+                </a:rPr>
+                <a:t>BEGIN</a:t>
+              </a:r>
+            </a:p>
+            <a:p>
+              <a:r>
+                <a:rPr lang="en-US" b="1" dirty="0">
+                  <a:latin typeface="Courier New" panose="02070309020205020404" pitchFamily="49" charset="0"/>
+                  <a:cs typeface="Courier New" panose="02070309020205020404" pitchFamily="49" charset="0"/>
+                </a:rPr>
+                <a:t>   v = SELECT value FROM </a:t>
+              </a:r>
+              <a:r>
+                <a:rPr lang="en-US" b="1" dirty="0" err="1">
+                  <a:latin typeface="Courier New" panose="02070309020205020404" pitchFamily="49" charset="0"/>
+                  <a:cs typeface="Courier New" panose="02070309020205020404" pitchFamily="49" charset="0"/>
+                </a:rPr>
+                <a:t>my_table</a:t>
+              </a:r>
+              <a:endParaRPr lang="en-US" b="1" dirty="0">
+                <a:latin typeface="Courier New" panose="02070309020205020404" pitchFamily="49" charset="0"/>
+                <a:cs typeface="Courier New" panose="02070309020205020404" pitchFamily="49" charset="0"/>
+              </a:endParaRPr>
+            </a:p>
+            <a:p>
+              <a:r>
+                <a:rPr lang="en-US" b="1" dirty="0">
+                  <a:latin typeface="Courier New" panose="02070309020205020404" pitchFamily="49" charset="0"/>
+                  <a:cs typeface="Courier New" panose="02070309020205020404" pitchFamily="49" charset="0"/>
+                </a:rPr>
+                <a:t>   v -= 1</a:t>
+              </a:r>
+            </a:p>
+            <a:p>
+              <a:r>
+                <a:rPr lang="en-US" b="1" dirty="0">
+                  <a:latin typeface="Courier New" panose="02070309020205020404" pitchFamily="49" charset="0"/>
+                  <a:cs typeface="Courier New" panose="02070309020205020404" pitchFamily="49" charset="0"/>
+                </a:rPr>
+                <a:t>   UPDATE </a:t>
+              </a:r>
+              <a:r>
+                <a:rPr lang="en-US" b="1" dirty="0" err="1">
+                  <a:latin typeface="Courier New" panose="02070309020205020404" pitchFamily="49" charset="0"/>
+                  <a:cs typeface="Courier New" panose="02070309020205020404" pitchFamily="49" charset="0"/>
+                </a:rPr>
+                <a:t>my_table</a:t>
+              </a:r>
+              <a:r>
+                <a:rPr lang="en-US" b="1" dirty="0">
+                  <a:latin typeface="Courier New" panose="02070309020205020404" pitchFamily="49" charset="0"/>
+                  <a:cs typeface="Courier New" panose="02070309020205020404" pitchFamily="49" charset="0"/>
+                </a:rPr>
+                <a:t> SET value = v</a:t>
+              </a:r>
+            </a:p>
+            <a:p>
+              <a:r>
+                <a:rPr lang="en-US" b="1" dirty="0">
+                  <a:latin typeface="Courier New" panose="02070309020205020404" pitchFamily="49" charset="0"/>
+                  <a:cs typeface="Courier New" panose="02070309020205020404" pitchFamily="49" charset="0"/>
+                </a:rPr>
+                <a:t>   </a:t>
+              </a:r>
+              <a:r>
+                <a:rPr lang="en-US" b="1" dirty="0">
+                  <a:solidFill>
+                    <a:srgbClr val="C00000"/>
+                  </a:solidFill>
+                  <a:latin typeface="Courier New" panose="02070309020205020404" pitchFamily="49" charset="0"/>
+                  <a:cs typeface="Courier New" panose="02070309020205020404" pitchFamily="49" charset="0"/>
+                </a:rPr>
+                <a:t>COMMIT</a:t>
+              </a:r>
+            </a:p>
+          </p:txBody>
+        </p:sp>
+      </p:grpSp>
+      <p:cxnSp>
+        <p:nvCxnSpPr>
+          <p:cNvPr id="10" name="Elbow Connector 9">
+            <a:extLst>
+              <a:ext uri="{FF2B5EF4-FFF2-40B4-BE49-F238E27FC236}">
+                <a16:creationId xmlns:a16="http://schemas.microsoft.com/office/drawing/2014/main" id="{FDAAC016-2021-F95A-0A4D-A363AD59F4D6}"/>
+              </a:ext>
+            </a:extLst>
+          </p:cNvPr>
+          <p:cNvCxnSpPr>
+            <a:stCxn id="5" idx="2"/>
+            <a:endCxn id="6" idx="0"/>
+          </p:cNvCxnSpPr>
+          <p:nvPr/>
+        </p:nvCxnSpPr>
+        <p:spPr>
+          <a:xfrm rot="5400000">
+            <a:off x="3434077" y="726830"/>
+            <a:ext cx="421262" cy="2091487"/>
+          </a:xfrm>
+          <a:prstGeom prst="bentConnector3">
+            <a:avLst/>
+          </a:prstGeom>
+          <a:ln>
+            <a:tailEnd type="triangle"/>
+          </a:ln>
+        </p:spPr>
+        <p:style>
+          <a:lnRef idx="1">
+            <a:schemeClr val="accent1"/>
+          </a:lnRef>
+          <a:fillRef idx="0">
+            <a:schemeClr val="accent1"/>
+          </a:fillRef>
+          <a:effectRef idx="0">
+            <a:schemeClr val="accent1"/>
+          </a:effectRef>
+          <a:fontRef idx="minor">
+            <a:schemeClr val="tx1"/>
+          </a:fontRef>
+        </p:style>
+      </p:cxnSp>
+      <p:cxnSp>
+        <p:nvCxnSpPr>
+          <p:cNvPr id="12" name="Elbow Connector 11">
+            <a:extLst>
+              <a:ext uri="{FF2B5EF4-FFF2-40B4-BE49-F238E27FC236}">
+                <a16:creationId xmlns:a16="http://schemas.microsoft.com/office/drawing/2014/main" id="{8B35D604-9021-ACCE-CB15-346DDFB9E17A}"/>
+              </a:ext>
+            </a:extLst>
+          </p:cNvPr>
+          <p:cNvCxnSpPr>
+            <a:stCxn id="5" idx="2"/>
+            <a:endCxn id="8" idx="0"/>
+          </p:cNvCxnSpPr>
+          <p:nvPr/>
+        </p:nvCxnSpPr>
+        <p:spPr>
+          <a:xfrm rot="16200000" flipH="1">
+            <a:off x="5525562" y="726830"/>
+            <a:ext cx="421262" cy="2091485"/>
+          </a:xfrm>
+          <a:prstGeom prst="bentConnector3">
+            <a:avLst/>
+          </a:prstGeom>
+          <a:ln>
+            <a:tailEnd type="triangle"/>
+          </a:ln>
+        </p:spPr>
+        <p:style>
+          <a:lnRef idx="1">
+            <a:schemeClr val="accent1"/>
+          </a:lnRef>
+          <a:fillRef idx="0">
+            <a:schemeClr val="accent1"/>
+          </a:fillRef>
+          <a:effectRef idx="0">
+            <a:schemeClr val="accent1"/>
+          </a:effectRef>
+          <a:fontRef idx="minor">
+            <a:schemeClr val="tx1"/>
+          </a:fontRef>
+        </p:style>
+      </p:cxnSp>
+      <p:cxnSp>
+        <p:nvCxnSpPr>
+          <p:cNvPr id="14" name="Elbow Connector 13">
+            <a:extLst>
+              <a:ext uri="{FF2B5EF4-FFF2-40B4-BE49-F238E27FC236}">
+                <a16:creationId xmlns:a16="http://schemas.microsoft.com/office/drawing/2014/main" id="{7C8DB8E6-E2A2-645E-1EEA-D6DAE9B87713}"/>
+              </a:ext>
+            </a:extLst>
+          </p:cNvPr>
+          <p:cNvCxnSpPr>
+            <a:stCxn id="6" idx="2"/>
+            <a:endCxn id="7" idx="0"/>
+          </p:cNvCxnSpPr>
+          <p:nvPr/>
+        </p:nvCxnSpPr>
+        <p:spPr>
+          <a:xfrm rot="16200000" flipH="1">
+            <a:off x="3434076" y="2533087"/>
+            <a:ext cx="421262" cy="2091486"/>
+          </a:xfrm>
+          <a:prstGeom prst="bentConnector3">
+            <a:avLst/>
+          </a:prstGeom>
+          <a:ln>
+            <a:tailEnd type="triangle"/>
+          </a:ln>
+        </p:spPr>
+        <p:style>
+          <a:lnRef idx="1">
+            <a:schemeClr val="accent1"/>
+          </a:lnRef>
+          <a:fillRef idx="0">
+            <a:schemeClr val="accent1"/>
+          </a:fillRef>
+          <a:effectRef idx="0">
+            <a:schemeClr val="accent1"/>
+          </a:effectRef>
+          <a:fontRef idx="minor">
+            <a:schemeClr val="tx1"/>
+          </a:fontRef>
+        </p:style>
+      </p:cxnSp>
+      <p:cxnSp>
+        <p:nvCxnSpPr>
+          <p:cNvPr id="16" name="Elbow Connector 15">
+            <a:extLst>
+              <a:ext uri="{FF2B5EF4-FFF2-40B4-BE49-F238E27FC236}">
+                <a16:creationId xmlns:a16="http://schemas.microsoft.com/office/drawing/2014/main" id="{C10E11C2-82E0-50F6-60E3-6FEAB75517B5}"/>
+              </a:ext>
+            </a:extLst>
+          </p:cNvPr>
+          <p:cNvCxnSpPr>
+            <a:stCxn id="8" idx="2"/>
+            <a:endCxn id="7" idx="0"/>
+          </p:cNvCxnSpPr>
+          <p:nvPr/>
+        </p:nvCxnSpPr>
+        <p:spPr>
+          <a:xfrm rot="5400000">
+            <a:off x="5525562" y="2533087"/>
+            <a:ext cx="421262" cy="2091486"/>
+          </a:xfrm>
+          <a:prstGeom prst="bentConnector3">
+            <a:avLst/>
+          </a:prstGeom>
+          <a:ln>
+            <a:tailEnd type="triangle"/>
+          </a:ln>
+        </p:spPr>
+        <p:style>
+          <a:lnRef idx="1">
+            <a:schemeClr val="accent1"/>
+          </a:lnRef>
+          <a:fillRef idx="0">
+            <a:schemeClr val="accent1"/>
+          </a:fillRef>
+          <a:effectRef idx="0">
+            <a:schemeClr val="accent1"/>
+          </a:effectRef>
+          <a:fontRef idx="minor">
+            <a:schemeClr val="tx1"/>
+          </a:fontRef>
+        </p:style>
+      </p:cxnSp>
+    </p:spTree>
+    <p:extLst>
+      <p:ext uri="{BB962C8B-B14F-4D97-AF65-F5344CB8AC3E}">
+        <p14:creationId xmlns:p14="http://schemas.microsoft.com/office/powerpoint/2010/main" val="3583529005"/>
+      </p:ext>
+    </p:extLst>
+  </p:cSld>
+  <p:clrMapOvr>
+    <a:masterClrMapping/>
+  </p:clrMapOvr>
+</p:sld>
+</file>
+
+<file path=ppt/slides/slide12.xml><?xml version="1.0" encoding="utf-8"?>
+<p:sld xmlns:a="http://schemas.openxmlformats.org/drawingml/2006/main" xmlns:r="http://schemas.openxmlformats.org/officeDocument/2006/relationships" xmlns:p="http://schemas.openxmlformats.org/presentationml/2006/main">
+  <p:cSld>
+    <p:spTree>
+      <p:nvGrpSpPr>
+        <p:cNvPr id="1" name=""/>
+        <p:cNvGrpSpPr/>
+        <p:nvPr/>
+      </p:nvGrpSpPr>
+      <p:grpSpPr>
+        <a:xfrm>
+          <a:off x="0" y="0"/>
+          <a:ext cx="0" cy="0"/>
+          <a:chOff x="0" y="0"/>
+          <a:chExt cx="0" cy="0"/>
+        </a:xfrm>
+      </p:grpSpPr>
+      <p:sp>
+        <p:nvSpPr>
+          <p:cNvPr id="2" name="Title 1">
+            <a:extLst>
+              <a:ext uri="{FF2B5EF4-FFF2-40B4-BE49-F238E27FC236}">
+                <a16:creationId xmlns:a16="http://schemas.microsoft.com/office/drawing/2014/main" id="{11013E7F-80BA-96EA-3186-21FE598EE39A}"/>
+              </a:ext>
+            </a:extLst>
+          </p:cNvPr>
+          <p:cNvSpPr>
+            <a:spLocks noGrp="1"/>
+          </p:cNvSpPr>
+          <p:nvPr>
+            <p:ph type="title"/>
+          </p:nvPr>
+        </p:nvSpPr>
+        <p:spPr/>
+        <p:txBody>
+          <a:bodyPr/>
+          <a:lstStyle/>
+          <a:p>
+            <a:r>
+              <a:rPr lang="en-US" dirty="0"/>
+              <a:t>How transactions help</a:t>
+            </a:r>
+          </a:p>
+        </p:txBody>
+      </p:sp>
+      <p:sp>
+        <p:nvSpPr>
+          <p:cNvPr id="4" name="Slide Number Placeholder 3">
+            <a:extLst>
+              <a:ext uri="{FF2B5EF4-FFF2-40B4-BE49-F238E27FC236}">
+                <a16:creationId xmlns:a16="http://schemas.microsoft.com/office/drawing/2014/main" id="{AAD379C9-D27F-E4A6-FFE9-03ECC7F4C64F}"/>
+              </a:ext>
+            </a:extLst>
+          </p:cNvPr>
+          <p:cNvSpPr>
+            <a:spLocks noGrp="1"/>
+          </p:cNvSpPr>
+          <p:nvPr>
+            <p:ph type="sldNum" idx="12"/>
+          </p:nvPr>
+        </p:nvSpPr>
+        <p:spPr/>
+        <p:txBody>
+          <a:bodyPr/>
+          <a:lstStyle/>
+          <a:p>
+            <a:pPr marL="0" lvl="0" indent="0" algn="r" rtl="0">
+              <a:spcBef>
+                <a:spcPts val="0"/>
+              </a:spcBef>
+              <a:spcAft>
+                <a:spcPts val="0"/>
+              </a:spcAft>
+              <a:buNone/>
+            </a:pPr>
+            <a:fld id="{00000000-1234-1234-1234-123412341234}" type="slidenum">
+              <a:rPr lang="en" smtClean="0"/>
+              <a:t>12</a:t>
+            </a:fld>
+            <a:endParaRPr lang="en" dirty="0"/>
+          </a:p>
+        </p:txBody>
+      </p:sp>
+      <p:graphicFrame>
+        <p:nvGraphicFramePr>
+          <p:cNvPr id="7" name="Table 7">
+            <a:extLst>
+              <a:ext uri="{FF2B5EF4-FFF2-40B4-BE49-F238E27FC236}">
+                <a16:creationId xmlns:a16="http://schemas.microsoft.com/office/drawing/2014/main" id="{1137D26C-0CAA-FBD8-6796-43F748F903AA}"/>
+              </a:ext>
+            </a:extLst>
+          </p:cNvPr>
+          <p:cNvGraphicFramePr>
+            <a:graphicFrameLocks noGrp="1"/>
+          </p:cNvGraphicFramePr>
+          <p:nvPr>
+            <p:extLst>
+              <p:ext uri="{D42A27DB-BD31-4B8C-83A1-F6EECF244321}">
+                <p14:modId xmlns:p14="http://schemas.microsoft.com/office/powerpoint/2010/main" val="682299662"/>
+              </p:ext>
+            </p:extLst>
+          </p:nvPr>
+        </p:nvGraphicFramePr>
+        <p:xfrm>
+          <a:off x="1384515" y="1608817"/>
+          <a:ext cx="6096000" cy="2966720"/>
+        </p:xfrm>
+        <a:graphic>
+          <a:graphicData uri="http://schemas.openxmlformats.org/drawingml/2006/table">
+            <a:tbl>
+              <a:tblPr firstRow="1" bandRow="1">
+                <a:tableStyleId>{5C22544A-7EE6-4342-B048-85BDC9FD1C3A}</a:tableStyleId>
+              </a:tblPr>
+              <a:tblGrid>
+                <a:gridCol w="2032000">
+                  <a:extLst>
+                    <a:ext uri="{9D8B030D-6E8A-4147-A177-3AD203B41FA5}">
+                      <a16:colId xmlns:a16="http://schemas.microsoft.com/office/drawing/2014/main" val="2370690924"/>
+                    </a:ext>
+                  </a:extLst>
+                </a:gridCol>
+                <a:gridCol w="2032000">
+                  <a:extLst>
+                    <a:ext uri="{9D8B030D-6E8A-4147-A177-3AD203B41FA5}">
+                      <a16:colId xmlns:a16="http://schemas.microsoft.com/office/drawing/2014/main" val="666113382"/>
+                    </a:ext>
+                  </a:extLst>
+                </a:gridCol>
+                <a:gridCol w="2032000">
+                  <a:extLst>
+                    <a:ext uri="{9D8B030D-6E8A-4147-A177-3AD203B41FA5}">
+                      <a16:colId xmlns:a16="http://schemas.microsoft.com/office/drawing/2014/main" val="1416630"/>
+                    </a:ext>
+                  </a:extLst>
+                </a:gridCol>
+              </a:tblGrid>
+              <a:tr h="370840">
+                <a:tc>
+                  <a:txBody>
+                    <a:bodyPr/>
+                    <a:lstStyle/>
+                    <a:p>
+                      <a:pPr algn="ctr"/>
+                      <a:r>
+                        <a:rPr lang="en-US" dirty="0"/>
+                        <a:t>+1 worker</a:t>
+                      </a:r>
+                    </a:p>
+                  </a:txBody>
+                  <a:tcPr/>
+                </a:tc>
+                <a:tc>
+                  <a:txBody>
+                    <a:bodyPr/>
+                    <a:lstStyle/>
+                    <a:p>
+                      <a:pPr algn="ctr"/>
+                      <a:r>
+                        <a:rPr lang="en-US" dirty="0"/>
+                        <a:t>database value</a:t>
+                      </a:r>
+                    </a:p>
+                  </a:txBody>
+                  <a:tcPr/>
+                </a:tc>
+                <a:tc>
+                  <a:txBody>
+                    <a:bodyPr/>
+                    <a:lstStyle/>
+                    <a:p>
+                      <a:pPr algn="ctr"/>
+                      <a:r>
+                        <a:rPr lang="en-US" dirty="0"/>
+                        <a:t>-1 worker</a:t>
+                      </a:r>
+                    </a:p>
+                  </a:txBody>
+                  <a:tcPr/>
+                </a:tc>
+                <a:extLst>
+                  <a:ext uri="{0D108BD9-81ED-4DB2-BD59-A6C34878D82A}">
+                    <a16:rowId xmlns:a16="http://schemas.microsoft.com/office/drawing/2014/main" val="2839194435"/>
+                  </a:ext>
+                </a:extLst>
+              </a:tr>
+              <a:tr h="370840">
+                <a:tc>
+                  <a:txBody>
+                    <a:bodyPr/>
+                    <a:lstStyle/>
+                    <a:p>
+                      <a:pPr algn="ctr"/>
+                      <a:endParaRPr lang="en-US" dirty="0"/>
+                    </a:p>
+                  </a:txBody>
+                  <a:tcPr/>
+                </a:tc>
+                <a:tc>
+                  <a:txBody>
+                    <a:bodyPr/>
+                    <a:lstStyle/>
+                    <a:p>
+                      <a:pPr algn="ctr"/>
+                      <a:r>
+                        <a:rPr lang="en-US" dirty="0"/>
+                        <a:t>5</a:t>
+                      </a:r>
+                    </a:p>
+                  </a:txBody>
+                  <a:tcPr/>
+                </a:tc>
+                <a:tc>
+                  <a:txBody>
+                    <a:bodyPr/>
+                    <a:lstStyle/>
+                    <a:p>
+                      <a:pPr algn="ctr"/>
+                      <a:endParaRPr lang="en-US" dirty="0"/>
+                    </a:p>
+                  </a:txBody>
+                  <a:tcPr/>
+                </a:tc>
+                <a:extLst>
+                  <a:ext uri="{0D108BD9-81ED-4DB2-BD59-A6C34878D82A}">
+                    <a16:rowId xmlns:a16="http://schemas.microsoft.com/office/drawing/2014/main" val="901576480"/>
+                  </a:ext>
+                </a:extLst>
+              </a:tr>
+              <a:tr h="370840">
+                <a:tc>
+                  <a:txBody>
+                    <a:bodyPr/>
+                    <a:lstStyle/>
+                    <a:p>
+                      <a:pPr algn="ctr"/>
+                      <a:r>
+                        <a:rPr lang="en-US" dirty="0"/>
+                        <a:t>5</a:t>
+                      </a:r>
+                    </a:p>
+                  </a:txBody>
+                  <a:tcPr/>
+                </a:tc>
+                <a:tc>
+                  <a:txBody>
+                    <a:bodyPr/>
+                    <a:lstStyle/>
+                    <a:p>
+                      <a:pPr algn="ctr"/>
+                      <a:r>
+                        <a:rPr lang="en-US" dirty="0"/>
+                        <a:t>5</a:t>
+                      </a:r>
+                    </a:p>
+                  </a:txBody>
+                  <a:tcPr/>
+                </a:tc>
+                <a:tc>
+                  <a:txBody>
+                    <a:bodyPr/>
+                    <a:lstStyle/>
+                    <a:p>
+                      <a:pPr algn="ctr"/>
+                      <a:endParaRPr lang="en-US" dirty="0"/>
+                    </a:p>
+                  </a:txBody>
+                  <a:tcPr/>
+                </a:tc>
+                <a:extLst>
+                  <a:ext uri="{0D108BD9-81ED-4DB2-BD59-A6C34878D82A}">
+                    <a16:rowId xmlns:a16="http://schemas.microsoft.com/office/drawing/2014/main" val="3588503952"/>
+                  </a:ext>
+                </a:extLst>
+              </a:tr>
+              <a:tr h="370840">
+                <a:tc>
+                  <a:txBody>
+                    <a:bodyPr/>
+                    <a:lstStyle/>
+                    <a:p>
+                      <a:pPr algn="ctr"/>
+                      <a:r>
+                        <a:rPr lang="en-US" dirty="0"/>
+                        <a:t>5</a:t>
+                      </a:r>
+                    </a:p>
+                  </a:txBody>
+                  <a:tcPr/>
+                </a:tc>
+                <a:tc>
+                  <a:txBody>
+                    <a:bodyPr/>
+                    <a:lstStyle/>
+                    <a:p>
+                      <a:pPr algn="ctr"/>
+                      <a:r>
+                        <a:rPr lang="en-US" dirty="0"/>
+                        <a:t>5</a:t>
+                      </a:r>
+                    </a:p>
+                  </a:txBody>
+                  <a:tcPr/>
+                </a:tc>
+                <a:tc>
+                  <a:txBody>
+                    <a:bodyPr/>
+                    <a:lstStyle/>
+                    <a:p>
+                      <a:pPr algn="ctr"/>
+                      <a:r>
+                        <a:rPr lang="en-US" dirty="0"/>
+                        <a:t>(wait)</a:t>
+                      </a:r>
+                    </a:p>
+                  </a:txBody>
+                  <a:tcPr/>
+                </a:tc>
+                <a:extLst>
+                  <a:ext uri="{0D108BD9-81ED-4DB2-BD59-A6C34878D82A}">
+                    <a16:rowId xmlns:a16="http://schemas.microsoft.com/office/drawing/2014/main" val="81308422"/>
+                  </a:ext>
+                </a:extLst>
+              </a:tr>
+              <a:tr h="370840">
+                <a:tc>
+                  <a:txBody>
+                    <a:bodyPr/>
+                    <a:lstStyle/>
+                    <a:p>
+                      <a:pPr algn="ctr"/>
+                      <a:r>
+                        <a:rPr lang="en-US" dirty="0"/>
+                        <a:t>5+1 = 6</a:t>
+                      </a:r>
+                    </a:p>
+                  </a:txBody>
+                  <a:tcPr/>
+                </a:tc>
+                <a:tc>
+                  <a:txBody>
+                    <a:bodyPr/>
+                    <a:lstStyle/>
+                    <a:p>
+                      <a:pPr algn="ctr"/>
+                      <a:r>
+                        <a:rPr lang="en-US" dirty="0"/>
+                        <a:t>5 or 6</a:t>
+                      </a:r>
+                    </a:p>
+                  </a:txBody>
+                  <a:tcPr/>
+                </a:tc>
+                <a:tc>
+                  <a:txBody>
+                    <a:bodyPr/>
+                    <a:lstStyle/>
+                    <a:p>
+                      <a:pPr algn="ctr"/>
+                      <a:r>
+                        <a:rPr lang="en-US" dirty="0"/>
+                        <a:t>(wait)</a:t>
+                      </a:r>
+                    </a:p>
+                  </a:txBody>
+                  <a:tcPr/>
+                </a:tc>
+                <a:extLst>
+                  <a:ext uri="{0D108BD9-81ED-4DB2-BD59-A6C34878D82A}">
+                    <a16:rowId xmlns:a16="http://schemas.microsoft.com/office/drawing/2014/main" val="3926644191"/>
+                  </a:ext>
+                </a:extLst>
+              </a:tr>
+              <a:tr h="370840">
+                <a:tc>
+                  <a:txBody>
+                    <a:bodyPr/>
+                    <a:lstStyle/>
+                    <a:p>
+                      <a:pPr algn="ctr"/>
+                      <a:endParaRPr lang="en-US" dirty="0"/>
+                    </a:p>
+                  </a:txBody>
+                  <a:tcPr/>
+                </a:tc>
+                <a:tc>
+                  <a:txBody>
+                    <a:bodyPr/>
+                    <a:lstStyle/>
+                    <a:p>
+                      <a:pPr algn="ctr"/>
+                      <a:r>
+                        <a:rPr lang="en-US" dirty="0"/>
+                        <a:t>6</a:t>
+                      </a:r>
+                    </a:p>
+                  </a:txBody>
+                  <a:tcPr/>
+                </a:tc>
+                <a:tc>
+                  <a:txBody>
+                    <a:bodyPr/>
+                    <a:lstStyle/>
+                    <a:p>
+                      <a:pPr algn="ctr"/>
+                      <a:r>
+                        <a:rPr lang="en-US" dirty="0"/>
+                        <a:t>(wait)</a:t>
+                      </a:r>
+                    </a:p>
+                  </a:txBody>
+                  <a:tcPr/>
+                </a:tc>
+                <a:extLst>
+                  <a:ext uri="{0D108BD9-81ED-4DB2-BD59-A6C34878D82A}">
+                    <a16:rowId xmlns:a16="http://schemas.microsoft.com/office/drawing/2014/main" val="2846384011"/>
+                  </a:ext>
+                </a:extLst>
+              </a:tr>
+              <a:tr h="370840">
+                <a:tc>
+                  <a:txBody>
+                    <a:bodyPr/>
+                    <a:lstStyle/>
+                    <a:p>
+                      <a:pPr algn="ctr"/>
+                      <a:endParaRPr lang="en-US" dirty="0"/>
+                    </a:p>
+                  </a:txBody>
+                  <a:tcPr/>
+                </a:tc>
+                <a:tc>
+                  <a:txBody>
+                    <a:bodyPr/>
+                    <a:lstStyle/>
+                    <a:p>
+                      <a:pPr algn="ctr"/>
+                      <a:r>
+                        <a:rPr lang="en-US" dirty="0"/>
+                        <a:t>6</a:t>
+                      </a:r>
+                    </a:p>
+                  </a:txBody>
+                  <a:tcPr/>
+                </a:tc>
+                <a:tc>
+                  <a:txBody>
+                    <a:bodyPr/>
+                    <a:lstStyle/>
+                    <a:p>
+                      <a:pPr algn="ctr"/>
+                      <a:r>
+                        <a:rPr lang="en-US" dirty="0"/>
+                        <a:t>6</a:t>
+                      </a:r>
+                    </a:p>
+                  </a:txBody>
+                  <a:tcPr/>
+                </a:tc>
+                <a:extLst>
+                  <a:ext uri="{0D108BD9-81ED-4DB2-BD59-A6C34878D82A}">
+                    <a16:rowId xmlns:a16="http://schemas.microsoft.com/office/drawing/2014/main" val="1927619872"/>
+                  </a:ext>
+                </a:extLst>
+              </a:tr>
+              <a:tr h="370840">
+                <a:tc>
+                  <a:txBody>
+                    <a:bodyPr/>
+                    <a:lstStyle/>
+                    <a:p>
+                      <a:pPr algn="ctr"/>
+                      <a:endParaRPr lang="en-US"/>
+                    </a:p>
+                  </a:txBody>
+                  <a:tcPr/>
+                </a:tc>
+                <a:tc>
+                  <a:txBody>
+                    <a:bodyPr/>
+                    <a:lstStyle/>
+                    <a:p>
+                      <a:pPr algn="ctr"/>
+                      <a:r>
+                        <a:rPr lang="en-US" dirty="0"/>
+                        <a:t>5</a:t>
+                      </a:r>
+                    </a:p>
+                  </a:txBody>
+                  <a:tcPr/>
+                </a:tc>
+                <a:tc>
+                  <a:txBody>
+                    <a:bodyPr/>
+                    <a:lstStyle/>
+                    <a:p>
+                      <a:pPr algn="ctr"/>
+                      <a:r>
+                        <a:rPr lang="en-US" dirty="0"/>
+                        <a:t>6-1 = 5</a:t>
+                      </a:r>
+                    </a:p>
+                  </a:txBody>
+                  <a:tcPr/>
+                </a:tc>
+                <a:extLst>
+                  <a:ext uri="{0D108BD9-81ED-4DB2-BD59-A6C34878D82A}">
+                    <a16:rowId xmlns:a16="http://schemas.microsoft.com/office/drawing/2014/main" val="2569729580"/>
+                  </a:ext>
+                </a:extLst>
+              </a:tr>
+            </a:tbl>
+          </a:graphicData>
+        </a:graphic>
+      </p:graphicFrame>
+      <p:sp>
+        <p:nvSpPr>
+          <p:cNvPr id="8" name="TextBox 7">
+            <a:extLst>
+              <a:ext uri="{FF2B5EF4-FFF2-40B4-BE49-F238E27FC236}">
+                <a16:creationId xmlns:a16="http://schemas.microsoft.com/office/drawing/2014/main" id="{BBA77680-E2C2-E332-965C-1355A374DEEF}"/>
+              </a:ext>
+            </a:extLst>
+          </p:cNvPr>
+          <p:cNvSpPr txBox="1"/>
+          <p:nvPr/>
+        </p:nvSpPr>
+        <p:spPr>
+          <a:xfrm>
+            <a:off x="2865933" y="2391788"/>
+            <a:ext cx="1037463" cy="307777"/>
+          </a:xfrm>
+          <a:prstGeom prst="rect">
+            <a:avLst/>
+          </a:prstGeom>
+          <a:noFill/>
+        </p:spPr>
+        <p:txBody>
+          <a:bodyPr wrap="none" rtlCol="0">
+            <a:spAutoFit/>
+          </a:bodyPr>
+          <a:lstStyle/>
+          <a:p>
+            <a:r>
+              <a:rPr lang="en-US" b="1" dirty="0">
+                <a:solidFill>
+                  <a:srgbClr val="C00000"/>
+                </a:solidFill>
+              </a:rPr>
+              <a:t>&lt; SELECT</a:t>
+            </a:r>
+          </a:p>
+        </p:txBody>
+      </p:sp>
+      <p:sp>
+        <p:nvSpPr>
+          <p:cNvPr id="9" name="TextBox 8">
+            <a:extLst>
+              <a:ext uri="{FF2B5EF4-FFF2-40B4-BE49-F238E27FC236}">
+                <a16:creationId xmlns:a16="http://schemas.microsoft.com/office/drawing/2014/main" id="{0AE17E95-E49B-C1AA-3086-C923174893C5}"/>
+              </a:ext>
+            </a:extLst>
+          </p:cNvPr>
+          <p:cNvSpPr txBox="1"/>
+          <p:nvPr/>
+        </p:nvSpPr>
+        <p:spPr>
+          <a:xfrm>
+            <a:off x="4972643" y="3867705"/>
+            <a:ext cx="1047082" cy="307777"/>
+          </a:xfrm>
+          <a:prstGeom prst="rect">
+            <a:avLst/>
+          </a:prstGeom>
+          <a:noFill/>
+        </p:spPr>
+        <p:txBody>
+          <a:bodyPr wrap="none" rtlCol="0">
+            <a:spAutoFit/>
+          </a:bodyPr>
+          <a:lstStyle/>
+          <a:p>
+            <a:r>
+              <a:rPr lang="en-US" b="1" dirty="0">
+                <a:solidFill>
+                  <a:srgbClr val="C00000"/>
+                </a:solidFill>
+              </a:rPr>
+              <a:t>SELECT &gt;</a:t>
+            </a:r>
+          </a:p>
+        </p:txBody>
+      </p:sp>
+      <p:sp>
+        <p:nvSpPr>
+          <p:cNvPr id="10" name="TextBox 9">
+            <a:extLst>
+              <a:ext uri="{FF2B5EF4-FFF2-40B4-BE49-F238E27FC236}">
+                <a16:creationId xmlns:a16="http://schemas.microsoft.com/office/drawing/2014/main" id="{2A898547-D7FA-DFE7-F092-3E061E468FB2}"/>
+              </a:ext>
+            </a:extLst>
+          </p:cNvPr>
+          <p:cNvSpPr txBox="1"/>
+          <p:nvPr/>
+        </p:nvSpPr>
+        <p:spPr>
+          <a:xfrm>
+            <a:off x="2845895" y="3108638"/>
+            <a:ext cx="1077539" cy="307777"/>
+          </a:xfrm>
+          <a:prstGeom prst="rect">
+            <a:avLst/>
+          </a:prstGeom>
+          <a:noFill/>
+        </p:spPr>
+        <p:txBody>
+          <a:bodyPr wrap="none" rtlCol="0">
+            <a:spAutoFit/>
+          </a:bodyPr>
+          <a:lstStyle/>
+          <a:p>
+            <a:r>
+              <a:rPr lang="en-US" b="1" dirty="0">
+                <a:solidFill>
+                  <a:srgbClr val="C00000"/>
+                </a:solidFill>
+              </a:rPr>
+              <a:t>UPDATE &gt;</a:t>
+            </a:r>
+          </a:p>
+        </p:txBody>
+      </p:sp>
+      <p:sp>
+        <p:nvSpPr>
+          <p:cNvPr id="11" name="TextBox 10">
+            <a:extLst>
+              <a:ext uri="{FF2B5EF4-FFF2-40B4-BE49-F238E27FC236}">
+                <a16:creationId xmlns:a16="http://schemas.microsoft.com/office/drawing/2014/main" id="{DC80E67E-7131-ECC1-5FAF-8F2BBC5E2465}"/>
+              </a:ext>
+            </a:extLst>
+          </p:cNvPr>
+          <p:cNvSpPr txBox="1"/>
+          <p:nvPr/>
+        </p:nvSpPr>
+        <p:spPr>
+          <a:xfrm>
+            <a:off x="4957415" y="4237119"/>
+            <a:ext cx="1077539" cy="307777"/>
+          </a:xfrm>
+          <a:prstGeom prst="rect">
+            <a:avLst/>
+          </a:prstGeom>
+          <a:noFill/>
+        </p:spPr>
+        <p:txBody>
+          <a:bodyPr wrap="none" rtlCol="0">
+            <a:spAutoFit/>
+          </a:bodyPr>
+          <a:lstStyle/>
+          <a:p>
+            <a:r>
+              <a:rPr lang="en-US" b="1" dirty="0">
+                <a:solidFill>
+                  <a:srgbClr val="C00000"/>
+                </a:solidFill>
+              </a:rPr>
+              <a:t>&lt; UPDATE</a:t>
+            </a:r>
+          </a:p>
+        </p:txBody>
+      </p:sp>
+      <p:sp>
+        <p:nvSpPr>
+          <p:cNvPr id="12" name="TextBox 11">
+            <a:extLst>
+              <a:ext uri="{FF2B5EF4-FFF2-40B4-BE49-F238E27FC236}">
+                <a16:creationId xmlns:a16="http://schemas.microsoft.com/office/drawing/2014/main" id="{E4D31BEE-15D3-2760-05F6-5A31D5B3BB61}"/>
+              </a:ext>
+            </a:extLst>
+          </p:cNvPr>
+          <p:cNvSpPr txBox="1"/>
+          <p:nvPr/>
+        </p:nvSpPr>
+        <p:spPr>
+          <a:xfrm rot="16200000">
+            <a:off x="736869" y="2244282"/>
+            <a:ext cx="675185" cy="338554"/>
+          </a:xfrm>
+          <a:prstGeom prst="rect">
+            <a:avLst/>
+          </a:prstGeom>
+          <a:noFill/>
+        </p:spPr>
+        <p:txBody>
+          <a:bodyPr wrap="none" rtlCol="0">
+            <a:spAutoFit/>
+          </a:bodyPr>
+          <a:lstStyle/>
+          <a:p>
+            <a:r>
+              <a:rPr lang="en-US" sz="1600" b="1" dirty="0"/>
+              <a:t>TIME</a:t>
+            </a:r>
+          </a:p>
+        </p:txBody>
+      </p:sp>
+      <p:cxnSp>
+        <p:nvCxnSpPr>
+          <p:cNvPr id="14" name="Straight Arrow Connector 13">
+            <a:extLst>
+              <a:ext uri="{FF2B5EF4-FFF2-40B4-BE49-F238E27FC236}">
+                <a16:creationId xmlns:a16="http://schemas.microsoft.com/office/drawing/2014/main" id="{6DC0E1A9-4B42-2195-ECBA-E403DD44820C}"/>
+              </a:ext>
+            </a:extLst>
+          </p:cNvPr>
+          <p:cNvCxnSpPr/>
+          <p:nvPr/>
+        </p:nvCxnSpPr>
+        <p:spPr>
+          <a:xfrm>
+            <a:off x="1074462" y="2704746"/>
+            <a:ext cx="0" cy="764119"/>
+          </a:xfrm>
+          <a:prstGeom prst="straightConnector1">
+            <a:avLst/>
+          </a:prstGeom>
+          <a:ln w="38100">
+            <a:solidFill>
+              <a:schemeClr val="tx1"/>
+            </a:solidFill>
+            <a:tailEnd type="triangle"/>
+          </a:ln>
+        </p:spPr>
+        <p:style>
+          <a:lnRef idx="1">
+            <a:schemeClr val="accent1"/>
+          </a:lnRef>
+          <a:fillRef idx="0">
+            <a:schemeClr val="accent1"/>
+          </a:fillRef>
+          <a:effectRef idx="0">
+            <a:schemeClr val="accent1"/>
+          </a:effectRef>
+          <a:fontRef idx="minor">
+            <a:schemeClr val="tx1"/>
+          </a:fontRef>
+        </p:style>
+      </p:cxnSp>
+      <p:sp>
+        <p:nvSpPr>
+          <p:cNvPr id="6" name="TextBox 5">
+            <a:extLst>
+              <a:ext uri="{FF2B5EF4-FFF2-40B4-BE49-F238E27FC236}">
+                <a16:creationId xmlns:a16="http://schemas.microsoft.com/office/drawing/2014/main" id="{40480D3E-130D-87BD-FBEF-FB82D860F4E0}"/>
+              </a:ext>
+            </a:extLst>
+          </p:cNvPr>
+          <p:cNvSpPr txBox="1"/>
+          <p:nvPr/>
+        </p:nvSpPr>
+        <p:spPr>
+          <a:xfrm>
+            <a:off x="2929251" y="3492670"/>
+            <a:ext cx="910827" cy="307777"/>
+          </a:xfrm>
+          <a:prstGeom prst="rect">
+            <a:avLst/>
+          </a:prstGeom>
+          <a:noFill/>
+        </p:spPr>
+        <p:txBody>
+          <a:bodyPr wrap="none" rtlCol="0">
+            <a:spAutoFit/>
+          </a:bodyPr>
+          <a:lstStyle/>
+          <a:p>
+            <a:r>
+              <a:rPr lang="en-US" b="1" dirty="0">
+                <a:solidFill>
+                  <a:srgbClr val="C00000"/>
+                </a:solidFill>
+              </a:rPr>
+              <a:t>COMMIT</a:t>
+            </a:r>
+          </a:p>
+        </p:txBody>
+      </p:sp>
+      <p:sp>
+        <p:nvSpPr>
+          <p:cNvPr id="15" name="TextBox 14">
+            <a:extLst>
+              <a:ext uri="{FF2B5EF4-FFF2-40B4-BE49-F238E27FC236}">
+                <a16:creationId xmlns:a16="http://schemas.microsoft.com/office/drawing/2014/main" id="{CF245D92-B0AE-290D-77BA-EB3A95E1963C}"/>
+              </a:ext>
+            </a:extLst>
+          </p:cNvPr>
+          <p:cNvSpPr txBox="1"/>
+          <p:nvPr/>
+        </p:nvSpPr>
+        <p:spPr>
+          <a:xfrm>
+            <a:off x="3007798" y="2029415"/>
+            <a:ext cx="753732" cy="307777"/>
+          </a:xfrm>
+          <a:prstGeom prst="rect">
+            <a:avLst/>
+          </a:prstGeom>
+          <a:noFill/>
+        </p:spPr>
+        <p:txBody>
+          <a:bodyPr wrap="none" rtlCol="0">
+            <a:spAutoFit/>
+          </a:bodyPr>
+          <a:lstStyle/>
+          <a:p>
+            <a:r>
+              <a:rPr lang="en-US" b="1" dirty="0">
+                <a:solidFill>
+                  <a:srgbClr val="C00000"/>
+                </a:solidFill>
+              </a:rPr>
+              <a:t>BEGIN</a:t>
+            </a:r>
+          </a:p>
+        </p:txBody>
+      </p:sp>
+      <p:sp>
+        <p:nvSpPr>
+          <p:cNvPr id="16" name="TextBox 15">
+            <a:extLst>
+              <a:ext uri="{FF2B5EF4-FFF2-40B4-BE49-F238E27FC236}">
+                <a16:creationId xmlns:a16="http://schemas.microsoft.com/office/drawing/2014/main" id="{5992ACED-533B-B3EA-8692-349752A27822}"/>
+              </a:ext>
+            </a:extLst>
+          </p:cNvPr>
+          <p:cNvSpPr txBox="1"/>
+          <p:nvPr/>
+        </p:nvSpPr>
+        <p:spPr>
+          <a:xfrm>
+            <a:off x="5119318" y="2740498"/>
+            <a:ext cx="753732" cy="307777"/>
+          </a:xfrm>
+          <a:prstGeom prst="rect">
+            <a:avLst/>
+          </a:prstGeom>
+          <a:noFill/>
+        </p:spPr>
+        <p:txBody>
+          <a:bodyPr wrap="none" rtlCol="0">
+            <a:spAutoFit/>
+          </a:bodyPr>
+          <a:lstStyle/>
+          <a:p>
+            <a:r>
+              <a:rPr lang="en-US" b="1" dirty="0">
+                <a:solidFill>
+                  <a:srgbClr val="C00000"/>
+                </a:solidFill>
+              </a:rPr>
+              <a:t>BEGIN</a:t>
+            </a:r>
+          </a:p>
+        </p:txBody>
+      </p:sp>
+    </p:spTree>
+    <p:extLst>
+      <p:ext uri="{BB962C8B-B14F-4D97-AF65-F5344CB8AC3E}">
+        <p14:creationId xmlns:p14="http://schemas.microsoft.com/office/powerpoint/2010/main" val="2681208278"/>
+      </p:ext>
+    </p:extLst>
+  </p:cSld>
+  <p:clrMapOvr>
+    <a:masterClrMapping/>
+  </p:clrMapOvr>
+</p:sld>
+</file>
+
+<file path=ppt/slides/slide13.xml><?xml version="1.0" encoding="utf-8"?>
 <p:sld xmlns:a="http://schemas.openxmlformats.org/drawingml/2006/main" xmlns:r="http://schemas.openxmlformats.org/officeDocument/2006/relationships" xmlns:p="http://schemas.openxmlformats.org/presentationml/2006/main">
   <p:cSld>
     <p:spTree>
@@ -15725,7 +17731,7 @@
             </a:pPr>
             <a:fld id="{00000000-1234-1234-1234-123412341234}" type="slidenum">
               <a:rPr lang="en" smtClean="0"/>
-              <a:t>10</a:t>
+              <a:t>13</a:t>
             </a:fld>
             <a:endParaRPr lang="en" dirty="0"/>
           </a:p>
@@ -15844,7 +17850,7 @@
 </p:sld>
 </file>
 
-<file path=ppt/slides/slide11.xml><?xml version="1.0" encoding="utf-8"?>
+<file path=ppt/slides/slide14.xml><?xml version="1.0" encoding="utf-8"?>
 <p:sld xmlns:a="http://schemas.openxmlformats.org/drawingml/2006/main" xmlns:r="http://schemas.openxmlformats.org/officeDocument/2006/relationships" xmlns:p="http://schemas.openxmlformats.org/presentationml/2006/main">
   <p:cSld>
     <p:spTree>
@@ -15912,7 +17918,14 @@
           <a:p>
             <a:r>
               <a:rPr lang="en-US" dirty="0"/>
-              <a:t>Transactions protect against one and only one kind of loss: mid-transaction failure</a:t>
+              <a:t>An operating system (i.e., naïve) backup may capture an inconsistent database state</a:t>
+            </a:r>
+          </a:p>
+          <a:p>
+            <a:pPr lvl="1"/>
+            <a:r>
+              <a:rPr lang="en-US" dirty="0"/>
+              <a:t>Transactions don’t help here</a:t>
             </a:r>
           </a:p>
           <a:p>
@@ -15968,7 +17981,7 @@
             </a:pPr>
             <a:fld id="{00000000-1234-1234-1234-123412341234}" type="slidenum">
               <a:rPr lang="en" smtClean="0"/>
-              <a:t>11</a:t>
+              <a:t>14</a:t>
             </a:fld>
             <a:endParaRPr lang="en" dirty="0"/>
           </a:p>
@@ -15987,7 +18000,7 @@
 </p:sld>
 </file>
 
-<file path=ppt/slides/slide12.xml><?xml version="1.0" encoding="utf-8"?>
+<file path=ppt/slides/slide15.xml><?xml version="1.0" encoding="utf-8"?>
 <p:sld xmlns:a="http://schemas.openxmlformats.org/drawingml/2006/main" xmlns:r="http://schemas.openxmlformats.org/officeDocument/2006/relationships" xmlns:p="http://schemas.openxmlformats.org/presentationml/2006/main">
   <p:cSld>
     <p:spTree>
@@ -16056,6 +18069,15 @@
             <a:r>
               <a:rPr lang="en-US" dirty="0"/>
               <a:t>Index: a compact lookup table</a:t>
+            </a:r>
+          </a:p>
+          <a:p>
+            <a:pPr lvl="1"/>
+            <a:r>
+              <a:rPr lang="en-US" dirty="0">
+                <a:latin typeface="Avenir Book" panose="02000503020000020003" pitchFamily="2" charset="0"/>
+              </a:rPr>
+              <a:t>Provides fast lookup over selected column(s) in a table</a:t>
             </a:r>
           </a:p>
           <a:p>
@@ -16148,7 +18170,7 @@
             </a:pPr>
             <a:fld id="{00000000-1234-1234-1234-123412341234}" type="slidenum">
               <a:rPr lang="en" smtClean="0"/>
-              <a:t>12</a:t>
+              <a:t>15</a:t>
             </a:fld>
             <a:endParaRPr lang="en" dirty="0"/>
           </a:p>
@@ -16167,7 +18189,7 @@
 </p:sld>
 </file>
 
-<file path=ppt/slides/slide13.xml><?xml version="1.0" encoding="utf-8"?>
+<file path=ppt/slides/slide16.xml><?xml version="1.0" encoding="utf-8"?>
 <p:sld xmlns:a="http://schemas.openxmlformats.org/drawingml/2006/main" xmlns:r="http://schemas.openxmlformats.org/officeDocument/2006/relationships" xmlns:p="http://schemas.openxmlformats.org/presentationml/2006/main">
   <p:cSld>
     <p:spTree>
@@ -16246,7 +18268,7 @@
             </a:pPr>
             <a:fld id="{00000000-1234-1234-1234-123412341234}" type="slidenum">
               <a:rPr lang="en" smtClean="0"/>
-              <a:t>13</a:t>
+              <a:t>16</a:t>
             </a:fld>
             <a:endParaRPr lang="en" dirty="0"/>
           </a:p>
@@ -17949,7 +19971,7 @@
 </p:sld>
 </file>
 
-<file path=ppt/slides/slide14.xml><?xml version="1.0" encoding="utf-8"?>
+<file path=ppt/slides/slide17.xml><?xml version="1.0" encoding="utf-8"?>
 <p:sld xmlns:a="http://schemas.openxmlformats.org/drawingml/2006/main" xmlns:r="http://schemas.openxmlformats.org/officeDocument/2006/relationships" xmlns:p="http://schemas.openxmlformats.org/presentationml/2006/main">
   <p:cSld>
     <p:spTree>
@@ -18018,28 +20040,6 @@
             <a:r>
               <a:rPr lang="en-US" dirty="0"/>
               <a:t>PRIMARY KEY, UNIQUE implemented using indexes!</a:t>
-            </a:r>
-          </a:p>
-          <a:p>
-            <a:pPr lvl="1"/>
-            <a:r>
-              <a:rPr lang="en-US" dirty="0">
-                <a:latin typeface="Avenir Book" panose="02000503020000020003" pitchFamily="2" charset="0"/>
-              </a:rPr>
-              <a:t>Use SQLite’s </a:t>
-            </a:r>
-            <a:r>
-              <a:rPr lang="en-US" dirty="0">
-                <a:latin typeface="Courier New" panose="02070309020205020404" pitchFamily="49" charset="0"/>
-                <a:cs typeface="Courier New" panose="02070309020205020404" pitchFamily="49" charset="0"/>
-              </a:rPr>
-              <a:t>.index</a:t>
-            </a:r>
-            <a:r>
-              <a:rPr lang="en-US" dirty="0">
-                <a:latin typeface="Avenir Book" panose="02000503020000020003" pitchFamily="2" charset="0"/>
-              </a:rPr>
-              <a:t> command to see auto-created indexes</a:t>
             </a:r>
           </a:p>
           <a:p>
@@ -18222,7 +20222,7 @@
             </a:pPr>
             <a:fld id="{00000000-1234-1234-1234-123412341234}" type="slidenum">
               <a:rPr lang="en" smtClean="0"/>
-              <a:t>14</a:t>
+              <a:t>17</a:t>
             </a:fld>
             <a:endParaRPr lang="en" dirty="0"/>
           </a:p>
@@ -18246,7 +20246,7 @@
   <p:cSld>
     <p:spTree>
       <p:nvGrpSpPr>
-        <p:cNvPr id="1" name="Shape 145"/>
+        <p:cNvPr id="1" name="Shape 137"/>
         <p:cNvGrpSpPr/>
         <p:nvPr/>
       </p:nvGrpSpPr>
@@ -18260,163 +20260,129 @@
       </p:grpSpPr>
       <p:sp>
         <p:nvSpPr>
-          <p:cNvPr id="5" name="Title 4">
-            <a:extLst>
-              <a:ext uri="{FF2B5EF4-FFF2-40B4-BE49-F238E27FC236}">
-                <a16:creationId xmlns:a16="http://schemas.microsoft.com/office/drawing/2014/main" id="{F1DD394F-4238-CED7-B93B-79FEC9EF9F10}"/>
-              </a:ext>
-            </a:extLst>
-          </p:cNvPr>
-          <p:cNvSpPr>
+          <p:cNvPr id="138" name="Google Shape;138;p27"/>
+          <p:cNvSpPr txBox="1">
             <a:spLocks noGrp="1"/>
           </p:cNvSpPr>
           <p:nvPr>
-            <p:ph type="title"/>
+            <p:ph type="ctrTitle"/>
           </p:nvPr>
         </p:nvSpPr>
-        <p:spPr/>
+        <p:spPr>
+          <a:xfrm>
+            <a:off x="1801300" y="1205502"/>
+            <a:ext cx="5822400" cy="1269548"/>
+          </a:xfrm>
+          <a:prstGeom prst="rect">
+            <a:avLst/>
+          </a:prstGeom>
+        </p:spPr>
         <p:txBody>
-          <a:bodyPr/>
+          <a:bodyPr spcFirstLastPara="1" wrap="square" lIns="68575" tIns="34275" rIns="68575" bIns="34275" anchor="b" anchorCtr="0">
+            <a:spAutoFit/>
+          </a:bodyPr>
           <a:lstStyle/>
           <a:p>
+            <a:pPr marL="0" lvl="0" indent="0" algn="l" rtl="0">
+              <a:lnSpc>
+                <a:spcPct val="100000"/>
+              </a:lnSpc>
+              <a:spcBef>
+                <a:spcPts val="0"/>
+              </a:spcBef>
+              <a:spcAft>
+                <a:spcPts val="0"/>
+              </a:spcAft>
+              <a:buNone/>
+            </a:pPr>
             <a:r>
-              <a:rPr lang="en-US" dirty="0"/>
-              <a:t>Recap so far</a:t>
+              <a:rPr lang="en" sz="3900" dirty="0">
+                <a:solidFill>
+                  <a:srgbClr val="FCFCFC"/>
+                </a:solidFill>
+              </a:rPr>
+              <a:t>Advanced database topics</a:t>
             </a:r>
+            <a:endParaRPr sz="3900" dirty="0">
+              <a:solidFill>
+                <a:srgbClr val="FCFCFC"/>
+              </a:solidFill>
+            </a:endParaRPr>
           </a:p>
         </p:txBody>
       </p:sp>
       <p:sp>
         <p:nvSpPr>
-          <p:cNvPr id="6" name="Text Placeholder 5">
-            <a:extLst>
-              <a:ext uri="{FF2B5EF4-FFF2-40B4-BE49-F238E27FC236}">
-                <a16:creationId xmlns:a16="http://schemas.microsoft.com/office/drawing/2014/main" id="{2A92C8E0-AA8D-FED6-880C-601DDECD533B}"/>
-              </a:ext>
-            </a:extLst>
-          </p:cNvPr>
-          <p:cNvSpPr>
-            <a:spLocks noGrp="1"/>
-          </p:cNvSpPr>
-          <p:nvPr>
-            <p:ph type="body" idx="1"/>
-          </p:nvPr>
+          <p:cNvPr id="139" name="Google Shape;139;p27"/>
+          <p:cNvSpPr txBox="1"/>
+          <p:nvPr/>
         </p:nvSpPr>
-        <p:spPr/>
+        <p:spPr>
+          <a:xfrm>
+            <a:off x="1819925" y="499050"/>
+            <a:ext cx="7116900" cy="384900"/>
+          </a:xfrm>
+          <a:prstGeom prst="rect">
+            <a:avLst/>
+          </a:prstGeom>
+          <a:noFill/>
+          <a:ln>
+            <a:noFill/>
+          </a:ln>
+        </p:spPr>
         <p:txBody>
-          <a:bodyPr/>
+          <a:bodyPr spcFirstLastPara="1" wrap="square" lIns="91425" tIns="91425" rIns="91425" bIns="91425" anchor="t" anchorCtr="0">
+            <a:spAutoFit/>
+          </a:bodyPr>
           <a:lstStyle/>
           <a:p>
-            <a:r>
-              <a:rPr lang="en-US" dirty="0"/>
-              <a:t>You have all the tools you need to successfully use relational databases</a:t>
-            </a:r>
-          </a:p>
-          <a:p>
-            <a:pPr lvl="1"/>
-            <a:endParaRPr lang="en-US" dirty="0">
-              <a:latin typeface="Avenir Book" panose="02000503020000020003" pitchFamily="2" charset="0"/>
+            <a:pPr marL="0" lvl="0" indent="0" algn="l" rtl="0">
+              <a:spcBef>
+                <a:spcPts val="0"/>
+              </a:spcBef>
+              <a:spcAft>
+                <a:spcPts val="0"/>
+              </a:spcAft>
+              <a:buNone/>
+            </a:pPr>
+            <a:endParaRPr sz="1300" i="1">
+              <a:solidFill>
+                <a:srgbClr val="F1C232"/>
+              </a:solidFill>
+              <a:latin typeface="Lobster"/>
+              <a:ea typeface="Lobster"/>
+              <a:cs typeface="Lobster"/>
+              <a:sym typeface="Lobster"/>
             </a:endParaRPr>
-          </a:p>
-          <a:p>
-            <a:r>
-              <a:rPr lang="en-US" dirty="0"/>
-              <a:t>When relational databases are appropriate, likely to be encountered</a:t>
-            </a:r>
-          </a:p>
-          <a:p>
-            <a:pPr lvl="1"/>
-            <a:r>
-              <a:rPr lang="en-US" dirty="0">
-                <a:latin typeface="Avenir Book" panose="02000503020000020003" pitchFamily="2" charset="0"/>
-              </a:rPr>
-              <a:t>More likely, appropriate: managing data within project</a:t>
-            </a:r>
-          </a:p>
-          <a:p>
-            <a:pPr lvl="1"/>
-            <a:r>
-              <a:rPr lang="en-US" dirty="0">
-                <a:latin typeface="Avenir Book" panose="02000503020000020003" pitchFamily="2" charset="0"/>
-              </a:rPr>
-              <a:t>Unlikely: public data access</a:t>
-            </a:r>
-          </a:p>
-          <a:p>
-            <a:pPr lvl="1"/>
-            <a:endParaRPr lang="en-US" dirty="0">
-              <a:latin typeface="Avenir Book" panose="02000503020000020003" pitchFamily="2" charset="0"/>
-            </a:endParaRPr>
-          </a:p>
-          <a:p>
-            <a:r>
-              <a:rPr lang="en-US" dirty="0"/>
-              <a:t>Data modeling</a:t>
-            </a:r>
-          </a:p>
-          <a:p>
-            <a:pPr lvl="1"/>
-            <a:r>
-              <a:rPr lang="en-US" dirty="0">
-                <a:latin typeface="Avenir Book" panose="02000503020000020003" pitchFamily="2" charset="0"/>
-              </a:rPr>
-              <a:t>Entities, attributes, relationships; normalization</a:t>
-            </a:r>
-          </a:p>
-          <a:p>
-            <a:pPr lvl="1"/>
-            <a:r>
-              <a:rPr lang="en-US" dirty="0">
-                <a:latin typeface="Avenir Book" panose="02000503020000020003" pitchFamily="2" charset="0"/>
-              </a:rPr>
-              <a:t>Constraints aka properties</a:t>
-            </a:r>
-          </a:p>
-          <a:p>
-            <a:pPr lvl="1"/>
-            <a:r>
-              <a:rPr lang="en-US" dirty="0">
-                <a:latin typeface="Avenir Book" panose="02000503020000020003" pitchFamily="2" charset="0"/>
-              </a:rPr>
-              <a:t>“Even though the data modelling phase represents only a relatively small share of the total development effort of data systems, its impact on the final result is probably greater than that of any other phase.” (</a:t>
-            </a:r>
-            <a:r>
-              <a:rPr lang="en-US" dirty="0" err="1">
-                <a:latin typeface="Avenir Book" panose="02000503020000020003" pitchFamily="2" charset="0"/>
-              </a:rPr>
-              <a:t>Wohner</a:t>
-            </a:r>
-            <a:r>
-              <a:rPr lang="en-US" dirty="0">
-                <a:latin typeface="Avenir Book" panose="02000503020000020003" pitchFamily="2" charset="0"/>
-              </a:rPr>
-              <a:t> 2022)</a:t>
-            </a:r>
           </a:p>
         </p:txBody>
       </p:sp>
       <p:sp>
         <p:nvSpPr>
-          <p:cNvPr id="7" name="Slide Number Placeholder 6">
-            <a:extLst>
-              <a:ext uri="{FF2B5EF4-FFF2-40B4-BE49-F238E27FC236}">
-                <a16:creationId xmlns:a16="http://schemas.microsoft.com/office/drawing/2014/main" id="{CB1183F7-8A39-501D-ED5D-4756FC7BCA23}"/>
-              </a:ext>
-            </a:extLst>
-          </p:cNvPr>
-          <p:cNvSpPr>
-            <a:spLocks noGrp="1"/>
-          </p:cNvSpPr>
-          <p:nvPr>
-            <p:ph type="sldNum" idx="12"/>
-          </p:nvPr>
+          <p:cNvPr id="140" name="Google Shape;140;p27"/>
+          <p:cNvSpPr txBox="1"/>
+          <p:nvPr/>
         </p:nvSpPr>
-        <p:spPr/>
+        <p:spPr>
+          <a:xfrm>
+            <a:off x="4289450" y="3754650"/>
+            <a:ext cx="4469100" cy="936000"/>
+          </a:xfrm>
+          <a:prstGeom prst="rect">
+            <a:avLst/>
+          </a:prstGeom>
+          <a:noFill/>
+          <a:ln>
+            <a:noFill/>
+          </a:ln>
+        </p:spPr>
         <p:txBody>
-          <a:bodyPr/>
+          <a:bodyPr spcFirstLastPara="1" wrap="square" lIns="64000" tIns="36575" rIns="64000" bIns="36575" anchor="t" anchorCtr="0">
+            <a:spAutoFit/>
+          </a:bodyPr>
           <a:lstStyle/>
           <a:p>
-            <a:pPr marL="0" lvl="0" indent="0" algn="r" rtl="0">
+            <a:pPr marL="0" lvl="0" indent="0" algn="l" rtl="0">
               <a:spcBef>
                 <a:spcPts val="0"/>
               </a:spcBef>
@@ -18425,11 +20391,245 @@
               </a:spcAft>
               <a:buNone/>
             </a:pPr>
-            <a:fld id="{00000000-1234-1234-1234-123412341234}" type="slidenum">
-              <a:rPr lang="en" smtClean="0"/>
-              <a:t>2</a:t>
-            </a:fld>
-            <a:endParaRPr lang="en" dirty="0"/>
+            <a:r>
+              <a:rPr lang="en-US" sz="1700" dirty="0">
+                <a:solidFill>
+                  <a:srgbClr val="FFFFFF"/>
+                </a:solidFill>
+                <a:latin typeface="Nunito Sans"/>
+                <a:ea typeface="Nunito Sans"/>
+                <a:cs typeface="Nunito Sans"/>
+                <a:sym typeface="Nunito Sans"/>
+              </a:rPr>
+              <a:t>Greg </a:t>
+            </a:r>
+            <a:r>
+              <a:rPr lang="en-US" sz="1700" dirty="0" err="1">
+                <a:solidFill>
+                  <a:srgbClr val="FFFFFF"/>
+                </a:solidFill>
+                <a:latin typeface="Nunito Sans"/>
+                <a:ea typeface="Nunito Sans"/>
+                <a:cs typeface="Nunito Sans"/>
+                <a:sym typeface="Nunito Sans"/>
+              </a:rPr>
+              <a:t>Janée</a:t>
+            </a:r>
+            <a:endParaRPr sz="1700" dirty="0">
+              <a:solidFill>
+                <a:srgbClr val="FFFFFF"/>
+              </a:solidFill>
+              <a:latin typeface="Nunito Sans"/>
+              <a:ea typeface="Nunito Sans"/>
+              <a:cs typeface="Nunito Sans"/>
+              <a:sym typeface="Nunito Sans"/>
+            </a:endParaRPr>
+          </a:p>
+          <a:p>
+            <a:pPr marL="0" lvl="0" indent="0" algn="l" rtl="0">
+              <a:spcBef>
+                <a:spcPts val="0"/>
+              </a:spcBef>
+              <a:spcAft>
+                <a:spcPts val="0"/>
+              </a:spcAft>
+              <a:buNone/>
+            </a:pPr>
+            <a:r>
+              <a:rPr lang="en" sz="1300" dirty="0">
+                <a:solidFill>
+                  <a:srgbClr val="FEBC11"/>
+                </a:solidFill>
+                <a:latin typeface="Nunito Sans"/>
+                <a:ea typeface="Nunito Sans"/>
+                <a:cs typeface="Nunito Sans"/>
+                <a:sym typeface="Nunito Sans"/>
+              </a:rPr>
+              <a:t>Research Data Services, UCSB Library</a:t>
+            </a:r>
+            <a:endParaRPr sz="1300" dirty="0">
+              <a:solidFill>
+                <a:srgbClr val="FEBC11"/>
+              </a:solidFill>
+              <a:latin typeface="Nunito Sans"/>
+              <a:ea typeface="Nunito Sans"/>
+              <a:cs typeface="Nunito Sans"/>
+              <a:sym typeface="Nunito Sans"/>
+            </a:endParaRPr>
+          </a:p>
+          <a:p>
+            <a:pPr marL="0" lvl="0" indent="0" algn="l" rtl="0">
+              <a:spcBef>
+                <a:spcPts val="0"/>
+              </a:spcBef>
+              <a:spcAft>
+                <a:spcPts val="0"/>
+              </a:spcAft>
+              <a:buNone/>
+            </a:pPr>
+            <a:r>
+              <a:rPr lang="en" sz="1300" dirty="0" err="1">
+                <a:solidFill>
+                  <a:srgbClr val="FEBC11"/>
+                </a:solidFill>
+                <a:latin typeface="Nunito Sans"/>
+                <a:ea typeface="Nunito Sans"/>
+                <a:cs typeface="Nunito Sans"/>
+                <a:sym typeface="Nunito Sans"/>
+              </a:rPr>
+              <a:t>rds@library.ucsb.edu</a:t>
+            </a:r>
+            <a:endParaRPr sz="1300" dirty="0">
+              <a:solidFill>
+                <a:srgbClr val="FEBC11"/>
+              </a:solidFill>
+              <a:latin typeface="Nunito Sans"/>
+              <a:ea typeface="Nunito Sans"/>
+              <a:cs typeface="Nunito Sans"/>
+              <a:sym typeface="Nunito Sans"/>
+            </a:endParaRPr>
+          </a:p>
+          <a:p>
+            <a:pPr marL="0" lvl="0" indent="0" algn="l" rtl="0">
+              <a:spcBef>
+                <a:spcPts val="0"/>
+              </a:spcBef>
+              <a:spcAft>
+                <a:spcPts val="0"/>
+              </a:spcAft>
+              <a:buNone/>
+            </a:pPr>
+            <a:endParaRPr sz="1300" dirty="0">
+              <a:solidFill>
+                <a:srgbClr val="FEBC11"/>
+              </a:solidFill>
+              <a:latin typeface="Century Gothic"/>
+              <a:ea typeface="Century Gothic"/>
+              <a:cs typeface="Century Gothic"/>
+              <a:sym typeface="Century Gothic"/>
+            </a:endParaRPr>
+          </a:p>
+        </p:txBody>
+      </p:sp>
+      <p:sp>
+        <p:nvSpPr>
+          <p:cNvPr id="141" name="Google Shape;141;p27"/>
+          <p:cNvSpPr txBox="1"/>
+          <p:nvPr/>
+        </p:nvSpPr>
+        <p:spPr>
+          <a:xfrm>
+            <a:off x="200025" y="247650"/>
+            <a:ext cx="7116900" cy="846600"/>
+          </a:xfrm>
+          <a:prstGeom prst="rect">
+            <a:avLst/>
+          </a:prstGeom>
+          <a:noFill/>
+          <a:ln>
+            <a:noFill/>
+          </a:ln>
+        </p:spPr>
+        <p:txBody>
+          <a:bodyPr spcFirstLastPara="1" wrap="square" lIns="91425" tIns="91425" rIns="91425" bIns="91425" anchor="t" anchorCtr="0">
+            <a:spAutoFit/>
+          </a:bodyPr>
+          <a:lstStyle/>
+          <a:p>
+            <a:pPr marL="0" lvl="0" indent="0" algn="l" rtl="0">
+              <a:spcBef>
+                <a:spcPts val="0"/>
+              </a:spcBef>
+              <a:spcAft>
+                <a:spcPts val="0"/>
+              </a:spcAft>
+              <a:buNone/>
+            </a:pPr>
+            <a:r>
+              <a:rPr lang="en" sz="1500" b="1" dirty="0">
+                <a:solidFill>
+                  <a:schemeClr val="lt2"/>
+                </a:solidFill>
+                <a:latin typeface="Nunito Sans"/>
+                <a:ea typeface="Nunito Sans"/>
+                <a:cs typeface="Nunito Sans"/>
+                <a:sym typeface="Nunito Sans"/>
+              </a:rPr>
+              <a:t>EDS213 - Databases &amp; Data Management</a:t>
+            </a:r>
+            <a:endParaRPr sz="1500" b="1" dirty="0">
+              <a:solidFill>
+                <a:schemeClr val="lt2"/>
+              </a:solidFill>
+              <a:latin typeface="Nunito Sans"/>
+              <a:ea typeface="Nunito Sans"/>
+              <a:cs typeface="Nunito Sans"/>
+              <a:sym typeface="Nunito Sans"/>
+            </a:endParaRPr>
+          </a:p>
+          <a:p>
+            <a:pPr marL="0" lvl="0" indent="0" algn="l" rtl="0">
+              <a:spcBef>
+                <a:spcPts val="0"/>
+              </a:spcBef>
+              <a:spcAft>
+                <a:spcPts val="0"/>
+              </a:spcAft>
+              <a:buNone/>
+            </a:pPr>
+            <a:r>
+              <a:rPr lang="en" sz="1500" b="1" dirty="0">
+                <a:solidFill>
+                  <a:schemeClr val="lt2"/>
+                </a:solidFill>
+                <a:latin typeface="Nunito Sans"/>
+                <a:ea typeface="Nunito Sans"/>
+                <a:cs typeface="Nunito Sans"/>
+                <a:sym typeface="Nunito Sans"/>
+              </a:rPr>
+              <a:t>Week </a:t>
+            </a:r>
+            <a:r>
+              <a:rPr lang="en-US" sz="1500" b="1" dirty="0">
+                <a:solidFill>
+                  <a:schemeClr val="lt2"/>
+                </a:solidFill>
+                <a:latin typeface="Nunito Sans"/>
+                <a:ea typeface="Nunito Sans"/>
+                <a:cs typeface="Nunito Sans"/>
+                <a:sym typeface="Nunito Sans"/>
+              </a:rPr>
+              <a:t>5</a:t>
+            </a:r>
+            <a:endParaRPr sz="1500" b="1" dirty="0">
+              <a:solidFill>
+                <a:schemeClr val="lt2"/>
+              </a:solidFill>
+              <a:latin typeface="Nunito Sans"/>
+              <a:ea typeface="Nunito Sans"/>
+              <a:cs typeface="Nunito Sans"/>
+              <a:sym typeface="Nunito Sans"/>
+            </a:endParaRPr>
+          </a:p>
+          <a:p>
+            <a:pPr marL="0" lvl="0" indent="0" algn="l" rtl="0">
+              <a:spcBef>
+                <a:spcPts val="0"/>
+              </a:spcBef>
+              <a:spcAft>
+                <a:spcPts val="0"/>
+              </a:spcAft>
+              <a:buNone/>
+            </a:pPr>
+            <a:endParaRPr sz="1300" i="1" dirty="0">
+              <a:solidFill>
+                <a:srgbClr val="F1C232"/>
+              </a:solidFill>
+              <a:latin typeface="Lobster"/>
+              <a:ea typeface="Lobster"/>
+              <a:cs typeface="Lobster"/>
+              <a:sym typeface="Lobster"/>
+            </a:endParaRPr>
           </a:p>
         </p:txBody>
       </p:sp>
@@ -18481,7 +20681,209 @@
           <a:p>
             <a:r>
               <a:rPr lang="en-US" dirty="0"/>
-              <a:t>Recap so far</a:t>
+              <a:t>Where we are</a:t>
+            </a:r>
+          </a:p>
+        </p:txBody>
+      </p:sp>
+      <p:sp>
+        <p:nvSpPr>
+          <p:cNvPr id="6" name="Text Placeholder 5">
+            <a:extLst>
+              <a:ext uri="{FF2B5EF4-FFF2-40B4-BE49-F238E27FC236}">
+                <a16:creationId xmlns:a16="http://schemas.microsoft.com/office/drawing/2014/main" id="{2A92C8E0-AA8D-FED6-880C-601DDECD533B}"/>
+              </a:ext>
+            </a:extLst>
+          </p:cNvPr>
+          <p:cNvSpPr>
+            <a:spLocks noGrp="1"/>
+          </p:cNvSpPr>
+          <p:nvPr>
+            <p:ph type="body" idx="1"/>
+          </p:nvPr>
+        </p:nvSpPr>
+        <p:spPr/>
+        <p:txBody>
+          <a:bodyPr>
+            <a:normAutofit lnSpcReduction="10000"/>
+          </a:bodyPr>
+          <a:lstStyle/>
+          <a:p>
+            <a:r>
+              <a:rPr lang="en-US" dirty="0"/>
+              <a:t>You have (almost) all the tools you need to successfully use relational databases</a:t>
+            </a:r>
+          </a:p>
+          <a:p>
+            <a:pPr lvl="1"/>
+            <a:endParaRPr lang="en-US" dirty="0">
+              <a:latin typeface="Avenir Book" panose="02000503020000020003" pitchFamily="2" charset="0"/>
+            </a:endParaRPr>
+          </a:p>
+          <a:p>
+            <a:r>
+              <a:rPr lang="en-US" dirty="0"/>
+              <a:t>When relational databases are appropriate, likely to be encountered</a:t>
+            </a:r>
+          </a:p>
+          <a:p>
+            <a:pPr lvl="1"/>
+            <a:r>
+              <a:rPr lang="en-US" dirty="0">
+                <a:latin typeface="Avenir Book" panose="02000503020000020003" pitchFamily="2" charset="0"/>
+              </a:rPr>
+              <a:t>More likely: managing data within project</a:t>
+            </a:r>
+          </a:p>
+          <a:p>
+            <a:pPr lvl="1"/>
+            <a:r>
+              <a:rPr lang="en-US" dirty="0">
+                <a:latin typeface="Avenir Book" panose="02000503020000020003" pitchFamily="2" charset="0"/>
+              </a:rPr>
+              <a:t>Unlikely: public/API data access</a:t>
+            </a:r>
+          </a:p>
+          <a:p>
+            <a:pPr lvl="1"/>
+            <a:endParaRPr lang="en-US" dirty="0">
+              <a:latin typeface="Avenir Book" panose="02000503020000020003" pitchFamily="2" charset="0"/>
+            </a:endParaRPr>
+          </a:p>
+          <a:p>
+            <a:r>
+              <a:rPr lang="en-US" dirty="0"/>
+              <a:t>Data modeling</a:t>
+            </a:r>
+          </a:p>
+          <a:p>
+            <a:pPr lvl="1"/>
+            <a:r>
+              <a:rPr lang="en-US" dirty="0">
+                <a:latin typeface="Avenir Book" panose="02000503020000020003" pitchFamily="2" charset="0"/>
+              </a:rPr>
+              <a:t>Importance of defining, constraining data</a:t>
+            </a:r>
+          </a:p>
+          <a:p>
+            <a:pPr lvl="1"/>
+            <a:r>
+              <a:rPr lang="en-US" dirty="0">
+                <a:latin typeface="Avenir Book" panose="02000503020000020003" pitchFamily="2" charset="0"/>
+              </a:rPr>
+              <a:t>Entities, attributes, relationships; normalization</a:t>
+            </a:r>
+          </a:p>
+          <a:p>
+            <a:pPr lvl="1"/>
+            <a:r>
+              <a:rPr lang="en-US" dirty="0">
+                <a:latin typeface="Avenir Book" panose="02000503020000020003" pitchFamily="2" charset="0"/>
+              </a:rPr>
+              <a:t>“Even though the data modelling phase represents only a relatively small share of the total development effort of data systems, its impact on the final result is probably greater than that of any other phase.” (</a:t>
+            </a:r>
+            <a:r>
+              <a:rPr lang="en-US" dirty="0" err="1">
+                <a:latin typeface="Avenir Book" panose="02000503020000020003" pitchFamily="2" charset="0"/>
+              </a:rPr>
+              <a:t>Wohner</a:t>
+            </a:r>
+            <a:r>
+              <a:rPr lang="en-US" dirty="0">
+                <a:latin typeface="Avenir Book" panose="02000503020000020003" pitchFamily="2" charset="0"/>
+              </a:rPr>
+              <a:t> 2022)</a:t>
+            </a:r>
+          </a:p>
+        </p:txBody>
+      </p:sp>
+      <p:sp>
+        <p:nvSpPr>
+          <p:cNvPr id="7" name="Slide Number Placeholder 6">
+            <a:extLst>
+              <a:ext uri="{FF2B5EF4-FFF2-40B4-BE49-F238E27FC236}">
+                <a16:creationId xmlns:a16="http://schemas.microsoft.com/office/drawing/2014/main" id="{CB1183F7-8A39-501D-ED5D-4756FC7BCA23}"/>
+              </a:ext>
+            </a:extLst>
+          </p:cNvPr>
+          <p:cNvSpPr>
+            <a:spLocks noGrp="1"/>
+          </p:cNvSpPr>
+          <p:nvPr>
+            <p:ph type="sldNum" idx="12"/>
+          </p:nvPr>
+        </p:nvSpPr>
+        <p:spPr/>
+        <p:txBody>
+          <a:bodyPr/>
+          <a:lstStyle/>
+          <a:p>
+            <a:pPr marL="0" lvl="0" indent="0" algn="r" rtl="0">
+              <a:spcBef>
+                <a:spcPts val="0"/>
+              </a:spcBef>
+              <a:spcAft>
+                <a:spcPts val="0"/>
+              </a:spcAft>
+              <a:buNone/>
+            </a:pPr>
+            <a:fld id="{00000000-1234-1234-1234-123412341234}" type="slidenum">
+              <a:rPr lang="en" smtClean="0"/>
+              <a:t>3</a:t>
+            </a:fld>
+            <a:endParaRPr lang="en" dirty="0"/>
+          </a:p>
+        </p:txBody>
+      </p:sp>
+    </p:spTree>
+  </p:cSld>
+  <p:clrMapOvr>
+    <a:masterClrMapping/>
+  </p:clrMapOvr>
+</p:sld>
+</file>
+
+<file path=ppt/slides/slide4.xml><?xml version="1.0" encoding="utf-8"?>
+<p:sld xmlns:a="http://schemas.openxmlformats.org/drawingml/2006/main" xmlns:r="http://schemas.openxmlformats.org/officeDocument/2006/relationships" xmlns:p="http://schemas.openxmlformats.org/presentationml/2006/main">
+  <p:cSld>
+    <p:spTree>
+      <p:nvGrpSpPr>
+        <p:cNvPr id="1" name="Shape 145"/>
+        <p:cNvGrpSpPr/>
+        <p:nvPr/>
+      </p:nvGrpSpPr>
+      <p:grpSpPr>
+        <a:xfrm>
+          <a:off x="0" y="0"/>
+          <a:ext cx="0" cy="0"/>
+          <a:chOff x="0" y="0"/>
+          <a:chExt cx="0" cy="0"/>
+        </a:xfrm>
+      </p:grpSpPr>
+      <p:sp>
+        <p:nvSpPr>
+          <p:cNvPr id="5" name="Title 4">
+            <a:extLst>
+              <a:ext uri="{FF2B5EF4-FFF2-40B4-BE49-F238E27FC236}">
+                <a16:creationId xmlns:a16="http://schemas.microsoft.com/office/drawing/2014/main" id="{F1DD394F-4238-CED7-B93B-79FEC9EF9F10}"/>
+              </a:ext>
+            </a:extLst>
+          </p:cNvPr>
+          <p:cNvSpPr>
+            <a:spLocks noGrp="1"/>
+          </p:cNvSpPr>
+          <p:nvPr>
+            <p:ph type="title"/>
+          </p:nvPr>
+        </p:nvSpPr>
+        <p:spPr/>
+        <p:txBody>
+          <a:bodyPr/>
+          <a:lstStyle/>
+          <a:p>
+            <a:r>
+              <a:rPr lang="en-US" dirty="0"/>
+              <a:t>Where we are</a:t>
             </a:r>
           </a:p>
         </p:txBody>
@@ -18527,7 +20929,7 @@
               <a:rPr lang="en-US" dirty="0">
                 <a:latin typeface="Avenir Book" panose="02000503020000020003" pitchFamily="2" charset="0"/>
               </a:rPr>
-              <a:t>Queries, grouping, aggregation, joins (inner, outer, self)</a:t>
+              <a:t>Queries, grouping, aggregation, joins</a:t>
             </a:r>
           </a:p>
           <a:p>
@@ -18557,7 +20959,7 @@
           <a:p>
             <a:r>
               <a:rPr lang="en-US" dirty="0"/>
-              <a:t>Programming against databases</a:t>
+              <a:t>Next week: programming against databases</a:t>
             </a:r>
           </a:p>
           <a:p>
@@ -18566,7 +20968,16 @@
               <a:rPr lang="en-US" dirty="0">
                 <a:latin typeface="Avenir Book" panose="02000503020000020003" pitchFamily="2" charset="0"/>
               </a:rPr>
-              <a:t>Fundamental API: connections, cursors, submitting SQL statements, fetching results</a:t>
+              <a:t>From Python and R</a:t>
+            </a:r>
+          </a:p>
+          <a:p>
+            <a:pPr lvl="1"/>
+            <a:r>
+              <a:rPr lang="en-US" dirty="0">
+                <a:latin typeface="Avenir Book" panose="02000503020000020003" pitchFamily="2" charset="0"/>
+              </a:rPr>
+              <a:t>Fundamental API</a:t>
             </a:r>
           </a:p>
           <a:p>
@@ -18576,48 +20987,6 @@
                 <a:latin typeface="Avenir Book" panose="02000503020000020003" pitchFamily="2" charset="0"/>
               </a:rPr>
               <a:t>Higher-level interfaces</a:t>
-            </a:r>
-          </a:p>
-          <a:p>
-            <a:pPr lvl="2"/>
-            <a:r>
-              <a:rPr lang="en-US" dirty="0">
-                <a:latin typeface="Avenir Book" panose="02000503020000020003" pitchFamily="2" charset="0"/>
-              </a:rPr>
-              <a:t>Query-to-</a:t>
-            </a:r>
-            <a:r>
-              <a:rPr lang="en-US" dirty="0" err="1">
-                <a:latin typeface="Avenir Book" panose="02000503020000020003" pitchFamily="2" charset="0"/>
-              </a:rPr>
-              <a:t>dataframe</a:t>
-            </a:r>
-            <a:r>
-              <a:rPr lang="en-US" dirty="0">
-                <a:latin typeface="Avenir Book" panose="02000503020000020003" pitchFamily="2" charset="0"/>
-              </a:rPr>
-              <a:t> (Python)</a:t>
-            </a:r>
-          </a:p>
-          <a:p>
-            <a:pPr lvl="2"/>
-            <a:r>
-              <a:rPr lang="en-US" dirty="0">
-                <a:latin typeface="Avenir Book" panose="02000503020000020003" pitchFamily="2" charset="0"/>
-              </a:rPr>
-              <a:t>Map tables to </a:t>
-            </a:r>
-            <a:r>
-              <a:rPr lang="en-US" dirty="0" err="1">
-                <a:latin typeface="Avenir Book" panose="02000503020000020003" pitchFamily="2" charset="0"/>
-              </a:rPr>
-              <a:t>dataframes</a:t>
-            </a:r>
-            <a:r>
-              <a:rPr lang="en-US" dirty="0">
-                <a:latin typeface="Avenir Book" panose="02000503020000020003" pitchFamily="2" charset="0"/>
-              </a:rPr>
-              <a:t> (R)</a:t>
             </a:r>
           </a:p>
         </p:txBody>
@@ -18654,7 +21023,7 @@
             </a:pPr>
             <a:fld id="{00000000-1234-1234-1234-123412341234}" type="slidenum">
               <a:rPr lang="en" smtClean="0"/>
-              <a:t>3</a:t>
+              <a:t>4</a:t>
             </a:fld>
             <a:endParaRPr lang="en" dirty="0"/>
           </a:p>
@@ -18673,7 +21042,7 @@
 </p:sld>
 </file>
 
-<file path=ppt/slides/slide4.xml><?xml version="1.0" encoding="utf-8"?>
+<file path=ppt/slides/slide5.xml><?xml version="1.0" encoding="utf-8"?>
 <p:sld xmlns:a="http://schemas.openxmlformats.org/drawingml/2006/main" xmlns:r="http://schemas.openxmlformats.org/officeDocument/2006/relationships" xmlns:p="http://schemas.openxmlformats.org/presentationml/2006/main">
   <p:cSld>
     <p:spTree>
@@ -18805,7 +21174,7 @@
             </a:pPr>
             <a:fld id="{00000000-1234-1234-1234-123412341234}" type="slidenum">
               <a:rPr lang="en" smtClean="0"/>
-              <a:t>4</a:t>
+              <a:t>5</a:t>
             </a:fld>
             <a:endParaRPr lang="en" dirty="0"/>
           </a:p>
@@ -18824,7 +21193,7 @@
 </p:sld>
 </file>
 
-<file path=ppt/slides/slide5.xml><?xml version="1.0" encoding="utf-8"?>
+<file path=ppt/slides/slide6.xml><?xml version="1.0" encoding="utf-8"?>
 <p:sld xmlns:a="http://schemas.openxmlformats.org/drawingml/2006/main" xmlns:r="http://schemas.openxmlformats.org/officeDocument/2006/relationships" xmlns:p="http://schemas.openxmlformats.org/presentationml/2006/main">
   <p:cSld>
     <p:spTree>
@@ -19006,7 +21375,7 @@
             </a:pPr>
             <a:fld id="{00000000-1234-1234-1234-123412341234}" type="slidenum">
               <a:rPr lang="en" smtClean="0"/>
-              <a:t>5</a:t>
+              <a:t>6</a:t>
             </a:fld>
             <a:endParaRPr lang="en" dirty="0"/>
           </a:p>
@@ -19025,7 +21394,7 @@
 </p:sld>
 </file>
 
-<file path=ppt/slides/slide6.xml><?xml version="1.0" encoding="utf-8"?>
+<file path=ppt/slides/slide7.xml><?xml version="1.0" encoding="utf-8"?>
 <p:sld xmlns:a="http://schemas.openxmlformats.org/drawingml/2006/main" xmlns:r="http://schemas.openxmlformats.org/officeDocument/2006/relationships" xmlns:p="http://schemas.openxmlformats.org/presentationml/2006/main">
   <p:cSld>
     <p:spTree>
@@ -19196,7 +21565,7 @@
             </a:pPr>
             <a:fld id="{00000000-1234-1234-1234-123412341234}" type="slidenum">
               <a:rPr lang="en" smtClean="0"/>
-              <a:t>6</a:t>
+              <a:t>7</a:t>
             </a:fld>
             <a:endParaRPr lang="en" dirty="0"/>
           </a:p>
@@ -19215,7 +21584,7 @@
 </p:sld>
 </file>
 
-<file path=ppt/slides/slide7.xml><?xml version="1.0" encoding="utf-8"?>
+<file path=ppt/slides/slide8.xml><?xml version="1.0" encoding="utf-8"?>
 <p:sld xmlns:a="http://schemas.openxmlformats.org/drawingml/2006/main" xmlns:r="http://schemas.openxmlformats.org/officeDocument/2006/relationships" xmlns:p="http://schemas.openxmlformats.org/presentationml/2006/main">
   <p:cSld>
     <p:spTree>
@@ -19283,7 +21652,13 @@
           <a:p>
             <a:r>
               <a:rPr lang="en-US" dirty="0"/>
-              <a:t>Two concurrent workers, one value in one database</a:t>
+              <a:t>Mini-database: one table, one row, one column, one value (=0)</a:t>
+            </a:r>
+          </a:p>
+          <a:p>
+            <a:r>
+              <a:rPr lang="en-US" dirty="0"/>
+              <a:t>Two concurrent workers</a:t>
             </a:r>
           </a:p>
           <a:p>
@@ -19364,7 +21739,7 @@
             </a:pPr>
             <a:fld id="{00000000-1234-1234-1234-123412341234}" type="slidenum">
               <a:rPr lang="en" smtClean="0"/>
-              <a:t>7</a:t>
+              <a:t>8</a:t>
             </a:fld>
             <a:endParaRPr lang="en" dirty="0"/>
           </a:p>
@@ -19374,674 +21749,6 @@
     <p:extLst>
       <p:ext uri="{BB962C8B-B14F-4D97-AF65-F5344CB8AC3E}">
         <p14:creationId xmlns:p14="http://schemas.microsoft.com/office/powerpoint/2010/main" val="2515881235"/>
-      </p:ext>
-    </p:extLst>
-  </p:cSld>
-  <p:clrMapOvr>
-    <a:masterClrMapping/>
-  </p:clrMapOvr>
-</p:sld>
-</file>
-
-<file path=ppt/slides/slide8.xml><?xml version="1.0" encoding="utf-8"?>
-<p:sld xmlns:a="http://schemas.openxmlformats.org/drawingml/2006/main" xmlns:r="http://schemas.openxmlformats.org/officeDocument/2006/relationships" xmlns:p="http://schemas.openxmlformats.org/presentationml/2006/main">
-  <p:cSld>
-    <p:spTree>
-      <p:nvGrpSpPr>
-        <p:cNvPr id="1" name=""/>
-        <p:cNvGrpSpPr/>
-        <p:nvPr/>
-      </p:nvGrpSpPr>
-      <p:grpSpPr>
-        <a:xfrm>
-          <a:off x="0" y="0"/>
-          <a:ext cx="0" cy="0"/>
-          <a:chOff x="0" y="0"/>
-          <a:chExt cx="0" cy="0"/>
-        </a:xfrm>
-      </p:grpSpPr>
-      <p:sp>
-        <p:nvSpPr>
-          <p:cNvPr id="2" name="Title 1">
-            <a:extLst>
-              <a:ext uri="{FF2B5EF4-FFF2-40B4-BE49-F238E27FC236}">
-                <a16:creationId xmlns:a16="http://schemas.microsoft.com/office/drawing/2014/main" id="{11013E7F-80BA-96EA-3186-21FE598EE39A}"/>
-              </a:ext>
-            </a:extLst>
-          </p:cNvPr>
-          <p:cNvSpPr>
-            <a:spLocks noGrp="1"/>
-          </p:cNvSpPr>
-          <p:nvPr>
-            <p:ph type="title"/>
-          </p:nvPr>
-        </p:nvSpPr>
-        <p:spPr/>
-        <p:txBody>
-          <a:bodyPr/>
-          <a:lstStyle/>
-          <a:p>
-            <a:r>
-              <a:rPr lang="en-US" dirty="0"/>
-              <a:t>What goes wrong? One way:</a:t>
-            </a:r>
-          </a:p>
-        </p:txBody>
-      </p:sp>
-      <p:sp>
-        <p:nvSpPr>
-          <p:cNvPr id="4" name="Slide Number Placeholder 3">
-            <a:extLst>
-              <a:ext uri="{FF2B5EF4-FFF2-40B4-BE49-F238E27FC236}">
-                <a16:creationId xmlns:a16="http://schemas.microsoft.com/office/drawing/2014/main" id="{AAD379C9-D27F-E4A6-FFE9-03ECC7F4C64F}"/>
-              </a:ext>
-            </a:extLst>
-          </p:cNvPr>
-          <p:cNvSpPr>
-            <a:spLocks noGrp="1"/>
-          </p:cNvSpPr>
-          <p:nvPr>
-            <p:ph type="sldNum" idx="12"/>
-          </p:nvPr>
-        </p:nvSpPr>
-        <p:spPr/>
-        <p:txBody>
-          <a:bodyPr/>
-          <a:lstStyle/>
-          <a:p>
-            <a:pPr marL="0" lvl="0" indent="0" algn="r" rtl="0">
-              <a:spcBef>
-                <a:spcPts val="0"/>
-              </a:spcBef>
-              <a:spcAft>
-                <a:spcPts val="0"/>
-              </a:spcAft>
-              <a:buNone/>
-            </a:pPr>
-            <a:fld id="{00000000-1234-1234-1234-123412341234}" type="slidenum">
-              <a:rPr lang="en" smtClean="0"/>
-              <a:t>8</a:t>
-            </a:fld>
-            <a:endParaRPr lang="en" dirty="0"/>
-          </a:p>
-        </p:txBody>
-      </p:sp>
-      <p:graphicFrame>
-        <p:nvGraphicFramePr>
-          <p:cNvPr id="7" name="Table 7">
-            <a:extLst>
-              <a:ext uri="{FF2B5EF4-FFF2-40B4-BE49-F238E27FC236}">
-                <a16:creationId xmlns:a16="http://schemas.microsoft.com/office/drawing/2014/main" id="{1137D26C-0CAA-FBD8-6796-43F748F903AA}"/>
-              </a:ext>
-            </a:extLst>
-          </p:cNvPr>
-          <p:cNvGraphicFramePr>
-            <a:graphicFrameLocks noGrp="1"/>
-          </p:cNvGraphicFramePr>
-          <p:nvPr>
-            <p:extLst>
-              <p:ext uri="{D42A27DB-BD31-4B8C-83A1-F6EECF244321}">
-                <p14:modId xmlns:p14="http://schemas.microsoft.com/office/powerpoint/2010/main" val="3859730632"/>
-              </p:ext>
-            </p:extLst>
-          </p:nvPr>
-        </p:nvGraphicFramePr>
-        <p:xfrm>
-          <a:off x="1384515" y="1608817"/>
-          <a:ext cx="6096000" cy="2225040"/>
-        </p:xfrm>
-        <a:graphic>
-          <a:graphicData uri="http://schemas.openxmlformats.org/drawingml/2006/table">
-            <a:tbl>
-              <a:tblPr firstRow="1" bandRow="1">
-                <a:tableStyleId>{5C22544A-7EE6-4342-B048-85BDC9FD1C3A}</a:tableStyleId>
-              </a:tblPr>
-              <a:tblGrid>
-                <a:gridCol w="2032000">
-                  <a:extLst>
-                    <a:ext uri="{9D8B030D-6E8A-4147-A177-3AD203B41FA5}">
-                      <a16:colId xmlns:a16="http://schemas.microsoft.com/office/drawing/2014/main" val="2370690924"/>
-                    </a:ext>
-                  </a:extLst>
-                </a:gridCol>
-                <a:gridCol w="2032000">
-                  <a:extLst>
-                    <a:ext uri="{9D8B030D-6E8A-4147-A177-3AD203B41FA5}">
-                      <a16:colId xmlns:a16="http://schemas.microsoft.com/office/drawing/2014/main" val="666113382"/>
-                    </a:ext>
-                  </a:extLst>
-                </a:gridCol>
-                <a:gridCol w="2032000">
-                  <a:extLst>
-                    <a:ext uri="{9D8B030D-6E8A-4147-A177-3AD203B41FA5}">
-                      <a16:colId xmlns:a16="http://schemas.microsoft.com/office/drawing/2014/main" val="1416630"/>
-                    </a:ext>
-                  </a:extLst>
-                </a:gridCol>
-              </a:tblGrid>
-              <a:tr h="370840">
-                <a:tc>
-                  <a:txBody>
-                    <a:bodyPr/>
-                    <a:lstStyle/>
-                    <a:p>
-                      <a:pPr algn="ctr"/>
-                      <a:r>
-                        <a:rPr lang="en-US" dirty="0"/>
-                        <a:t>+1 worker</a:t>
-                      </a:r>
-                    </a:p>
-                  </a:txBody>
-                  <a:tcPr/>
-                </a:tc>
-                <a:tc>
-                  <a:txBody>
-                    <a:bodyPr/>
-                    <a:lstStyle/>
-                    <a:p>
-                      <a:pPr algn="ctr"/>
-                      <a:r>
-                        <a:rPr lang="en-US" dirty="0"/>
-                        <a:t>database value</a:t>
-                      </a:r>
-                    </a:p>
-                  </a:txBody>
-                  <a:tcPr/>
-                </a:tc>
-                <a:tc>
-                  <a:txBody>
-                    <a:bodyPr/>
-                    <a:lstStyle/>
-                    <a:p>
-                      <a:pPr algn="ctr"/>
-                      <a:r>
-                        <a:rPr lang="en-US" dirty="0"/>
-                        <a:t>-1 worker</a:t>
-                      </a:r>
-                    </a:p>
-                  </a:txBody>
-                  <a:tcPr/>
-                </a:tc>
-                <a:extLst>
-                  <a:ext uri="{0D108BD9-81ED-4DB2-BD59-A6C34878D82A}">
-                    <a16:rowId xmlns:a16="http://schemas.microsoft.com/office/drawing/2014/main" val="2839194435"/>
-                  </a:ext>
-                </a:extLst>
-              </a:tr>
-              <a:tr h="370840">
-                <a:tc>
-                  <a:txBody>
-                    <a:bodyPr/>
-                    <a:lstStyle/>
-                    <a:p>
-                      <a:pPr algn="ctr"/>
-                      <a:endParaRPr lang="en-US" dirty="0"/>
-                    </a:p>
-                  </a:txBody>
-                  <a:tcPr/>
-                </a:tc>
-                <a:tc>
-                  <a:txBody>
-                    <a:bodyPr/>
-                    <a:lstStyle/>
-                    <a:p>
-                      <a:pPr algn="ctr"/>
-                      <a:r>
-                        <a:rPr lang="en-US" dirty="0"/>
-                        <a:t>5</a:t>
-                      </a:r>
-                    </a:p>
-                  </a:txBody>
-                  <a:tcPr/>
-                </a:tc>
-                <a:tc>
-                  <a:txBody>
-                    <a:bodyPr/>
-                    <a:lstStyle/>
-                    <a:p>
-                      <a:pPr algn="ctr"/>
-                      <a:endParaRPr lang="en-US" dirty="0"/>
-                    </a:p>
-                  </a:txBody>
-                  <a:tcPr/>
-                </a:tc>
-                <a:extLst>
-                  <a:ext uri="{0D108BD9-81ED-4DB2-BD59-A6C34878D82A}">
-                    <a16:rowId xmlns:a16="http://schemas.microsoft.com/office/drawing/2014/main" val="901576480"/>
-                  </a:ext>
-                </a:extLst>
-              </a:tr>
-              <a:tr h="370840">
-                <a:tc>
-                  <a:txBody>
-                    <a:bodyPr/>
-                    <a:lstStyle/>
-                    <a:p>
-                      <a:pPr algn="ctr"/>
-                      <a:r>
-                        <a:rPr lang="en-US" dirty="0"/>
-                        <a:t>5</a:t>
-                      </a:r>
-                    </a:p>
-                  </a:txBody>
-                  <a:tcPr/>
-                </a:tc>
-                <a:tc>
-                  <a:txBody>
-                    <a:bodyPr/>
-                    <a:lstStyle/>
-                    <a:p>
-                      <a:pPr algn="ctr"/>
-                      <a:r>
-                        <a:rPr lang="en-US" dirty="0"/>
-                        <a:t>5</a:t>
-                      </a:r>
-                    </a:p>
-                  </a:txBody>
-                  <a:tcPr/>
-                </a:tc>
-                <a:tc>
-                  <a:txBody>
-                    <a:bodyPr/>
-                    <a:lstStyle/>
-                    <a:p>
-                      <a:pPr algn="ctr"/>
-                      <a:endParaRPr lang="en-US"/>
-                    </a:p>
-                  </a:txBody>
-                  <a:tcPr/>
-                </a:tc>
-                <a:extLst>
-                  <a:ext uri="{0D108BD9-81ED-4DB2-BD59-A6C34878D82A}">
-                    <a16:rowId xmlns:a16="http://schemas.microsoft.com/office/drawing/2014/main" val="3588503952"/>
-                  </a:ext>
-                </a:extLst>
-              </a:tr>
-              <a:tr h="370840">
-                <a:tc>
-                  <a:txBody>
-                    <a:bodyPr/>
-                    <a:lstStyle/>
-                    <a:p>
-                      <a:pPr algn="ctr"/>
-                      <a:r>
-                        <a:rPr lang="en-US" dirty="0"/>
-                        <a:t>5</a:t>
-                      </a:r>
-                    </a:p>
-                  </a:txBody>
-                  <a:tcPr/>
-                </a:tc>
-                <a:tc>
-                  <a:txBody>
-                    <a:bodyPr/>
-                    <a:lstStyle/>
-                    <a:p>
-                      <a:pPr algn="ctr"/>
-                      <a:r>
-                        <a:rPr lang="en-US" dirty="0"/>
-                        <a:t>5</a:t>
-                      </a:r>
-                    </a:p>
-                  </a:txBody>
-                  <a:tcPr/>
-                </a:tc>
-                <a:tc>
-                  <a:txBody>
-                    <a:bodyPr/>
-                    <a:lstStyle/>
-                    <a:p>
-                      <a:pPr algn="ctr"/>
-                      <a:r>
-                        <a:rPr lang="en-US" dirty="0"/>
-                        <a:t>5</a:t>
-                      </a:r>
-                    </a:p>
-                  </a:txBody>
-                  <a:tcPr/>
-                </a:tc>
-                <a:extLst>
-                  <a:ext uri="{0D108BD9-81ED-4DB2-BD59-A6C34878D82A}">
-                    <a16:rowId xmlns:a16="http://schemas.microsoft.com/office/drawing/2014/main" val="81308422"/>
-                  </a:ext>
-                </a:extLst>
-              </a:tr>
-              <a:tr h="370840">
-                <a:tc>
-                  <a:txBody>
-                    <a:bodyPr/>
-                    <a:lstStyle/>
-                    <a:p>
-                      <a:pPr algn="ctr"/>
-                      <a:r>
-                        <a:rPr lang="en-US" dirty="0"/>
-                        <a:t>5+1 = 6</a:t>
-                      </a:r>
-                    </a:p>
-                  </a:txBody>
-                  <a:tcPr/>
-                </a:tc>
-                <a:tc>
-                  <a:txBody>
-                    <a:bodyPr/>
-                    <a:lstStyle/>
-                    <a:p>
-                      <a:pPr algn="ctr"/>
-                      <a:r>
-                        <a:rPr lang="en-US" dirty="0"/>
-                        <a:t>6</a:t>
-                      </a:r>
-                    </a:p>
-                  </a:txBody>
-                  <a:tcPr/>
-                </a:tc>
-                <a:tc>
-                  <a:txBody>
-                    <a:bodyPr/>
-                    <a:lstStyle/>
-                    <a:p>
-                      <a:pPr algn="ctr"/>
-                      <a:r>
-                        <a:rPr lang="en-US" dirty="0"/>
-                        <a:t>5</a:t>
-                      </a:r>
-                    </a:p>
-                  </a:txBody>
-                  <a:tcPr/>
-                </a:tc>
-                <a:extLst>
-                  <a:ext uri="{0D108BD9-81ED-4DB2-BD59-A6C34878D82A}">
-                    <a16:rowId xmlns:a16="http://schemas.microsoft.com/office/drawing/2014/main" val="3926644191"/>
-                  </a:ext>
-                </a:extLst>
-              </a:tr>
-              <a:tr h="370840">
-                <a:tc>
-                  <a:txBody>
-                    <a:bodyPr/>
-                    <a:lstStyle/>
-                    <a:p>
-                      <a:pPr algn="ctr"/>
-                      <a:endParaRPr lang="en-US"/>
-                    </a:p>
-                  </a:txBody>
-                  <a:tcPr/>
-                </a:tc>
-                <a:tc>
-                  <a:txBody>
-                    <a:bodyPr/>
-                    <a:lstStyle/>
-                    <a:p>
-                      <a:pPr algn="ctr"/>
-                      <a:r>
-                        <a:rPr lang="en-US" dirty="0"/>
-                        <a:t>4</a:t>
-                      </a:r>
-                    </a:p>
-                  </a:txBody>
-                  <a:tcPr/>
-                </a:tc>
-                <a:tc>
-                  <a:txBody>
-                    <a:bodyPr/>
-                    <a:lstStyle/>
-                    <a:p>
-                      <a:pPr algn="ctr"/>
-                      <a:r>
-                        <a:rPr lang="en-US" dirty="0"/>
-                        <a:t>5-1 = 4</a:t>
-                      </a:r>
-                    </a:p>
-                  </a:txBody>
-                  <a:tcPr/>
-                </a:tc>
-                <a:extLst>
-                  <a:ext uri="{0D108BD9-81ED-4DB2-BD59-A6C34878D82A}">
-                    <a16:rowId xmlns:a16="http://schemas.microsoft.com/office/drawing/2014/main" val="1927619872"/>
-                  </a:ext>
-                </a:extLst>
-              </a:tr>
-            </a:tbl>
-          </a:graphicData>
-        </a:graphic>
-      </p:graphicFrame>
-      <p:sp>
-        <p:nvSpPr>
-          <p:cNvPr id="8" name="TextBox 7">
-            <a:extLst>
-              <a:ext uri="{FF2B5EF4-FFF2-40B4-BE49-F238E27FC236}">
-                <a16:creationId xmlns:a16="http://schemas.microsoft.com/office/drawing/2014/main" id="{BBA77680-E2C2-E332-965C-1355A374DEEF}"/>
-              </a:ext>
-            </a:extLst>
-          </p:cNvPr>
-          <p:cNvSpPr txBox="1"/>
-          <p:nvPr/>
-        </p:nvSpPr>
-        <p:spPr>
-          <a:xfrm>
-            <a:off x="2845895" y="2383419"/>
-            <a:ext cx="1037463" cy="307777"/>
-          </a:xfrm>
-          <a:prstGeom prst="rect">
-            <a:avLst/>
-          </a:prstGeom>
-          <a:noFill/>
-        </p:spPr>
-        <p:txBody>
-          <a:bodyPr wrap="none" rtlCol="0">
-            <a:spAutoFit/>
-          </a:bodyPr>
-          <a:lstStyle/>
-          <a:p>
-            <a:r>
-              <a:rPr lang="en-US" b="1" dirty="0">
-                <a:solidFill>
-                  <a:srgbClr val="C00000"/>
-                </a:solidFill>
-              </a:rPr>
-              <a:t>&lt; SELECT</a:t>
-            </a:r>
-          </a:p>
-        </p:txBody>
-      </p:sp>
-      <p:sp>
-        <p:nvSpPr>
-          <p:cNvPr id="9" name="TextBox 8">
-            <a:extLst>
-              <a:ext uri="{FF2B5EF4-FFF2-40B4-BE49-F238E27FC236}">
-                <a16:creationId xmlns:a16="http://schemas.microsoft.com/office/drawing/2014/main" id="{0AE17E95-E49B-C1AA-3086-C923174893C5}"/>
-              </a:ext>
-            </a:extLst>
-          </p:cNvPr>
-          <p:cNvSpPr txBox="1"/>
-          <p:nvPr/>
-        </p:nvSpPr>
-        <p:spPr>
-          <a:xfrm>
-            <a:off x="4987872" y="2740475"/>
-            <a:ext cx="1047082" cy="307777"/>
-          </a:xfrm>
-          <a:prstGeom prst="rect">
-            <a:avLst/>
-          </a:prstGeom>
-          <a:noFill/>
-        </p:spPr>
-        <p:txBody>
-          <a:bodyPr wrap="none" rtlCol="0">
-            <a:spAutoFit/>
-          </a:bodyPr>
-          <a:lstStyle/>
-          <a:p>
-            <a:r>
-              <a:rPr lang="en-US" b="1" dirty="0">
-                <a:solidFill>
-                  <a:srgbClr val="C00000"/>
-                </a:solidFill>
-              </a:rPr>
-              <a:t>SELECT &gt;</a:t>
-            </a:r>
-          </a:p>
-        </p:txBody>
-      </p:sp>
-      <p:sp>
-        <p:nvSpPr>
-          <p:cNvPr id="10" name="TextBox 9">
-            <a:extLst>
-              <a:ext uri="{FF2B5EF4-FFF2-40B4-BE49-F238E27FC236}">
-                <a16:creationId xmlns:a16="http://schemas.microsoft.com/office/drawing/2014/main" id="{2A898547-D7FA-DFE7-F092-3E061E468FB2}"/>
-              </a:ext>
-            </a:extLst>
-          </p:cNvPr>
-          <p:cNvSpPr txBox="1"/>
-          <p:nvPr/>
-        </p:nvSpPr>
-        <p:spPr>
-          <a:xfrm>
-            <a:off x="2845895" y="3108638"/>
-            <a:ext cx="1077539" cy="307777"/>
-          </a:xfrm>
-          <a:prstGeom prst="rect">
-            <a:avLst/>
-          </a:prstGeom>
-          <a:noFill/>
-        </p:spPr>
-        <p:txBody>
-          <a:bodyPr wrap="none" rtlCol="0">
-            <a:spAutoFit/>
-          </a:bodyPr>
-          <a:lstStyle/>
-          <a:p>
-            <a:r>
-              <a:rPr lang="en-US" b="1" dirty="0">
-                <a:solidFill>
-                  <a:srgbClr val="C00000"/>
-                </a:solidFill>
-              </a:rPr>
-              <a:t>UPDATE &gt;</a:t>
-            </a:r>
-          </a:p>
-        </p:txBody>
-      </p:sp>
-      <p:sp>
-        <p:nvSpPr>
-          <p:cNvPr id="11" name="TextBox 10">
-            <a:extLst>
-              <a:ext uri="{FF2B5EF4-FFF2-40B4-BE49-F238E27FC236}">
-                <a16:creationId xmlns:a16="http://schemas.microsoft.com/office/drawing/2014/main" id="{DC80E67E-7131-ECC1-5FAF-8F2BBC5E2465}"/>
-              </a:ext>
-            </a:extLst>
-          </p:cNvPr>
-          <p:cNvSpPr txBox="1"/>
-          <p:nvPr/>
-        </p:nvSpPr>
-        <p:spPr>
-          <a:xfrm>
-            <a:off x="4957415" y="3485455"/>
-            <a:ext cx="1077539" cy="307777"/>
-          </a:xfrm>
-          <a:prstGeom prst="rect">
-            <a:avLst/>
-          </a:prstGeom>
-          <a:noFill/>
-        </p:spPr>
-        <p:txBody>
-          <a:bodyPr wrap="none" rtlCol="0">
-            <a:spAutoFit/>
-          </a:bodyPr>
-          <a:lstStyle/>
-          <a:p>
-            <a:r>
-              <a:rPr lang="en-US" b="1" dirty="0">
-                <a:solidFill>
-                  <a:srgbClr val="C00000"/>
-                </a:solidFill>
-              </a:rPr>
-              <a:t>&lt; UPDATE</a:t>
-            </a:r>
-          </a:p>
-        </p:txBody>
-      </p:sp>
-      <p:sp>
-        <p:nvSpPr>
-          <p:cNvPr id="12" name="TextBox 11">
-            <a:extLst>
-              <a:ext uri="{FF2B5EF4-FFF2-40B4-BE49-F238E27FC236}">
-                <a16:creationId xmlns:a16="http://schemas.microsoft.com/office/drawing/2014/main" id="{E4D31BEE-15D3-2760-05F6-5A31D5B3BB61}"/>
-              </a:ext>
-            </a:extLst>
-          </p:cNvPr>
-          <p:cNvSpPr txBox="1"/>
-          <p:nvPr/>
-        </p:nvSpPr>
-        <p:spPr>
-          <a:xfrm rot="16200000">
-            <a:off x="736869" y="2244282"/>
-            <a:ext cx="675185" cy="338554"/>
-          </a:xfrm>
-          <a:prstGeom prst="rect">
-            <a:avLst/>
-          </a:prstGeom>
-          <a:noFill/>
-        </p:spPr>
-        <p:txBody>
-          <a:bodyPr wrap="none" rtlCol="0">
-            <a:spAutoFit/>
-          </a:bodyPr>
-          <a:lstStyle/>
-          <a:p>
-            <a:r>
-              <a:rPr lang="en-US" sz="1600" b="1" dirty="0"/>
-              <a:t>TIME</a:t>
-            </a:r>
-          </a:p>
-        </p:txBody>
-      </p:sp>
-      <p:cxnSp>
-        <p:nvCxnSpPr>
-          <p:cNvPr id="14" name="Straight Arrow Connector 13">
-            <a:extLst>
-              <a:ext uri="{FF2B5EF4-FFF2-40B4-BE49-F238E27FC236}">
-                <a16:creationId xmlns:a16="http://schemas.microsoft.com/office/drawing/2014/main" id="{6DC0E1A9-4B42-2195-ECBA-E403DD44820C}"/>
-              </a:ext>
-            </a:extLst>
-          </p:cNvPr>
-          <p:cNvCxnSpPr/>
-          <p:nvPr/>
-        </p:nvCxnSpPr>
-        <p:spPr>
-          <a:xfrm>
-            <a:off x="1074462" y="2704746"/>
-            <a:ext cx="0" cy="764119"/>
-          </a:xfrm>
-          <a:prstGeom prst="straightConnector1">
-            <a:avLst/>
-          </a:prstGeom>
-          <a:ln w="38100">
-            <a:solidFill>
-              <a:schemeClr val="tx1"/>
-            </a:solidFill>
-            <a:tailEnd type="triangle"/>
-          </a:ln>
-        </p:spPr>
-        <p:style>
-          <a:lnRef idx="1">
-            <a:schemeClr val="accent1"/>
-          </a:lnRef>
-          <a:fillRef idx="0">
-            <a:schemeClr val="accent1"/>
-          </a:fillRef>
-          <a:effectRef idx="0">
-            <a:schemeClr val="accent1"/>
-          </a:effectRef>
-          <a:fontRef idx="minor">
-            <a:schemeClr val="tx1"/>
-          </a:fontRef>
-        </p:style>
-      </p:cxnSp>
-    </p:spTree>
-    <p:extLst>
-      <p:ext uri="{BB962C8B-B14F-4D97-AF65-F5344CB8AC3E}">
-        <p14:creationId xmlns:p14="http://schemas.microsoft.com/office/powerpoint/2010/main" val="3552739754"/>
       </p:ext>
     </p:extLst>
   </p:cSld>
@@ -20073,7 +21780,7 @@
           <p:cNvPr id="2" name="Title 1">
             <a:extLst>
               <a:ext uri="{FF2B5EF4-FFF2-40B4-BE49-F238E27FC236}">
-                <a16:creationId xmlns:a16="http://schemas.microsoft.com/office/drawing/2014/main" id="{11013E7F-80BA-96EA-3186-21FE598EE39A}"/>
+                <a16:creationId xmlns:a16="http://schemas.microsoft.com/office/drawing/2014/main" id="{0EE0BC89-0AFF-5C34-AC3D-4C960041D09D}"/>
               </a:ext>
             </a:extLst>
           </p:cNvPr>
@@ -20091,7 +21798,7 @@
           <a:p>
             <a:r>
               <a:rPr lang="en-US" dirty="0"/>
-              <a:t>How transactions help</a:t>
+              <a:t>Demonstration: SQL statements</a:t>
             </a:r>
           </a:p>
         </p:txBody>
@@ -20101,7 +21808,7 @@
           <p:cNvPr id="4" name="Slide Number Placeholder 3">
             <a:extLst>
               <a:ext uri="{FF2B5EF4-FFF2-40B4-BE49-F238E27FC236}">
-                <a16:creationId xmlns:a16="http://schemas.microsoft.com/office/drawing/2014/main" id="{AAD379C9-D27F-E4A6-FFE9-03ECC7F4C64F}"/>
+                <a16:creationId xmlns:a16="http://schemas.microsoft.com/office/drawing/2014/main" id="{0D9B6B93-6814-3824-0CE7-D2E2363128D4}"/>
               </a:ext>
             </a:extLst>
           </p:cNvPr>
@@ -20134,791 +21841,596 @@
           </a:p>
         </p:txBody>
       </p:sp>
-      <p:graphicFrame>
-        <p:nvGraphicFramePr>
-          <p:cNvPr id="7" name="Table 7">
+      <p:grpSp>
+        <p:nvGrpSpPr>
+          <p:cNvPr id="3" name="Group 2">
             <a:extLst>
               <a:ext uri="{FF2B5EF4-FFF2-40B4-BE49-F238E27FC236}">
-                <a16:creationId xmlns:a16="http://schemas.microsoft.com/office/drawing/2014/main" id="{1137D26C-0CAA-FBD8-6796-43F748F903AA}"/>
+                <a16:creationId xmlns:a16="http://schemas.microsoft.com/office/drawing/2014/main" id="{6E41B85B-F9F0-B0F7-861D-0E33966F7622}"/>
               </a:ext>
             </a:extLst>
           </p:cNvPr>
-          <p:cNvGraphicFramePr>
-            <a:graphicFrameLocks noGrp="1"/>
-          </p:cNvGraphicFramePr>
-          <p:nvPr>
-            <p:extLst>
-              <p:ext uri="{D42A27DB-BD31-4B8C-83A1-F6EECF244321}">
-                <p14:modId xmlns:p14="http://schemas.microsoft.com/office/powerpoint/2010/main" val="682299662"/>
-              </p:ext>
-            </p:extLst>
-          </p:nvPr>
-        </p:nvGraphicFramePr>
-        <p:xfrm>
-          <a:off x="1384515" y="1608817"/>
-          <a:ext cx="6096000" cy="2966720"/>
-        </p:xfrm>
-        <a:graphic>
-          <a:graphicData uri="http://schemas.openxmlformats.org/drawingml/2006/table">
-            <a:tbl>
-              <a:tblPr firstRow="1" bandRow="1">
-                <a:tableStyleId>{5C22544A-7EE6-4342-B048-85BDC9FD1C3A}</a:tableStyleId>
-              </a:tblPr>
-              <a:tblGrid>
-                <a:gridCol w="2032000">
-                  <a:extLst>
-                    <a:ext uri="{9D8B030D-6E8A-4147-A177-3AD203B41FA5}">
-                      <a16:colId xmlns:a16="http://schemas.microsoft.com/office/drawing/2014/main" val="2370690924"/>
-                    </a:ext>
-                  </a:extLst>
-                </a:gridCol>
-                <a:gridCol w="2032000">
-                  <a:extLst>
-                    <a:ext uri="{9D8B030D-6E8A-4147-A177-3AD203B41FA5}">
-                      <a16:colId xmlns:a16="http://schemas.microsoft.com/office/drawing/2014/main" val="666113382"/>
-                    </a:ext>
-                  </a:extLst>
-                </a:gridCol>
-                <a:gridCol w="2032000">
-                  <a:extLst>
-                    <a:ext uri="{9D8B030D-6E8A-4147-A177-3AD203B41FA5}">
-                      <a16:colId xmlns:a16="http://schemas.microsoft.com/office/drawing/2014/main" val="1416630"/>
-                    </a:ext>
-                  </a:extLst>
-                </a:gridCol>
-              </a:tblGrid>
-              <a:tr h="370840">
-                <a:tc>
-                  <a:txBody>
-                    <a:bodyPr/>
-                    <a:lstStyle/>
-                    <a:p>
-                      <a:pPr algn="ctr"/>
-                      <a:r>
-                        <a:rPr lang="en-US" dirty="0"/>
-                        <a:t>+1 worker</a:t>
-                      </a:r>
-                    </a:p>
-                  </a:txBody>
-                  <a:tcPr/>
-                </a:tc>
-                <a:tc>
-                  <a:txBody>
-                    <a:bodyPr/>
-                    <a:lstStyle/>
-                    <a:p>
-                      <a:pPr algn="ctr"/>
-                      <a:r>
-                        <a:rPr lang="en-US" dirty="0"/>
-                        <a:t>database value</a:t>
-                      </a:r>
-                    </a:p>
-                  </a:txBody>
-                  <a:tcPr/>
-                </a:tc>
-                <a:tc>
-                  <a:txBody>
-                    <a:bodyPr/>
-                    <a:lstStyle/>
-                    <a:p>
-                      <a:pPr algn="ctr"/>
-                      <a:r>
-                        <a:rPr lang="en-US" dirty="0"/>
-                        <a:t>-1 worker</a:t>
-                      </a:r>
-                    </a:p>
-                  </a:txBody>
-                  <a:tcPr/>
-                </a:tc>
+          <p:cNvGrpSpPr/>
+          <p:nvPr/>
+        </p:nvGrpSpPr>
+        <p:grpSpPr>
+          <a:xfrm>
+            <a:off x="515642" y="1409286"/>
+            <a:ext cx="8112716" cy="2843073"/>
+            <a:chOff x="634092" y="1254165"/>
+            <a:chExt cx="8112716" cy="2843073"/>
+          </a:xfrm>
+        </p:grpSpPr>
+        <p:sp>
+          <p:nvSpPr>
+            <p:cNvPr id="5" name="TextBox 4">
+              <a:extLst>
+                <a:ext uri="{FF2B5EF4-FFF2-40B4-BE49-F238E27FC236}">
+                  <a16:creationId xmlns:a16="http://schemas.microsoft.com/office/drawing/2014/main" id="{705DD196-4B1A-66FA-A972-6AD721750A68}"/>
+                </a:ext>
+              </a:extLst>
+            </p:cNvPr>
+            <p:cNvSpPr txBox="1"/>
+            <p:nvPr/>
+          </p:nvSpPr>
+          <p:spPr>
+            <a:xfrm>
+              <a:off x="3020854" y="1254165"/>
+              <a:ext cx="3339193" cy="307777"/>
+            </a:xfrm>
+            <a:prstGeom prst="rect">
+              <a:avLst/>
+            </a:prstGeom>
+            <a:noFill/>
+            <a:ln>
+              <a:solidFill>
+                <a:schemeClr val="tx1"/>
+              </a:solidFill>
+            </a:ln>
+          </p:spPr>
+          <p:txBody>
+            <a:bodyPr wrap="square" rtlCol="0">
+              <a:spAutoFit/>
+            </a:bodyPr>
+            <a:lstStyle/>
+            <a:p>
+              <a:pPr algn="ctr"/>
+              <a:r>
+                <a:rPr lang="en-US" b="1" dirty="0">
+                  <a:latin typeface="Courier New" panose="02070309020205020404" pitchFamily="49" charset="0"/>
+                  <a:cs typeface="Courier New" panose="02070309020205020404" pitchFamily="49" charset="0"/>
+                </a:rPr>
+                <a:t>UPDATE </a:t>
+              </a:r>
+              <a:r>
+                <a:rPr lang="en-US" b="1" dirty="0" err="1">
+                  <a:latin typeface="Courier New" panose="02070309020205020404" pitchFamily="49" charset="0"/>
+                  <a:cs typeface="Courier New" panose="02070309020205020404" pitchFamily="49" charset="0"/>
+                </a:rPr>
+                <a:t>my_table</a:t>
+              </a:r>
+              <a:r>
+                <a:rPr lang="en-US" b="1" dirty="0">
+                  <a:latin typeface="Courier New" panose="02070309020205020404" pitchFamily="49" charset="0"/>
+                  <a:cs typeface="Courier New" panose="02070309020205020404" pitchFamily="49" charset="0"/>
+                </a:rPr>
+                <a:t> SET value = 0</a:t>
+              </a:r>
+            </a:p>
+          </p:txBody>
+        </p:sp>
+        <p:sp>
+          <p:nvSpPr>
+            <p:cNvPr id="7" name="TextBox 6">
+              <a:extLst>
+                <a:ext uri="{FF2B5EF4-FFF2-40B4-BE49-F238E27FC236}">
+                  <a16:creationId xmlns:a16="http://schemas.microsoft.com/office/drawing/2014/main" id="{79C3A225-4B0F-FE37-19D2-3745870112C5}"/>
+                </a:ext>
+              </a:extLst>
+            </p:cNvPr>
+            <p:cNvSpPr txBox="1"/>
+            <p:nvPr/>
+          </p:nvSpPr>
+          <p:spPr>
+            <a:xfrm>
+              <a:off x="3171893" y="3789461"/>
+              <a:ext cx="3037114" cy="307777"/>
+            </a:xfrm>
+            <a:prstGeom prst="rect">
+              <a:avLst/>
+            </a:prstGeom>
+            <a:noFill/>
+            <a:ln>
+              <a:solidFill>
+                <a:schemeClr val="tx1"/>
+              </a:solidFill>
+            </a:ln>
+          </p:spPr>
+          <p:txBody>
+            <a:bodyPr wrap="square" rtlCol="0">
+              <a:spAutoFit/>
+            </a:bodyPr>
+            <a:lstStyle/>
+            <a:p>
+              <a:pPr algn="ctr"/>
+              <a:r>
+                <a:rPr lang="en-US" b="1" dirty="0">
+                  <a:latin typeface="Courier" pitchFamily="2" charset="0"/>
+                </a:rPr>
+                <a:t>SELECT value FROM </a:t>
+              </a:r>
+              <a:r>
+                <a:rPr lang="en-US" b="1" dirty="0" err="1">
+                  <a:latin typeface="Courier" pitchFamily="2" charset="0"/>
+                </a:rPr>
+                <a:t>my_table</a:t>
+              </a:r>
+              <a:endParaRPr lang="en-US" b="1" dirty="0">
+                <a:latin typeface="Courier" pitchFamily="2" charset="0"/>
+              </a:endParaRPr>
+            </a:p>
+          </p:txBody>
+        </p:sp>
+        <p:grpSp>
+          <p:nvGrpSpPr>
+            <p:cNvPr id="17" name="Group 16">
+              <a:extLst>
+                <a:ext uri="{FF2B5EF4-FFF2-40B4-BE49-F238E27FC236}">
+                  <a16:creationId xmlns:a16="http://schemas.microsoft.com/office/drawing/2014/main" id="{8E87CE1E-C77E-8DCE-3E97-B2492248007A}"/>
+                </a:ext>
+              </a:extLst>
+            </p:cNvPr>
+            <p:cNvGrpSpPr/>
+            <p:nvPr/>
+          </p:nvGrpSpPr>
+          <p:grpSpPr>
+            <a:xfrm>
+              <a:off x="634092" y="1983204"/>
+              <a:ext cx="8112716" cy="1384995"/>
+              <a:chOff x="634092" y="1774165"/>
+              <a:chExt cx="8112716" cy="1384995"/>
+            </a:xfrm>
+          </p:grpSpPr>
+          <p:sp>
+            <p:nvSpPr>
+              <p:cNvPr id="6" name="TextBox 5">
                 <a:extLst>
-                  <a:ext uri="{0D108BD9-81ED-4DB2-BD59-A6C34878D82A}">
-                    <a16:rowId xmlns:a16="http://schemas.microsoft.com/office/drawing/2014/main" val="2839194435"/>
+                  <a:ext uri="{FF2B5EF4-FFF2-40B4-BE49-F238E27FC236}">
+                    <a16:creationId xmlns:a16="http://schemas.microsoft.com/office/drawing/2014/main" id="{2B483C77-41BE-4800-799F-38C5008D491F}"/>
                   </a:ext>
                 </a:extLst>
-              </a:tr>
-              <a:tr h="370840">
-                <a:tc>
-                  <a:txBody>
-                    <a:bodyPr/>
-                    <a:lstStyle/>
-                    <a:p>
-                      <a:pPr algn="ctr"/>
-                      <a:endParaRPr lang="en-US" dirty="0"/>
-                    </a:p>
-                  </a:txBody>
-                  <a:tcPr/>
-                </a:tc>
-                <a:tc>
-                  <a:txBody>
-                    <a:bodyPr/>
-                    <a:lstStyle/>
-                    <a:p>
-                      <a:pPr algn="ctr"/>
-                      <a:r>
-                        <a:rPr lang="en-US" dirty="0"/>
-                        <a:t>5</a:t>
-                      </a:r>
-                    </a:p>
-                  </a:txBody>
-                  <a:tcPr/>
-                </a:tc>
-                <a:tc>
-                  <a:txBody>
-                    <a:bodyPr/>
-                    <a:lstStyle/>
-                    <a:p>
-                      <a:pPr algn="ctr"/>
-                      <a:endParaRPr lang="en-US" dirty="0"/>
-                    </a:p>
-                  </a:txBody>
-                  <a:tcPr/>
-                </a:tc>
+              </p:cNvPr>
+              <p:cNvSpPr txBox="1"/>
+              <p:nvPr/>
+            </p:nvSpPr>
+            <p:spPr>
+              <a:xfrm>
+                <a:off x="634092" y="1774165"/>
+                <a:ext cx="3929744" cy="1384995"/>
+              </a:xfrm>
+              <a:prstGeom prst="rect">
+                <a:avLst/>
+              </a:prstGeom>
+              <a:noFill/>
+              <a:ln>
+                <a:solidFill>
+                  <a:schemeClr val="tx1"/>
+                </a:solidFill>
+              </a:ln>
+            </p:spPr>
+            <p:txBody>
+              <a:bodyPr wrap="square" rtlCol="0">
+                <a:spAutoFit/>
+              </a:bodyPr>
+              <a:lstStyle/>
+              <a:p>
+                <a:r>
+                  <a:rPr lang="en-US" b="1" dirty="0">
+                    <a:latin typeface="Courier New" panose="02070309020205020404" pitchFamily="49" charset="0"/>
+                    <a:cs typeface="Courier New" panose="02070309020205020404" pitchFamily="49" charset="0"/>
+                  </a:rPr>
+                  <a:t>do 500 times:</a:t>
+                </a:r>
+              </a:p>
+              <a:p>
+                <a:r>
+                  <a:rPr lang="en-US" b="1" dirty="0">
+                    <a:latin typeface="Courier New" panose="02070309020205020404" pitchFamily="49" charset="0"/>
+                    <a:cs typeface="Courier New" panose="02070309020205020404" pitchFamily="49" charset="0"/>
+                  </a:rPr>
+                  <a:t>   </a:t>
+                </a:r>
+                <a:r>
+                  <a:rPr lang="en-US" b="1" dirty="0">
+                    <a:solidFill>
+                      <a:schemeClr val="bg1"/>
+                    </a:solidFill>
+                    <a:latin typeface="Courier New" panose="02070309020205020404" pitchFamily="49" charset="0"/>
+                    <a:cs typeface="Courier New" panose="02070309020205020404" pitchFamily="49" charset="0"/>
+                  </a:rPr>
+                  <a:t>BEGIN</a:t>
+                </a:r>
+              </a:p>
+              <a:p>
+                <a:r>
+                  <a:rPr lang="en-US" b="1" dirty="0">
+                    <a:latin typeface="Courier New" panose="02070309020205020404" pitchFamily="49" charset="0"/>
+                    <a:cs typeface="Courier New" panose="02070309020205020404" pitchFamily="49" charset="0"/>
+                  </a:rPr>
+                  <a:t>   v = SELECT value FROM </a:t>
+                </a:r>
+                <a:r>
+                  <a:rPr lang="en-US" b="1" dirty="0" err="1">
+                    <a:latin typeface="Courier New" panose="02070309020205020404" pitchFamily="49" charset="0"/>
+                    <a:cs typeface="Courier New" panose="02070309020205020404" pitchFamily="49" charset="0"/>
+                  </a:rPr>
+                  <a:t>my_table</a:t>
+                </a:r>
+                <a:endParaRPr lang="en-US" b="1" dirty="0">
+                  <a:latin typeface="Courier New" panose="02070309020205020404" pitchFamily="49" charset="0"/>
+                  <a:cs typeface="Courier New" panose="02070309020205020404" pitchFamily="49" charset="0"/>
+                </a:endParaRPr>
+              </a:p>
+              <a:p>
+                <a:r>
+                  <a:rPr lang="en-US" b="1" dirty="0">
+                    <a:latin typeface="Courier New" panose="02070309020205020404" pitchFamily="49" charset="0"/>
+                    <a:cs typeface="Courier New" panose="02070309020205020404" pitchFamily="49" charset="0"/>
+                  </a:rPr>
+                  <a:t>   v += 1</a:t>
+                </a:r>
+              </a:p>
+              <a:p>
+                <a:r>
+                  <a:rPr lang="en-US" b="1" dirty="0">
+                    <a:latin typeface="Courier New" panose="02070309020205020404" pitchFamily="49" charset="0"/>
+                    <a:cs typeface="Courier New" panose="02070309020205020404" pitchFamily="49" charset="0"/>
+                  </a:rPr>
+                  <a:t>   UPDATE </a:t>
+                </a:r>
+                <a:r>
+                  <a:rPr lang="en-US" b="1" dirty="0" err="1">
+                    <a:latin typeface="Courier New" panose="02070309020205020404" pitchFamily="49" charset="0"/>
+                    <a:cs typeface="Courier New" panose="02070309020205020404" pitchFamily="49" charset="0"/>
+                  </a:rPr>
+                  <a:t>my_table</a:t>
+                </a:r>
+                <a:r>
+                  <a:rPr lang="en-US" b="1" dirty="0">
+                    <a:latin typeface="Courier New" panose="02070309020205020404" pitchFamily="49" charset="0"/>
+                    <a:cs typeface="Courier New" panose="02070309020205020404" pitchFamily="49" charset="0"/>
+                  </a:rPr>
+                  <a:t> SET value = v</a:t>
+                </a:r>
+              </a:p>
+              <a:p>
+                <a:r>
+                  <a:rPr lang="en-US" b="1" dirty="0">
+                    <a:latin typeface="Courier New" panose="02070309020205020404" pitchFamily="49" charset="0"/>
+                    <a:cs typeface="Courier New" panose="02070309020205020404" pitchFamily="49" charset="0"/>
+                  </a:rPr>
+                  <a:t>   </a:t>
+                </a:r>
+                <a:r>
+                  <a:rPr lang="en-US" b="1" dirty="0">
+                    <a:solidFill>
+                      <a:schemeClr val="bg1"/>
+                    </a:solidFill>
+                    <a:latin typeface="Courier New" panose="02070309020205020404" pitchFamily="49" charset="0"/>
+                    <a:cs typeface="Courier New" panose="02070309020205020404" pitchFamily="49" charset="0"/>
+                  </a:rPr>
+                  <a:t>COMMIT</a:t>
+                </a:r>
+              </a:p>
+            </p:txBody>
+          </p:sp>
+          <p:sp>
+            <p:nvSpPr>
+              <p:cNvPr id="8" name="TextBox 7">
                 <a:extLst>
-                  <a:ext uri="{0D108BD9-81ED-4DB2-BD59-A6C34878D82A}">
-                    <a16:rowId xmlns:a16="http://schemas.microsoft.com/office/drawing/2014/main" val="901576480"/>
+                  <a:ext uri="{FF2B5EF4-FFF2-40B4-BE49-F238E27FC236}">
+                    <a16:creationId xmlns:a16="http://schemas.microsoft.com/office/drawing/2014/main" id="{998CEF98-7724-1B0F-07C9-BB7AEC4E1AAC}"/>
                   </a:ext>
                 </a:extLst>
-              </a:tr>
-              <a:tr h="370840">
-                <a:tc>
-                  <a:txBody>
-                    <a:bodyPr/>
-                    <a:lstStyle/>
-                    <a:p>
-                      <a:pPr algn="ctr"/>
-                      <a:r>
-                        <a:rPr lang="en-US" dirty="0"/>
-                        <a:t>5</a:t>
-                      </a:r>
-                    </a:p>
-                  </a:txBody>
-                  <a:tcPr/>
-                </a:tc>
-                <a:tc>
-                  <a:txBody>
-                    <a:bodyPr/>
-                    <a:lstStyle/>
-                    <a:p>
-                      <a:pPr algn="ctr"/>
-                      <a:r>
-                        <a:rPr lang="en-US" dirty="0"/>
-                        <a:t>5</a:t>
-                      </a:r>
-                    </a:p>
-                  </a:txBody>
-                  <a:tcPr/>
-                </a:tc>
-                <a:tc>
-                  <a:txBody>
-                    <a:bodyPr/>
-                    <a:lstStyle/>
-                    <a:p>
-                      <a:pPr algn="ctr"/>
-                      <a:endParaRPr lang="en-US" dirty="0"/>
-                    </a:p>
-                  </a:txBody>
-                  <a:tcPr/>
-                </a:tc>
-                <a:extLst>
-                  <a:ext uri="{0D108BD9-81ED-4DB2-BD59-A6C34878D82A}">
-                    <a16:rowId xmlns:a16="http://schemas.microsoft.com/office/drawing/2014/main" val="3588503952"/>
-                  </a:ext>
-                </a:extLst>
-              </a:tr>
-              <a:tr h="370840">
-                <a:tc>
-                  <a:txBody>
-                    <a:bodyPr/>
-                    <a:lstStyle/>
-                    <a:p>
-                      <a:pPr algn="ctr"/>
-                      <a:r>
-                        <a:rPr lang="en-US" dirty="0"/>
-                        <a:t>5</a:t>
-                      </a:r>
-                    </a:p>
-                  </a:txBody>
-                  <a:tcPr/>
-                </a:tc>
-                <a:tc>
-                  <a:txBody>
-                    <a:bodyPr/>
-                    <a:lstStyle/>
-                    <a:p>
-                      <a:pPr algn="ctr"/>
-                      <a:r>
-                        <a:rPr lang="en-US" dirty="0"/>
-                        <a:t>5</a:t>
-                      </a:r>
-                    </a:p>
-                  </a:txBody>
-                  <a:tcPr/>
-                </a:tc>
-                <a:tc>
-                  <a:txBody>
-                    <a:bodyPr/>
-                    <a:lstStyle/>
-                    <a:p>
-                      <a:pPr algn="ctr"/>
-                      <a:r>
-                        <a:rPr lang="en-US" dirty="0"/>
-                        <a:t>(wait)</a:t>
-                      </a:r>
-                    </a:p>
-                  </a:txBody>
-                  <a:tcPr/>
-                </a:tc>
-                <a:extLst>
-                  <a:ext uri="{0D108BD9-81ED-4DB2-BD59-A6C34878D82A}">
-                    <a16:rowId xmlns:a16="http://schemas.microsoft.com/office/drawing/2014/main" val="81308422"/>
-                  </a:ext>
-                </a:extLst>
-              </a:tr>
-              <a:tr h="370840">
-                <a:tc>
-                  <a:txBody>
-                    <a:bodyPr/>
-                    <a:lstStyle/>
-                    <a:p>
-                      <a:pPr algn="ctr"/>
-                      <a:r>
-                        <a:rPr lang="en-US" dirty="0"/>
-                        <a:t>5+1 = 6</a:t>
-                      </a:r>
-                    </a:p>
-                  </a:txBody>
-                  <a:tcPr/>
-                </a:tc>
-                <a:tc>
-                  <a:txBody>
-                    <a:bodyPr/>
-                    <a:lstStyle/>
-                    <a:p>
-                      <a:pPr algn="ctr"/>
-                      <a:r>
-                        <a:rPr lang="en-US" dirty="0"/>
-                        <a:t>5 or 6</a:t>
-                      </a:r>
-                    </a:p>
-                  </a:txBody>
-                  <a:tcPr/>
-                </a:tc>
-                <a:tc>
-                  <a:txBody>
-                    <a:bodyPr/>
-                    <a:lstStyle/>
-                    <a:p>
-                      <a:pPr algn="ctr"/>
-                      <a:r>
-                        <a:rPr lang="en-US" dirty="0"/>
-                        <a:t>(wait)</a:t>
-                      </a:r>
-                    </a:p>
-                  </a:txBody>
-                  <a:tcPr/>
-                </a:tc>
-                <a:extLst>
-                  <a:ext uri="{0D108BD9-81ED-4DB2-BD59-A6C34878D82A}">
-                    <a16:rowId xmlns:a16="http://schemas.microsoft.com/office/drawing/2014/main" val="3926644191"/>
-                  </a:ext>
-                </a:extLst>
-              </a:tr>
-              <a:tr h="370840">
-                <a:tc>
-                  <a:txBody>
-                    <a:bodyPr/>
-                    <a:lstStyle/>
-                    <a:p>
-                      <a:pPr algn="ctr"/>
-                      <a:endParaRPr lang="en-US" dirty="0"/>
-                    </a:p>
-                  </a:txBody>
-                  <a:tcPr/>
-                </a:tc>
-                <a:tc>
-                  <a:txBody>
-                    <a:bodyPr/>
-                    <a:lstStyle/>
-                    <a:p>
-                      <a:pPr algn="ctr"/>
-                      <a:r>
-                        <a:rPr lang="en-US" dirty="0"/>
-                        <a:t>6</a:t>
-                      </a:r>
-                    </a:p>
-                  </a:txBody>
-                  <a:tcPr/>
-                </a:tc>
-                <a:tc>
-                  <a:txBody>
-                    <a:bodyPr/>
-                    <a:lstStyle/>
-                    <a:p>
-                      <a:pPr algn="ctr"/>
-                      <a:r>
-                        <a:rPr lang="en-US" dirty="0"/>
-                        <a:t>(wait)</a:t>
-                      </a:r>
-                    </a:p>
-                  </a:txBody>
-                  <a:tcPr/>
-                </a:tc>
-                <a:extLst>
-                  <a:ext uri="{0D108BD9-81ED-4DB2-BD59-A6C34878D82A}">
-                    <a16:rowId xmlns:a16="http://schemas.microsoft.com/office/drawing/2014/main" val="2846384011"/>
-                  </a:ext>
-                </a:extLst>
-              </a:tr>
-              <a:tr h="370840">
-                <a:tc>
-                  <a:txBody>
-                    <a:bodyPr/>
-                    <a:lstStyle/>
-                    <a:p>
-                      <a:pPr algn="ctr"/>
-                      <a:endParaRPr lang="en-US" dirty="0"/>
-                    </a:p>
-                  </a:txBody>
-                  <a:tcPr/>
-                </a:tc>
-                <a:tc>
-                  <a:txBody>
-                    <a:bodyPr/>
-                    <a:lstStyle/>
-                    <a:p>
-                      <a:pPr algn="ctr"/>
-                      <a:r>
-                        <a:rPr lang="en-US" dirty="0"/>
-                        <a:t>6</a:t>
-                      </a:r>
-                    </a:p>
-                  </a:txBody>
-                  <a:tcPr/>
-                </a:tc>
-                <a:tc>
-                  <a:txBody>
-                    <a:bodyPr/>
-                    <a:lstStyle/>
-                    <a:p>
-                      <a:pPr algn="ctr"/>
-                      <a:r>
-                        <a:rPr lang="en-US" dirty="0"/>
-                        <a:t>6</a:t>
-                      </a:r>
-                    </a:p>
-                  </a:txBody>
-                  <a:tcPr/>
-                </a:tc>
-                <a:extLst>
-                  <a:ext uri="{0D108BD9-81ED-4DB2-BD59-A6C34878D82A}">
-                    <a16:rowId xmlns:a16="http://schemas.microsoft.com/office/drawing/2014/main" val="1927619872"/>
-                  </a:ext>
-                </a:extLst>
-              </a:tr>
-              <a:tr h="370840">
-                <a:tc>
-                  <a:txBody>
-                    <a:bodyPr/>
-                    <a:lstStyle/>
-                    <a:p>
-                      <a:pPr algn="ctr"/>
-                      <a:endParaRPr lang="en-US"/>
-                    </a:p>
-                  </a:txBody>
-                  <a:tcPr/>
-                </a:tc>
-                <a:tc>
-                  <a:txBody>
-                    <a:bodyPr/>
-                    <a:lstStyle/>
-                    <a:p>
-                      <a:pPr algn="ctr"/>
-                      <a:r>
-                        <a:rPr lang="en-US" dirty="0"/>
-                        <a:t>5</a:t>
-                      </a:r>
-                    </a:p>
-                  </a:txBody>
-                  <a:tcPr/>
-                </a:tc>
-                <a:tc>
-                  <a:txBody>
-                    <a:bodyPr/>
-                    <a:lstStyle/>
-                    <a:p>
-                      <a:pPr algn="ctr"/>
-                      <a:r>
-                        <a:rPr lang="en-US" dirty="0"/>
-                        <a:t>6-1 = 5</a:t>
-                      </a:r>
-                    </a:p>
-                  </a:txBody>
-                  <a:tcPr/>
-                </a:tc>
-                <a:extLst>
-                  <a:ext uri="{0D108BD9-81ED-4DB2-BD59-A6C34878D82A}">
-                    <a16:rowId xmlns:a16="http://schemas.microsoft.com/office/drawing/2014/main" val="2569729580"/>
-                  </a:ext>
-                </a:extLst>
-              </a:tr>
-            </a:tbl>
-          </a:graphicData>
-        </a:graphic>
-      </p:graphicFrame>
-      <p:sp>
-        <p:nvSpPr>
-          <p:cNvPr id="8" name="TextBox 7">
-            <a:extLst>
-              <a:ext uri="{FF2B5EF4-FFF2-40B4-BE49-F238E27FC236}">
-                <a16:creationId xmlns:a16="http://schemas.microsoft.com/office/drawing/2014/main" id="{BBA77680-E2C2-E332-965C-1355A374DEEF}"/>
-              </a:ext>
-            </a:extLst>
-          </p:cNvPr>
-          <p:cNvSpPr txBox="1"/>
-          <p:nvPr/>
-        </p:nvSpPr>
-        <p:spPr>
-          <a:xfrm>
-            <a:off x="2865933" y="2391788"/>
-            <a:ext cx="1037463" cy="307777"/>
-          </a:xfrm>
-          <a:prstGeom prst="rect">
-            <a:avLst/>
-          </a:prstGeom>
-          <a:noFill/>
-        </p:spPr>
-        <p:txBody>
-          <a:bodyPr wrap="none" rtlCol="0">
-            <a:spAutoFit/>
-          </a:bodyPr>
-          <a:lstStyle/>
-          <a:p>
-            <a:r>
-              <a:rPr lang="en-US" b="1" dirty="0">
+              </p:cNvPr>
+              <p:cNvSpPr txBox="1"/>
+              <p:nvPr/>
+            </p:nvSpPr>
+            <p:spPr>
+              <a:xfrm>
+                <a:off x="4817064" y="1774165"/>
+                <a:ext cx="3929744" cy="1384995"/>
+              </a:xfrm>
+              <a:prstGeom prst="rect">
+                <a:avLst/>
+              </a:prstGeom>
+              <a:noFill/>
+              <a:ln>
                 <a:solidFill>
-                  <a:srgbClr val="C00000"/>
+                  <a:schemeClr val="tx1"/>
                 </a:solidFill>
-              </a:rPr>
-              <a:t>&lt; SELECT</a:t>
-            </a:r>
-          </a:p>
-        </p:txBody>
-      </p:sp>
-      <p:sp>
-        <p:nvSpPr>
-          <p:cNvPr id="9" name="TextBox 8">
-            <a:extLst>
-              <a:ext uri="{FF2B5EF4-FFF2-40B4-BE49-F238E27FC236}">
-                <a16:creationId xmlns:a16="http://schemas.microsoft.com/office/drawing/2014/main" id="{0AE17E95-E49B-C1AA-3086-C923174893C5}"/>
-              </a:ext>
-            </a:extLst>
-          </p:cNvPr>
-          <p:cNvSpPr txBox="1"/>
-          <p:nvPr/>
-        </p:nvSpPr>
-        <p:spPr>
-          <a:xfrm>
-            <a:off x="4972643" y="3867705"/>
-            <a:ext cx="1047082" cy="307777"/>
-          </a:xfrm>
-          <a:prstGeom prst="rect">
-            <a:avLst/>
-          </a:prstGeom>
-          <a:noFill/>
-        </p:spPr>
-        <p:txBody>
-          <a:bodyPr wrap="none" rtlCol="0">
-            <a:spAutoFit/>
-          </a:bodyPr>
-          <a:lstStyle/>
-          <a:p>
-            <a:r>
-              <a:rPr lang="en-US" b="1" dirty="0">
-                <a:solidFill>
-                  <a:srgbClr val="C00000"/>
-                </a:solidFill>
-              </a:rPr>
-              <a:t>SELECT &gt;</a:t>
-            </a:r>
-          </a:p>
-        </p:txBody>
-      </p:sp>
-      <p:sp>
-        <p:nvSpPr>
-          <p:cNvPr id="10" name="TextBox 9">
-            <a:extLst>
-              <a:ext uri="{FF2B5EF4-FFF2-40B4-BE49-F238E27FC236}">
-                <a16:creationId xmlns:a16="http://schemas.microsoft.com/office/drawing/2014/main" id="{2A898547-D7FA-DFE7-F092-3E061E468FB2}"/>
-              </a:ext>
-            </a:extLst>
-          </p:cNvPr>
-          <p:cNvSpPr txBox="1"/>
-          <p:nvPr/>
-        </p:nvSpPr>
-        <p:spPr>
-          <a:xfrm>
-            <a:off x="2845895" y="3108638"/>
-            <a:ext cx="1077539" cy="307777"/>
-          </a:xfrm>
-          <a:prstGeom prst="rect">
-            <a:avLst/>
-          </a:prstGeom>
-          <a:noFill/>
-        </p:spPr>
-        <p:txBody>
-          <a:bodyPr wrap="none" rtlCol="0">
-            <a:spAutoFit/>
-          </a:bodyPr>
-          <a:lstStyle/>
-          <a:p>
-            <a:r>
-              <a:rPr lang="en-US" b="1" dirty="0">
-                <a:solidFill>
-                  <a:srgbClr val="C00000"/>
-                </a:solidFill>
-              </a:rPr>
-              <a:t>UPDATE &gt;</a:t>
-            </a:r>
-          </a:p>
-        </p:txBody>
-      </p:sp>
-      <p:sp>
-        <p:nvSpPr>
-          <p:cNvPr id="11" name="TextBox 10">
-            <a:extLst>
-              <a:ext uri="{FF2B5EF4-FFF2-40B4-BE49-F238E27FC236}">
-                <a16:creationId xmlns:a16="http://schemas.microsoft.com/office/drawing/2014/main" id="{DC80E67E-7131-ECC1-5FAF-8F2BBC5E2465}"/>
-              </a:ext>
-            </a:extLst>
-          </p:cNvPr>
-          <p:cNvSpPr txBox="1"/>
-          <p:nvPr/>
-        </p:nvSpPr>
-        <p:spPr>
-          <a:xfrm>
-            <a:off x="4957415" y="4237119"/>
-            <a:ext cx="1077539" cy="307777"/>
-          </a:xfrm>
-          <a:prstGeom prst="rect">
-            <a:avLst/>
-          </a:prstGeom>
-          <a:noFill/>
-        </p:spPr>
-        <p:txBody>
-          <a:bodyPr wrap="none" rtlCol="0">
-            <a:spAutoFit/>
-          </a:bodyPr>
-          <a:lstStyle/>
-          <a:p>
-            <a:r>
-              <a:rPr lang="en-US" b="1" dirty="0">
-                <a:solidFill>
-                  <a:srgbClr val="C00000"/>
-                </a:solidFill>
-              </a:rPr>
-              <a:t>&lt; UPDATE</a:t>
-            </a:r>
-          </a:p>
-        </p:txBody>
-      </p:sp>
-      <p:sp>
-        <p:nvSpPr>
-          <p:cNvPr id="12" name="TextBox 11">
-            <a:extLst>
-              <a:ext uri="{FF2B5EF4-FFF2-40B4-BE49-F238E27FC236}">
-                <a16:creationId xmlns:a16="http://schemas.microsoft.com/office/drawing/2014/main" id="{E4D31BEE-15D3-2760-05F6-5A31D5B3BB61}"/>
-              </a:ext>
-            </a:extLst>
-          </p:cNvPr>
-          <p:cNvSpPr txBox="1"/>
-          <p:nvPr/>
-        </p:nvSpPr>
-        <p:spPr>
-          <a:xfrm rot="16200000">
-            <a:off x="736869" y="2244282"/>
-            <a:ext cx="675185" cy="338554"/>
-          </a:xfrm>
-          <a:prstGeom prst="rect">
-            <a:avLst/>
-          </a:prstGeom>
-          <a:noFill/>
-        </p:spPr>
-        <p:txBody>
-          <a:bodyPr wrap="none" rtlCol="0">
-            <a:spAutoFit/>
-          </a:bodyPr>
-          <a:lstStyle/>
-          <a:p>
-            <a:r>
-              <a:rPr lang="en-US" sz="1600" b="1" dirty="0"/>
-              <a:t>TIME</a:t>
-            </a:r>
-          </a:p>
-        </p:txBody>
-      </p:sp>
-      <p:cxnSp>
-        <p:nvCxnSpPr>
-          <p:cNvPr id="14" name="Straight Arrow Connector 13">
-            <a:extLst>
-              <a:ext uri="{FF2B5EF4-FFF2-40B4-BE49-F238E27FC236}">
-                <a16:creationId xmlns:a16="http://schemas.microsoft.com/office/drawing/2014/main" id="{6DC0E1A9-4B42-2195-ECBA-E403DD44820C}"/>
-              </a:ext>
-            </a:extLst>
-          </p:cNvPr>
-          <p:cNvCxnSpPr/>
-          <p:nvPr/>
-        </p:nvCxnSpPr>
-        <p:spPr>
-          <a:xfrm>
-            <a:off x="1074462" y="2704746"/>
-            <a:ext cx="0" cy="764119"/>
-          </a:xfrm>
-          <a:prstGeom prst="straightConnector1">
-            <a:avLst/>
-          </a:prstGeom>
-          <a:ln w="38100">
-            <a:solidFill>
+              </a:ln>
+            </p:spPr>
+            <p:txBody>
+              <a:bodyPr wrap="square" rtlCol="0">
+                <a:spAutoFit/>
+              </a:bodyPr>
+              <a:lstStyle/>
+              <a:p>
+                <a:r>
+                  <a:rPr lang="en-US" b="1" dirty="0">
+                    <a:latin typeface="Courier New" panose="02070309020205020404" pitchFamily="49" charset="0"/>
+                    <a:cs typeface="Courier New" panose="02070309020205020404" pitchFamily="49" charset="0"/>
+                  </a:rPr>
+                  <a:t>do 500 times:</a:t>
+                </a:r>
+              </a:p>
+              <a:p>
+                <a:r>
+                  <a:rPr lang="en-US" b="1" dirty="0">
+                    <a:latin typeface="Courier New" panose="02070309020205020404" pitchFamily="49" charset="0"/>
+                    <a:cs typeface="Courier New" panose="02070309020205020404" pitchFamily="49" charset="0"/>
+                  </a:rPr>
+                  <a:t>   </a:t>
+                </a:r>
+                <a:r>
+                  <a:rPr lang="en-US" b="1" dirty="0">
+                    <a:solidFill>
+                      <a:schemeClr val="bg1"/>
+                    </a:solidFill>
+                    <a:latin typeface="Courier New" panose="02070309020205020404" pitchFamily="49" charset="0"/>
+                    <a:cs typeface="Courier New" panose="02070309020205020404" pitchFamily="49" charset="0"/>
+                  </a:rPr>
+                  <a:t>BEGIN</a:t>
+                </a:r>
+              </a:p>
+              <a:p>
+                <a:r>
+                  <a:rPr lang="en-US" b="1" dirty="0">
+                    <a:latin typeface="Courier New" panose="02070309020205020404" pitchFamily="49" charset="0"/>
+                    <a:cs typeface="Courier New" panose="02070309020205020404" pitchFamily="49" charset="0"/>
+                  </a:rPr>
+                  <a:t>   v = SELECT value FROM </a:t>
+                </a:r>
+                <a:r>
+                  <a:rPr lang="en-US" b="1" dirty="0" err="1">
+                    <a:latin typeface="Courier New" panose="02070309020205020404" pitchFamily="49" charset="0"/>
+                    <a:cs typeface="Courier New" panose="02070309020205020404" pitchFamily="49" charset="0"/>
+                  </a:rPr>
+                  <a:t>my_table</a:t>
+                </a:r>
+                <a:endParaRPr lang="en-US" b="1" dirty="0">
+                  <a:latin typeface="Courier New" panose="02070309020205020404" pitchFamily="49" charset="0"/>
+                  <a:cs typeface="Courier New" panose="02070309020205020404" pitchFamily="49" charset="0"/>
+                </a:endParaRPr>
+              </a:p>
+              <a:p>
+                <a:r>
+                  <a:rPr lang="en-US" b="1" dirty="0">
+                    <a:latin typeface="Courier New" panose="02070309020205020404" pitchFamily="49" charset="0"/>
+                    <a:cs typeface="Courier New" panose="02070309020205020404" pitchFamily="49" charset="0"/>
+                  </a:rPr>
+                  <a:t>   v -= 1</a:t>
+                </a:r>
+              </a:p>
+              <a:p>
+                <a:r>
+                  <a:rPr lang="en-US" b="1" dirty="0">
+                    <a:latin typeface="Courier New" panose="02070309020205020404" pitchFamily="49" charset="0"/>
+                    <a:cs typeface="Courier New" panose="02070309020205020404" pitchFamily="49" charset="0"/>
+                  </a:rPr>
+                  <a:t>   UPDATE </a:t>
+                </a:r>
+                <a:r>
+                  <a:rPr lang="en-US" b="1" dirty="0" err="1">
+                    <a:latin typeface="Courier New" panose="02070309020205020404" pitchFamily="49" charset="0"/>
+                    <a:cs typeface="Courier New" panose="02070309020205020404" pitchFamily="49" charset="0"/>
+                  </a:rPr>
+                  <a:t>my_table</a:t>
+                </a:r>
+                <a:r>
+                  <a:rPr lang="en-US" b="1" dirty="0">
+                    <a:latin typeface="Courier New" panose="02070309020205020404" pitchFamily="49" charset="0"/>
+                    <a:cs typeface="Courier New" panose="02070309020205020404" pitchFamily="49" charset="0"/>
+                  </a:rPr>
+                  <a:t> SET value = v</a:t>
+                </a:r>
+              </a:p>
+              <a:p>
+                <a:r>
+                  <a:rPr lang="en-US" b="1" dirty="0">
+                    <a:latin typeface="Courier New" panose="02070309020205020404" pitchFamily="49" charset="0"/>
+                    <a:cs typeface="Courier New" panose="02070309020205020404" pitchFamily="49" charset="0"/>
+                  </a:rPr>
+                  <a:t>   </a:t>
+                </a:r>
+                <a:r>
+                  <a:rPr lang="en-US" b="1" dirty="0">
+                    <a:solidFill>
+                      <a:schemeClr val="bg1"/>
+                    </a:solidFill>
+                    <a:latin typeface="Courier New" panose="02070309020205020404" pitchFamily="49" charset="0"/>
+                    <a:cs typeface="Courier New" panose="02070309020205020404" pitchFamily="49" charset="0"/>
+                  </a:rPr>
+                  <a:t>COMMIT</a:t>
+                </a:r>
+              </a:p>
+            </p:txBody>
+          </p:sp>
+        </p:grpSp>
+        <p:cxnSp>
+          <p:nvCxnSpPr>
+            <p:cNvPr id="10" name="Elbow Connector 9">
+              <a:extLst>
+                <a:ext uri="{FF2B5EF4-FFF2-40B4-BE49-F238E27FC236}">
+                  <a16:creationId xmlns:a16="http://schemas.microsoft.com/office/drawing/2014/main" id="{FDAAC016-2021-F95A-0A4D-A363AD59F4D6}"/>
+                </a:ext>
+              </a:extLst>
+            </p:cNvPr>
+            <p:cNvCxnSpPr>
+              <a:stCxn id="5" idx="2"/>
+              <a:endCxn id="6" idx="0"/>
+            </p:cNvCxnSpPr>
+            <p:nvPr/>
+          </p:nvCxnSpPr>
+          <p:spPr>
+            <a:xfrm rot="5400000">
+              <a:off x="3434077" y="726830"/>
+              <a:ext cx="421262" cy="2091487"/>
+            </a:xfrm>
+            <a:prstGeom prst="bentConnector3">
+              <a:avLst/>
+            </a:prstGeom>
+            <a:ln>
+              <a:tailEnd type="triangle"/>
+            </a:ln>
+          </p:spPr>
+          <p:style>
+            <a:lnRef idx="1">
+              <a:schemeClr val="accent1"/>
+            </a:lnRef>
+            <a:fillRef idx="0">
+              <a:schemeClr val="accent1"/>
+            </a:fillRef>
+            <a:effectRef idx="0">
+              <a:schemeClr val="accent1"/>
+            </a:effectRef>
+            <a:fontRef idx="minor">
               <a:schemeClr val="tx1"/>
-            </a:solidFill>
-            <a:tailEnd type="triangle"/>
-          </a:ln>
-        </p:spPr>
-        <p:style>
-          <a:lnRef idx="1">
-            <a:schemeClr val="accent1"/>
-          </a:lnRef>
-          <a:fillRef idx="0">
-            <a:schemeClr val="accent1"/>
-          </a:fillRef>
-          <a:effectRef idx="0">
-            <a:schemeClr val="accent1"/>
-          </a:effectRef>
-          <a:fontRef idx="minor">
-            <a:schemeClr val="tx1"/>
-          </a:fontRef>
-        </p:style>
-      </p:cxnSp>
-      <p:sp>
-        <p:nvSpPr>
-          <p:cNvPr id="6" name="TextBox 5">
-            <a:extLst>
-              <a:ext uri="{FF2B5EF4-FFF2-40B4-BE49-F238E27FC236}">
-                <a16:creationId xmlns:a16="http://schemas.microsoft.com/office/drawing/2014/main" id="{40480D3E-130D-87BD-FBEF-FB82D860F4E0}"/>
-              </a:ext>
-            </a:extLst>
-          </p:cNvPr>
-          <p:cNvSpPr txBox="1"/>
-          <p:nvPr/>
-        </p:nvSpPr>
-        <p:spPr>
-          <a:xfrm>
-            <a:off x="2929251" y="3492670"/>
-            <a:ext cx="910827" cy="307777"/>
-          </a:xfrm>
-          <a:prstGeom prst="rect">
-            <a:avLst/>
-          </a:prstGeom>
-          <a:noFill/>
-        </p:spPr>
-        <p:txBody>
-          <a:bodyPr wrap="none" rtlCol="0">
-            <a:spAutoFit/>
-          </a:bodyPr>
-          <a:lstStyle/>
-          <a:p>
-            <a:r>
-              <a:rPr lang="en-US" b="1" dirty="0">
-                <a:solidFill>
-                  <a:srgbClr val="C00000"/>
-                </a:solidFill>
-              </a:rPr>
-              <a:t>COMMIT</a:t>
-            </a:r>
-          </a:p>
-        </p:txBody>
-      </p:sp>
-      <p:sp>
-        <p:nvSpPr>
-          <p:cNvPr id="15" name="TextBox 14">
-            <a:extLst>
-              <a:ext uri="{FF2B5EF4-FFF2-40B4-BE49-F238E27FC236}">
-                <a16:creationId xmlns:a16="http://schemas.microsoft.com/office/drawing/2014/main" id="{CF245D92-B0AE-290D-77BA-EB3A95E1963C}"/>
-              </a:ext>
-            </a:extLst>
-          </p:cNvPr>
-          <p:cNvSpPr txBox="1"/>
-          <p:nvPr/>
-        </p:nvSpPr>
-        <p:spPr>
-          <a:xfrm>
-            <a:off x="3007798" y="2029415"/>
-            <a:ext cx="753732" cy="307777"/>
-          </a:xfrm>
-          <a:prstGeom prst="rect">
-            <a:avLst/>
-          </a:prstGeom>
-          <a:noFill/>
-        </p:spPr>
-        <p:txBody>
-          <a:bodyPr wrap="none" rtlCol="0">
-            <a:spAutoFit/>
-          </a:bodyPr>
-          <a:lstStyle/>
-          <a:p>
-            <a:r>
-              <a:rPr lang="en-US" b="1" dirty="0">
-                <a:solidFill>
-                  <a:srgbClr val="C00000"/>
-                </a:solidFill>
-              </a:rPr>
-              <a:t>BEGIN</a:t>
-            </a:r>
-          </a:p>
-        </p:txBody>
-      </p:sp>
-      <p:sp>
-        <p:nvSpPr>
-          <p:cNvPr id="16" name="TextBox 15">
-            <a:extLst>
-              <a:ext uri="{FF2B5EF4-FFF2-40B4-BE49-F238E27FC236}">
-                <a16:creationId xmlns:a16="http://schemas.microsoft.com/office/drawing/2014/main" id="{5992ACED-533B-B3EA-8692-349752A27822}"/>
-              </a:ext>
-            </a:extLst>
-          </p:cNvPr>
-          <p:cNvSpPr txBox="1"/>
-          <p:nvPr/>
-        </p:nvSpPr>
-        <p:spPr>
-          <a:xfrm>
-            <a:off x="5119318" y="2740498"/>
-            <a:ext cx="753732" cy="307777"/>
-          </a:xfrm>
-          <a:prstGeom prst="rect">
-            <a:avLst/>
-          </a:prstGeom>
-          <a:noFill/>
-        </p:spPr>
-        <p:txBody>
-          <a:bodyPr wrap="none" rtlCol="0">
-            <a:spAutoFit/>
-          </a:bodyPr>
-          <a:lstStyle/>
-          <a:p>
-            <a:r>
-              <a:rPr lang="en-US" b="1" dirty="0">
-                <a:solidFill>
-                  <a:srgbClr val="C00000"/>
-                </a:solidFill>
-              </a:rPr>
-              <a:t>BEGIN</a:t>
-            </a:r>
-          </a:p>
-        </p:txBody>
-      </p:sp>
+            </a:fontRef>
+          </p:style>
+        </p:cxnSp>
+        <p:cxnSp>
+          <p:nvCxnSpPr>
+            <p:cNvPr id="12" name="Elbow Connector 11">
+              <a:extLst>
+                <a:ext uri="{FF2B5EF4-FFF2-40B4-BE49-F238E27FC236}">
+                  <a16:creationId xmlns:a16="http://schemas.microsoft.com/office/drawing/2014/main" id="{8B35D604-9021-ACCE-CB15-346DDFB9E17A}"/>
+                </a:ext>
+              </a:extLst>
+            </p:cNvPr>
+            <p:cNvCxnSpPr>
+              <a:stCxn id="5" idx="2"/>
+              <a:endCxn id="8" idx="0"/>
+            </p:cNvCxnSpPr>
+            <p:nvPr/>
+          </p:nvCxnSpPr>
+          <p:spPr>
+            <a:xfrm rot="16200000" flipH="1">
+              <a:off x="5525562" y="726830"/>
+              <a:ext cx="421262" cy="2091485"/>
+            </a:xfrm>
+            <a:prstGeom prst="bentConnector3">
+              <a:avLst/>
+            </a:prstGeom>
+            <a:ln>
+              <a:tailEnd type="triangle"/>
+            </a:ln>
+          </p:spPr>
+          <p:style>
+            <a:lnRef idx="1">
+              <a:schemeClr val="accent1"/>
+            </a:lnRef>
+            <a:fillRef idx="0">
+              <a:schemeClr val="accent1"/>
+            </a:fillRef>
+            <a:effectRef idx="0">
+              <a:schemeClr val="accent1"/>
+            </a:effectRef>
+            <a:fontRef idx="minor">
+              <a:schemeClr val="tx1"/>
+            </a:fontRef>
+          </p:style>
+        </p:cxnSp>
+        <p:cxnSp>
+          <p:nvCxnSpPr>
+            <p:cNvPr id="14" name="Elbow Connector 13">
+              <a:extLst>
+                <a:ext uri="{FF2B5EF4-FFF2-40B4-BE49-F238E27FC236}">
+                  <a16:creationId xmlns:a16="http://schemas.microsoft.com/office/drawing/2014/main" id="{7C8DB8E6-E2A2-645E-1EEA-D6DAE9B87713}"/>
+                </a:ext>
+              </a:extLst>
+            </p:cNvPr>
+            <p:cNvCxnSpPr>
+              <a:stCxn id="6" idx="2"/>
+              <a:endCxn id="7" idx="0"/>
+            </p:cNvCxnSpPr>
+            <p:nvPr/>
+          </p:nvCxnSpPr>
+          <p:spPr>
+            <a:xfrm rot="16200000" flipH="1">
+              <a:off x="3434076" y="2533087"/>
+              <a:ext cx="421262" cy="2091486"/>
+            </a:xfrm>
+            <a:prstGeom prst="bentConnector3">
+              <a:avLst/>
+            </a:prstGeom>
+            <a:ln>
+              <a:tailEnd type="triangle"/>
+            </a:ln>
+          </p:spPr>
+          <p:style>
+            <a:lnRef idx="1">
+              <a:schemeClr val="accent1"/>
+            </a:lnRef>
+            <a:fillRef idx="0">
+              <a:schemeClr val="accent1"/>
+            </a:fillRef>
+            <a:effectRef idx="0">
+              <a:schemeClr val="accent1"/>
+            </a:effectRef>
+            <a:fontRef idx="minor">
+              <a:schemeClr val="tx1"/>
+            </a:fontRef>
+          </p:style>
+        </p:cxnSp>
+        <p:cxnSp>
+          <p:nvCxnSpPr>
+            <p:cNvPr id="16" name="Elbow Connector 15">
+              <a:extLst>
+                <a:ext uri="{FF2B5EF4-FFF2-40B4-BE49-F238E27FC236}">
+                  <a16:creationId xmlns:a16="http://schemas.microsoft.com/office/drawing/2014/main" id="{C10E11C2-82E0-50F6-60E3-6FEAB75517B5}"/>
+                </a:ext>
+              </a:extLst>
+            </p:cNvPr>
+            <p:cNvCxnSpPr>
+              <a:stCxn id="8" idx="2"/>
+              <a:endCxn id="7" idx="0"/>
+            </p:cNvCxnSpPr>
+            <p:nvPr/>
+          </p:nvCxnSpPr>
+          <p:spPr>
+            <a:xfrm rot="5400000">
+              <a:off x="5525562" y="2533087"/>
+              <a:ext cx="421262" cy="2091486"/>
+            </a:xfrm>
+            <a:prstGeom prst="bentConnector3">
+              <a:avLst/>
+            </a:prstGeom>
+            <a:ln>
+              <a:tailEnd type="triangle"/>
+            </a:ln>
+          </p:spPr>
+          <p:style>
+            <a:lnRef idx="1">
+              <a:schemeClr val="accent1"/>
+            </a:lnRef>
+            <a:fillRef idx="0">
+              <a:schemeClr val="accent1"/>
+            </a:fillRef>
+            <a:effectRef idx="0">
+              <a:schemeClr val="accent1"/>
+            </a:effectRef>
+            <a:fontRef idx="minor">
+              <a:schemeClr val="tx1"/>
+            </a:fontRef>
+          </p:style>
+        </p:cxnSp>
+      </p:grpSp>
     </p:spTree>
     <p:extLst>
       <p:ext uri="{BB962C8B-B14F-4D97-AF65-F5344CB8AC3E}">
-        <p14:creationId xmlns:p14="http://schemas.microsoft.com/office/powerpoint/2010/main" val="2681208278"/>
+        <p14:creationId xmlns:p14="http://schemas.microsoft.com/office/powerpoint/2010/main" val="2722395399"/>
       </p:ext>
     </p:extLst>
   </p:cSld>
